--- a/presentations/2018 CMCL/RSAPosterCMCL2018.pptx
+++ b/presentations/2018 CMCL/RSAPosterCMCL2018.pptx
@@ -129,37 +129,6 @@
 </p:presentation>
 </file>
 
-<file path=ppt/revisionInfo.xml><?xml version="1.0" encoding="utf-8"?>
-<p1510:revInfo xmlns:a="http://schemas.openxmlformats.org/drawingml/2006/main" xmlns:r="http://schemas.openxmlformats.org/officeDocument/2006/relationships" xmlns:p1510="http://schemas.microsoft.com/office/powerpoint/2015/10/main"/>
-</file>
-
-<file path=ppt/ink/ink1.xml><?xml version="1.0" encoding="utf-8"?>
-<inkml:ink xmlns:inkml="http://www.w3.org/2003/InkML">
-  <inkml:definitions>
-    <inkml:context xml:id="ctx0">
-      <inkml:inkSource xml:id="inkSrc0">
-        <inkml:traceFormat>
-          <inkml:channel name="X" type="integer" min="-2.14748E9" max="2.14748E9" units="cm"/>
-          <inkml:channel name="Y" type="integer" min="-2.14748E9" max="2.14748E9" units="cm"/>
-        </inkml:traceFormat>
-        <inkml:channelProperties>
-          <inkml:channelProperty channel="X" name="resolution" value="1000" units="1/cm"/>
-          <inkml:channelProperty channel="Y" name="resolution" value="1000" units="1/cm"/>
-        </inkml:channelProperties>
-      </inkml:inkSource>
-      <inkml:timestamp xml:id="ts0" timeString="2017-02-07T04:01:43.873"/>
-    </inkml:context>
-    <inkml:brush xml:id="br0">
-      <inkml:brushProperty name="width" value="0.05" units="cm"/>
-      <inkml:brushProperty name="height" value="0.05" units="cm"/>
-    </inkml:brush>
-  </inkml:definitions>
-  <inkml:trace contextRef="#ctx0" brushRef="#br0">1 0,'0'29,"0"9</inkml:trace>
-  <inkml:trace contextRef="#ctx0" brushRef="#br0" timeOffset="1542">7113-847</inkml:trace>
-  <inkml:trace contextRef="#ctx0" brushRef="#br0" timeOffset="1364">7113-847</inkml:trace>
-</inkml:ink>
-</file>
-
 <file path=ppt/notesMasters/notesMaster1.xml><?xml version="1.0" encoding="utf-8"?>
 <p:notesMaster xmlns:a="http://schemas.openxmlformats.org/drawingml/2006/main" xmlns:r="http://schemas.openxmlformats.org/officeDocument/2006/relationships" xmlns:p="http://schemas.openxmlformats.org/presentationml/2006/main">
   <p:cSld>
@@ -242,7 +211,7 @@
           <a:p>
             <a:fld id="{69CE500B-FF5B-4B28-95C2-E41CE5CE306B}" type="datetimeFigureOut">
               <a:rPr lang="en-US" smtClean="0"/>
-              <a:t>12/19/2017</a:t>
+              <a:t>12/20/2017</a:t>
             </a:fld>
             <a:endParaRPr lang="en-US"/>
           </a:p>
@@ -724,7 +693,7 @@
           <a:p>
             <a:fld id="{DE94126C-84A0-4B2B-A8D1-685EF76357B6}" type="datetimeFigureOut">
               <a:rPr lang="en-US" smtClean="0"/>
-              <a:t>12/19/2017</a:t>
+              <a:t>12/20/2017</a:t>
             </a:fld>
             <a:endParaRPr lang="en-US"/>
           </a:p>
@@ -894,7 +863,7 @@
           <a:p>
             <a:fld id="{DE94126C-84A0-4B2B-A8D1-685EF76357B6}" type="datetimeFigureOut">
               <a:rPr lang="en-US" smtClean="0"/>
-              <a:t>12/19/2017</a:t>
+              <a:t>12/20/2017</a:t>
             </a:fld>
             <a:endParaRPr lang="en-US"/>
           </a:p>
@@ -1074,7 +1043,7 @@
           <a:p>
             <a:fld id="{DE94126C-84A0-4B2B-A8D1-685EF76357B6}" type="datetimeFigureOut">
               <a:rPr lang="en-US" smtClean="0"/>
-              <a:t>12/19/2017</a:t>
+              <a:t>12/20/2017</a:t>
             </a:fld>
             <a:endParaRPr lang="en-US"/>
           </a:p>
@@ -1244,7 +1213,7 @@
           <a:p>
             <a:fld id="{DE94126C-84A0-4B2B-A8D1-685EF76357B6}" type="datetimeFigureOut">
               <a:rPr lang="en-US" smtClean="0"/>
-              <a:t>12/19/2017</a:t>
+              <a:t>12/20/2017</a:t>
             </a:fld>
             <a:endParaRPr lang="en-US"/>
           </a:p>
@@ -1488,7 +1457,7 @@
           <a:p>
             <a:fld id="{DE94126C-84A0-4B2B-A8D1-685EF76357B6}" type="datetimeFigureOut">
               <a:rPr lang="en-US" smtClean="0"/>
-              <a:t>12/19/2017</a:t>
+              <a:t>12/20/2017</a:t>
             </a:fld>
             <a:endParaRPr lang="en-US"/>
           </a:p>
@@ -1720,7 +1689,7 @@
           <a:p>
             <a:fld id="{DE94126C-84A0-4B2B-A8D1-685EF76357B6}" type="datetimeFigureOut">
               <a:rPr lang="en-US" smtClean="0"/>
-              <a:t>12/19/2017</a:t>
+              <a:t>12/20/2017</a:t>
             </a:fld>
             <a:endParaRPr lang="en-US"/>
           </a:p>
@@ -2087,7 +2056,7 @@
           <a:p>
             <a:fld id="{DE94126C-84A0-4B2B-A8D1-685EF76357B6}" type="datetimeFigureOut">
               <a:rPr lang="en-US" smtClean="0"/>
-              <a:t>12/19/2017</a:t>
+              <a:t>12/20/2017</a:t>
             </a:fld>
             <a:endParaRPr lang="en-US"/>
           </a:p>
@@ -2205,7 +2174,7 @@
           <a:p>
             <a:fld id="{DE94126C-84A0-4B2B-A8D1-685EF76357B6}" type="datetimeFigureOut">
               <a:rPr lang="en-US" smtClean="0"/>
-              <a:t>12/19/2017</a:t>
+              <a:t>12/20/2017</a:t>
             </a:fld>
             <a:endParaRPr lang="en-US"/>
           </a:p>
@@ -2300,7 +2269,7 @@
           <a:p>
             <a:fld id="{DE94126C-84A0-4B2B-A8D1-685EF76357B6}" type="datetimeFigureOut">
               <a:rPr lang="en-US" smtClean="0"/>
-              <a:t>12/19/2017</a:t>
+              <a:t>12/20/2017</a:t>
             </a:fld>
             <a:endParaRPr lang="en-US"/>
           </a:p>
@@ -2577,7 +2546,7 @@
           <a:p>
             <a:fld id="{DE94126C-84A0-4B2B-A8D1-685EF76357B6}" type="datetimeFigureOut">
               <a:rPr lang="en-US" smtClean="0"/>
-              <a:t>12/19/2017</a:t>
+              <a:t>12/20/2017</a:t>
             </a:fld>
             <a:endParaRPr lang="en-US"/>
           </a:p>
@@ -2834,7 +2803,7 @@
           <a:p>
             <a:fld id="{DE94126C-84A0-4B2B-A8D1-685EF76357B6}" type="datetimeFigureOut">
               <a:rPr lang="en-US" smtClean="0"/>
-              <a:t>12/19/2017</a:t>
+              <a:t>12/20/2017</a:t>
             </a:fld>
             <a:endParaRPr lang="en-US"/>
           </a:p>
@@ -3047,7 +3016,7 @@
           <a:p>
             <a:fld id="{DE94126C-84A0-4B2B-A8D1-685EF76357B6}" type="datetimeFigureOut">
               <a:rPr lang="en-US" smtClean="0"/>
-              <a:t>12/19/2017</a:t>
+              <a:t>12/20/2017</a:t>
             </a:fld>
             <a:endParaRPr lang="en-US"/>
           </a:p>
@@ -3452,6 +3421,159 @@
           <a:chExt cx="0" cy="0"/>
         </a:xfrm>
       </p:grpSpPr>
+      <p:sp>
+        <p:nvSpPr>
+          <p:cNvPr id="92" name="Rectangle 91"/>
+          <p:cNvSpPr/>
+          <p:nvPr/>
+        </p:nvSpPr>
+        <p:spPr>
+          <a:xfrm>
+            <a:off x="15193551" y="13292757"/>
+            <a:ext cx="13511739" cy="2705858"/>
+          </a:xfrm>
+          <a:prstGeom prst="rect">
+            <a:avLst/>
+          </a:prstGeom>
+          <a:solidFill>
+            <a:schemeClr val="accent1">
+              <a:lumMod val="40000"/>
+              <a:lumOff val="60000"/>
+              <a:alpha val="13000"/>
+            </a:schemeClr>
+          </a:solidFill>
+          <a:ln>
+            <a:solidFill>
+              <a:schemeClr val="accent1">
+                <a:shade val="50000"/>
+              </a:schemeClr>
+            </a:solidFill>
+          </a:ln>
+        </p:spPr>
+        <p:style>
+          <a:lnRef idx="2">
+            <a:schemeClr val="accent1">
+              <a:shade val="50000"/>
+            </a:schemeClr>
+          </a:lnRef>
+          <a:fillRef idx="1">
+            <a:schemeClr val="accent1"/>
+          </a:fillRef>
+          <a:effectRef idx="0">
+            <a:schemeClr val="accent1"/>
+          </a:effectRef>
+          <a:fontRef idx="minor">
+            <a:schemeClr val="lt1"/>
+          </a:fontRef>
+        </p:style>
+        <p:txBody>
+          <a:bodyPr rtlCol="0" anchor="ctr"/>
+          <a:lstStyle/>
+          <a:p>
+            <a:pPr algn="ctr"/>
+            <a:endParaRPr lang="en-US" dirty="0">
+              <a:latin typeface="Helvetica" charset="0"/>
+              <a:ea typeface="Helvetica" charset="0"/>
+              <a:cs typeface="Helvetica" charset="0"/>
+            </a:endParaRPr>
+          </a:p>
+        </p:txBody>
+      </p:sp>
+      <p:sp>
+        <p:nvSpPr>
+          <p:cNvPr id="127" name="TextBox 126">
+            <a:extLst>
+              <a:ext uri="{FF2B5EF4-FFF2-40B4-BE49-F238E27FC236}">
+                <a16:creationId xmlns:a16="http://schemas.microsoft.com/office/drawing/2014/main" id="{EEAA3936-7914-4CE9-99DB-DF7A4AA95BA1}"/>
+              </a:ext>
+            </a:extLst>
+          </p:cNvPr>
+          <p:cNvSpPr txBox="1"/>
+          <p:nvPr/>
+        </p:nvSpPr>
+        <p:spPr>
+          <a:xfrm>
+            <a:off x="275942" y="25993007"/>
+            <a:ext cx="14553888" cy="1077218"/>
+          </a:xfrm>
+          <a:prstGeom prst="rect">
+            <a:avLst/>
+          </a:prstGeom>
+          <a:noFill/>
+        </p:spPr>
+        <p:txBody>
+          <a:bodyPr wrap="square" rtlCol="0">
+            <a:spAutoFit/>
+          </a:bodyPr>
+          <a:lstStyle/>
+          <a:p>
+            <a:r>
+              <a:rPr lang="en-US" sz="3200" dirty="0" err="1">
+                <a:latin typeface="Helvetica" charset="0"/>
+                <a:ea typeface="Helvetica" charset="0"/>
+                <a:cs typeface="Helvetica" charset="0"/>
+              </a:rPr>
+              <a:t>Musolino</a:t>
+            </a:r>
+            <a:r>
+              <a:rPr lang="en-US" sz="3200" dirty="0">
+                <a:latin typeface="Helvetica" charset="0"/>
+                <a:ea typeface="Helvetica" charset="0"/>
+                <a:cs typeface="Helvetica" charset="0"/>
+              </a:rPr>
+              <a:t> &amp; </a:t>
+            </a:r>
+            <a:r>
+              <a:rPr lang="en-US" sz="3200" dirty="0" err="1">
+                <a:latin typeface="Helvetica" charset="0"/>
+                <a:ea typeface="Helvetica" charset="0"/>
+                <a:cs typeface="Helvetica" charset="0"/>
+              </a:rPr>
+              <a:t>Lidz</a:t>
+            </a:r>
+            <a:r>
+              <a:rPr lang="en-US" sz="3200" dirty="0">
+                <a:latin typeface="Helvetica" charset="0"/>
+                <a:ea typeface="Helvetica" charset="0"/>
+                <a:cs typeface="Helvetica" charset="0"/>
+              </a:rPr>
+              <a:t> (2003) show that </a:t>
+            </a:r>
+            <a:r>
+              <a:rPr lang="en-US" sz="3200" b="1" dirty="0">
+                <a:latin typeface="Helvetica" charset="0"/>
+                <a:ea typeface="Helvetica" charset="0"/>
+                <a:cs typeface="Helvetica" charset="0"/>
+              </a:rPr>
+              <a:t>adults</a:t>
+            </a:r>
+            <a:r>
+              <a:rPr lang="en-US" sz="3200" dirty="0">
+                <a:latin typeface="Helvetica" charset="0"/>
+                <a:ea typeface="Helvetica" charset="0"/>
+                <a:cs typeface="Helvetica" charset="0"/>
+              </a:rPr>
+              <a:t> refuse to endorse </a:t>
+            </a:r>
+            <a:r>
+              <a:rPr lang="en-US" sz="3200" dirty="0">
+                <a:latin typeface="Courier" charset="0"/>
+                <a:ea typeface="Courier" charset="0"/>
+                <a:cs typeface="Courier" charset="0"/>
+              </a:rPr>
+              <a:t>two-not</a:t>
+            </a:r>
+            <a:r>
+              <a:rPr lang="en-US" sz="3200" dirty="0">
+                <a:latin typeface="Helvetica" charset="0"/>
+                <a:ea typeface="Helvetica" charset="0"/>
+                <a:cs typeface="Helvetica" charset="0"/>
+              </a:rPr>
+              <a:t> utterances in certain contexts:</a:t>
+            </a:r>
+          </a:p>
+        </p:txBody>
+      </p:sp>
       <p:pic>
         <p:nvPicPr>
           <p:cNvPr id="169" name="Picture 168">
@@ -3474,8 +3596,8 @@
         </p:blipFill>
         <p:spPr>
           <a:xfrm>
-            <a:off x="40831122" y="15011892"/>
-            <a:ext cx="643810" cy="675116"/>
+            <a:off x="40191587" y="16358576"/>
+            <a:ext cx="1045286" cy="1096113"/>
           </a:xfrm>
           <a:prstGeom prst="rect">
             <a:avLst/>
@@ -3510,7 +3632,7 @@
         </p:blipFill>
         <p:spPr>
           <a:xfrm>
-            <a:off x="30754724" y="11161194"/>
+            <a:off x="30519091" y="13031920"/>
             <a:ext cx="5048250" cy="3219450"/>
           </a:xfrm>
           <a:prstGeom prst="rect">
@@ -3532,8 +3654,8 @@
         </p:nvSpPr>
         <p:spPr>
           <a:xfrm>
-            <a:off x="14791170" y="27604461"/>
-            <a:ext cx="9629143" cy="5148188"/>
+            <a:off x="14687019" y="25580927"/>
+            <a:ext cx="9701531" cy="5148188"/>
           </a:xfrm>
           <a:prstGeom prst="rect">
             <a:avLst/>
@@ -3580,36 +3702,6 @@
           </a:p>
         </p:txBody>
       </p:sp>
-      <p:pic>
-        <p:nvPicPr>
-          <p:cNvPr id="120" name="Picture 119">
-            <a:extLst>
-              <a:ext uri="{FF2B5EF4-FFF2-40B4-BE49-F238E27FC236}">
-                <a16:creationId xmlns:a16="http://schemas.microsoft.com/office/drawing/2014/main" id="{45909DFF-0F2B-47A8-84F7-223470E1741F}"/>
-              </a:ext>
-            </a:extLst>
-          </p:cNvPr>
-          <p:cNvPicPr>
-            <a:picLocks noChangeAspect="1"/>
-          </p:cNvPicPr>
-          <p:nvPr/>
-        </p:nvPicPr>
-        <p:blipFill>
-          <a:blip r:embed="rId3" cstate="print"/>
-          <a:stretch>
-            <a:fillRect/>
-          </a:stretch>
-        </p:blipFill>
-        <p:spPr>
-          <a:xfrm>
-            <a:off x="4884735" y="27943282"/>
-            <a:ext cx="1063939" cy="996654"/>
-          </a:xfrm>
-          <a:prstGeom prst="rect">
-            <a:avLst/>
-          </a:prstGeom>
-        </p:spPr>
-      </p:pic>
       <p:sp>
         <p:nvSpPr>
           <p:cNvPr id="91" name="TextBox 90">
@@ -3624,8 +3716,8 @@
         </p:nvSpPr>
         <p:spPr>
           <a:xfrm>
-            <a:off x="253514" y="18411618"/>
-            <a:ext cx="13526660" cy="2062103"/>
+            <a:off x="256090" y="18334765"/>
+            <a:ext cx="13526660" cy="1569660"/>
           </a:xfrm>
           <a:prstGeom prst="rect">
             <a:avLst/>
@@ -3644,7 +3736,7 @@
                 <a:ea typeface="Helvetica" charset="0"/>
                 <a:cs typeface="Helvetica" charset="0"/>
               </a:rPr>
-              <a:t>They modeled TVJT behavior as utterance </a:t>
+              <a:t>TVJT behavior modeled as utterance </a:t>
             </a:r>
             <a:r>
               <a:rPr lang="en-US" sz="3200" b="1" dirty="0">
@@ -3660,67 +3752,23 @@
                 <a:ea typeface="Helvetica" charset="0"/>
                 <a:cs typeface="Helvetica" charset="0"/>
               </a:rPr>
-              <a:t> (Degen &amp; Goodman, 2014; Tessler &amp; Goodman, 2016)</a:t>
-            </a:r>
-          </a:p>
-          <a:p>
-            <a:pPr marL="457200" indent="-457200">
-              <a:buFontTx/>
-              <a:buChar char="-"/>
-            </a:pPr>
-            <a:r>
-              <a:rPr lang="en-US" sz="3200" dirty="0">
-                <a:latin typeface="Helvetica" charset="0"/>
-                <a:ea typeface="Helvetica" charset="0"/>
-                <a:cs typeface="Helvetica" charset="0"/>
-              </a:rPr>
-              <a:t>A pragmatic speaker, S</a:t>
-            </a:r>
-            <a:r>
-              <a:rPr lang="en-US" sz="3200" baseline="-25000" dirty="0">
-                <a:latin typeface="Helvetica" charset="0"/>
-                <a:ea typeface="Helvetica" charset="0"/>
-                <a:cs typeface="Helvetica" charset="0"/>
-              </a:rPr>
-              <a:t>2</a:t>
-            </a:r>
-            <a:r>
-              <a:rPr lang="en-US" sz="3200" dirty="0">
-                <a:latin typeface="Helvetica" charset="0"/>
-                <a:ea typeface="Helvetica" charset="0"/>
-                <a:cs typeface="Helvetica" charset="0"/>
-              </a:rPr>
-              <a:t>, observes the true world state</a:t>
-            </a:r>
-          </a:p>
-          <a:p>
-            <a:pPr marL="457200" indent="-457200">
-              <a:buFontTx/>
-              <a:buChar char="-"/>
-            </a:pPr>
-            <a:r>
-              <a:rPr lang="en-US" sz="3200" dirty="0">
-                <a:latin typeface="Helvetica" charset="0"/>
-                <a:ea typeface="Helvetica" charset="0"/>
-                <a:cs typeface="Helvetica" charset="0"/>
-              </a:rPr>
-              <a:t>S</a:t>
-            </a:r>
-            <a:r>
-              <a:rPr lang="en-US" sz="3200" baseline="-25000" dirty="0">
-                <a:latin typeface="Helvetica" charset="0"/>
-                <a:ea typeface="Helvetica" charset="0"/>
-                <a:cs typeface="Helvetica" charset="0"/>
-              </a:rPr>
-              <a:t>2</a:t>
-            </a:r>
-            <a:r>
-              <a:rPr lang="en-US" sz="3200" dirty="0">
-                <a:latin typeface="Helvetica" charset="0"/>
-                <a:ea typeface="Helvetica" charset="0"/>
-                <a:cs typeface="Helvetica" charset="0"/>
-              </a:rPr>
-              <a:t> chooses to utter </a:t>
+              <a:t> (</a:t>
+            </a:r>
+            <a:r>
+              <a:rPr lang="en-US" sz="2400" dirty="0">
+                <a:latin typeface="Helvetica" charset="0"/>
+                <a:ea typeface="Helvetica" charset="0"/>
+                <a:cs typeface="Helvetica" charset="0"/>
+              </a:rPr>
+              <a:t>Degen &amp; Goodman, 2014; Tessler &amp; Goodman, 2016</a:t>
+            </a:r>
+            <a:r>
+              <a:rPr lang="en-US" sz="3200" dirty="0">
+                <a:latin typeface="Helvetica" charset="0"/>
+                <a:ea typeface="Helvetica" charset="0"/>
+                <a:cs typeface="Helvetica" charset="0"/>
+              </a:rPr>
+              <a:t>): A pragmatic speaker observes the state of the world and decides whether to describe it with the</a:t>
             </a:r>
             <a:r>
               <a:rPr lang="en-US" sz="3200" dirty="0">
@@ -3728,69 +3776,15 @@
                 <a:ea typeface="Courier" charset="0"/>
                 <a:cs typeface="Courier" charset="0"/>
               </a:rPr>
-              <a:t>every-not</a:t>
-            </a:r>
-            <a:r>
-              <a:rPr lang="en-US" sz="3200" dirty="0">
-                <a:latin typeface="Helvetica" charset="0"/>
-                <a:ea typeface="Helvetica" charset="0"/>
-                <a:cs typeface="Helvetica" charset="0"/>
-              </a:rPr>
-              <a:t> (“</a:t>
-            </a:r>
-            <a:r>
-              <a:rPr lang="en-US" sz="3200" dirty="0">
-                <a:solidFill>
-                  <a:srgbClr val="2E34FF"/>
-                </a:solidFill>
-                <a:latin typeface="Helvetica" charset="0"/>
-                <a:ea typeface="Helvetica" charset="0"/>
-                <a:cs typeface="Helvetica" charset="0"/>
-              </a:rPr>
-              <a:t>true!</a:t>
-            </a:r>
-            <a:r>
-              <a:rPr lang="en-US" sz="3200" dirty="0">
-                <a:latin typeface="Helvetica" charset="0"/>
-                <a:ea typeface="Helvetica" charset="0"/>
-                <a:cs typeface="Helvetica" charset="0"/>
-              </a:rPr>
-              <a:t>”) or nothing at all (“</a:t>
-            </a:r>
-            <a:r>
-              <a:rPr lang="en-US" sz="3200" dirty="0">
-                <a:solidFill>
-                  <a:srgbClr val="EF00A9"/>
-                </a:solidFill>
-                <a:latin typeface="Helvetica" charset="0"/>
-                <a:ea typeface="Helvetica" charset="0"/>
-                <a:cs typeface="Helvetica" charset="0"/>
-              </a:rPr>
-              <a:t>false!</a:t>
-            </a:r>
-            <a:r>
-              <a:rPr lang="en-US" sz="3200" dirty="0">
-                <a:latin typeface="Helvetica" charset="0"/>
-                <a:ea typeface="Helvetica" charset="0"/>
-                <a:cs typeface="Helvetica" charset="0"/>
-              </a:rPr>
-              <a:t>”)</a:t>
-            </a:r>
-            <a:r>
-              <a:rPr lang="en-US" sz="3200" dirty="0">
-                <a:latin typeface="Helvetica" panose="020B0604020202020204" pitchFamily="34" charset="0"/>
-                <a:ea typeface="Courier" charset="0"/>
-                <a:cs typeface="Helvetica" panose="020B0604020202020204" pitchFamily="34" charset="0"/>
-              </a:rPr>
-              <a:t> </a:t>
-            </a:r>
-            <a:r>
-              <a:rPr lang="en-US" sz="3200" dirty="0">
-                <a:latin typeface="Helvetica" charset="0"/>
-                <a:ea typeface="Helvetica" charset="0"/>
-                <a:cs typeface="Helvetica" charset="0"/>
-              </a:rPr>
-              <a:t> </a:t>
+              <a:t> every-not </a:t>
+            </a:r>
+            <a:r>
+              <a:rPr lang="en-US" sz="3200" dirty="0">
+                <a:latin typeface="Helvetica" charset="0"/>
+                <a:ea typeface="Helvetica" charset="0"/>
+                <a:cs typeface="Helvetica" charset="0"/>
+              </a:rPr>
+              <a:t>utterance</a:t>
             </a:r>
           </a:p>
         </p:txBody>
@@ -3823,7 +3817,7 @@
         </p:blipFill>
         <p:spPr>
           <a:xfrm>
-            <a:off x="15021272" y="28602463"/>
+            <a:off x="14876347" y="26604146"/>
             <a:ext cx="8018956" cy="1228911"/>
           </a:xfrm>
           <a:prstGeom prst="rect">
@@ -3859,8 +3853,8 @@
         </p:blipFill>
         <p:spPr>
           <a:xfrm>
-            <a:off x="14724310" y="27823018"/>
-            <a:ext cx="5943162" cy="787647"/>
+            <a:off x="14579385" y="25806059"/>
+            <a:ext cx="6083832" cy="806290"/>
           </a:xfrm>
           <a:prstGeom prst="rect">
             <a:avLst/>
@@ -3875,7 +3869,7 @@
         </p:nvSpPr>
         <p:spPr>
           <a:xfrm>
-            <a:off x="14791171" y="27604460"/>
+            <a:off x="14742498" y="25606143"/>
             <a:ext cx="9629142" cy="2156293"/>
           </a:xfrm>
           <a:prstGeom prst="rect">
@@ -3923,7 +3917,7 @@
         </p:nvSpPr>
         <p:spPr>
           <a:xfrm>
-            <a:off x="24437224" y="27604458"/>
+            <a:off x="24388551" y="25590099"/>
             <a:ext cx="4663637" cy="5146231"/>
           </a:xfrm>
           <a:prstGeom prst="rect">
@@ -3981,8 +3975,8 @@
         </p:nvSpPr>
         <p:spPr>
           <a:xfrm>
-            <a:off x="6768499" y="274992"/>
-            <a:ext cx="30354201" cy="2431435"/>
+            <a:off x="6029964" y="196277"/>
+            <a:ext cx="32692771" cy="2431435"/>
           </a:xfrm>
           <a:prstGeom prst="rect">
             <a:avLst/>
@@ -4005,7 +3999,21 @@
                 <a:ea typeface="Helvetica" charset="0"/>
                 <a:cs typeface="Helvetica" charset="0"/>
               </a:rPr>
-              <a:t>Exactly two things to learn from modeling scope ambiguity resolution: Developmental continuity and numeral semantics</a:t>
+              <a:t>Exactly two things to learn from modeling scope ambiguity resolution: </a:t>
+            </a:r>
+          </a:p>
+          <a:p>
+            <a:pPr algn="ctr"/>
+            <a:r>
+              <a:rPr lang="en-US" sz="7600" b="1" dirty="0">
+                <a:solidFill>
+                  <a:srgbClr val="2F5697"/>
+                </a:solidFill>
+                <a:latin typeface="Helvetica" charset="0"/>
+                <a:ea typeface="Helvetica" charset="0"/>
+                <a:cs typeface="Helvetica" charset="0"/>
+              </a:rPr>
+              <a:t>Developmental continuity and numeral semantics</a:t>
             </a:r>
           </a:p>
         </p:txBody>
@@ -4085,7 +4093,7 @@
         </p:blipFill>
         <p:spPr>
           <a:xfrm>
-            <a:off x="2909065" y="605088"/>
+            <a:off x="1489846" y="445269"/>
             <a:ext cx="4217502" cy="3618966"/>
           </a:xfrm>
           <a:prstGeom prst="rect">
@@ -4093,45 +4101,6 @@
           </a:prstGeom>
         </p:spPr>
       </p:pic>
-      <mc:AlternateContent xmlns:mc="http://schemas.openxmlformats.org/markup-compatibility/2006">
-        <mc:Choice xmlns:p14="http://schemas.microsoft.com/office/powerpoint/2010/main" Requires="p14">
-          <p:contentPart p14:bwMode="auto" r:id="rId8">
-            <p14:nvContentPartPr>
-              <p14:cNvPr id="9" name="Ink 8"/>
-              <p14:cNvContentPartPr/>
-              <p14:nvPr/>
-            </p14:nvContentPartPr>
-            <p14:xfrm>
-              <a:off x="4568164" y="12503651"/>
-              <a:ext cx="2560680" cy="329400"/>
-            </p14:xfrm>
-          </p:contentPart>
-        </mc:Choice>
-        <mc:Fallback>
-          <p:pic>
-            <p:nvPicPr>
-              <p:cNvPr id="9" name="Ink 8"/>
-              <p:cNvPicPr/>
-              <p:nvPr/>
-            </p:nvPicPr>
-            <p:blipFill>
-              <a:blip r:embed="rId9"/>
-              <a:stretch>
-                <a:fillRect/>
-              </a:stretch>
-            </p:blipFill>
-            <p:spPr>
-              <a:xfrm>
-                <a:off x="4559164" y="12494651"/>
-                <a:ext cx="2578320" cy="347040"/>
-              </a:xfrm>
-              <a:prstGeom prst="rect">
-                <a:avLst/>
-              </a:prstGeom>
-            </p:spPr>
-          </p:pic>
-        </mc:Fallback>
-      </mc:AlternateContent>
       <p:cxnSp>
         <p:nvCxnSpPr>
           <p:cNvPr id="6" name="Straight Connector 5"/>
@@ -4179,7 +4148,7 @@
         </p:nvGrpSpPr>
         <p:grpSpPr>
           <a:xfrm>
-            <a:off x="4072422" y="5228885"/>
+            <a:off x="3823239" y="12912005"/>
             <a:ext cx="6844332" cy="1113172"/>
             <a:chOff x="4072422" y="6600479"/>
             <a:chExt cx="6844332" cy="1113172"/>
@@ -4284,7 +4253,7 @@
         </p:nvSpPr>
         <p:spPr>
           <a:xfrm>
-            <a:off x="1269180" y="6430475"/>
+            <a:off x="1198887" y="4957390"/>
             <a:ext cx="12290763" cy="738664"/>
           </a:xfrm>
           <a:prstGeom prst="rect">
@@ -4317,14 +4286,14 @@
       </p:sp>
       <p:sp>
         <p:nvSpPr>
-          <p:cNvPr id="40" name="TextBox 39"/>
+          <p:cNvPr id="57" name="TextBox 56"/>
           <p:cNvSpPr txBox="1"/>
           <p:nvPr/>
         </p:nvSpPr>
         <p:spPr>
           <a:xfrm>
-            <a:off x="246643" y="10372071"/>
-            <a:ext cx="7987842" cy="1154162"/>
+            <a:off x="24388552" y="25638199"/>
+            <a:ext cx="4663637" cy="5062924"/>
           </a:xfrm>
           <a:prstGeom prst="rect">
             <a:avLst/>
@@ -4338,21 +4307,68 @@
           <a:lstStyle/>
           <a:p>
             <a:r>
-              <a:rPr lang="en-US" sz="3200" dirty="0">
-                <a:latin typeface="Helvetica" charset="0"/>
-                <a:ea typeface="Helvetica" charset="0"/>
-                <a:cs typeface="Helvetica" charset="0"/>
-              </a:rPr>
-              <a:t>The two scope operators interact with each other to produce two distinct interpretations</a:t>
-            </a:r>
-            <a:r>
               <a:rPr lang="en-US" sz="3200" b="1" dirty="0">
                 <a:latin typeface="Helvetica" charset="0"/>
                 <a:ea typeface="Helvetica" charset="0"/>
                 <a:cs typeface="Helvetica" charset="0"/>
               </a:rPr>
-              <a:t>	</a:t>
-            </a:r>
+              <a:t>Default Values:</a:t>
+            </a:r>
+          </a:p>
+          <a:p>
+            <a:endParaRPr lang="en-US" sz="1000" dirty="0">
+              <a:latin typeface="Helvetica" charset="0"/>
+              <a:ea typeface="Helvetica" charset="0"/>
+              <a:cs typeface="Helvetica" charset="0"/>
+            </a:endParaRPr>
+          </a:p>
+          <a:p>
+            <a:r>
+              <a:rPr lang="en-US" sz="3200" dirty="0">
+                <a:latin typeface="Helvetica" charset="0"/>
+                <a:ea typeface="Helvetica" charset="0"/>
+                <a:cs typeface="Helvetica" charset="0"/>
+              </a:rPr>
+              <a:t>P(w) ∝ </a:t>
+            </a:r>
+            <a:r>
+              <a:rPr lang="en-US" sz="3200" dirty="0" err="1">
+                <a:latin typeface="Helvetica" charset="0"/>
+                <a:ea typeface="Helvetica" charset="0"/>
+                <a:cs typeface="Helvetica" charset="0"/>
+              </a:rPr>
+              <a:t>baserate</a:t>
+            </a:r>
+            <a:r>
+              <a:rPr lang="en-US" sz="3200" dirty="0">
+                <a:latin typeface="Helvetica" charset="0"/>
+                <a:ea typeface="Helvetica" charset="0"/>
+                <a:cs typeface="Helvetica" charset="0"/>
+              </a:rPr>
+              <a:t> = 0.5</a:t>
+            </a:r>
+          </a:p>
+          <a:p>
+            <a:r>
+              <a:rPr lang="en-US" sz="500" dirty="0">
+                <a:latin typeface="Helvetica" charset="0"/>
+                <a:ea typeface="Helvetica" charset="0"/>
+                <a:cs typeface="Helvetica" charset="0"/>
+              </a:rPr>
+              <a:t> </a:t>
+            </a:r>
+          </a:p>
+          <a:p>
+            <a:r>
+              <a:rPr lang="en-US" sz="3200" dirty="0">
+                <a:latin typeface="Helvetica" charset="0"/>
+                <a:ea typeface="Helvetica" charset="0"/>
+                <a:cs typeface="Helvetica" charset="0"/>
+              </a:rPr>
+              <a:t>P(q) = uniform</a:t>
+            </a:r>
+          </a:p>
+          <a:p>
             <a:endParaRPr lang="en-US" sz="500" dirty="0">
               <a:latin typeface="Helvetica" charset="0"/>
               <a:ea typeface="Helvetica" charset="0"/>
@@ -4360,169 +4376,96 @@
             </a:endParaRPr>
           </a:p>
           <a:p>
+            <a:r>
+              <a:rPr lang="en-US" sz="3200" dirty="0">
+                <a:latin typeface="Helvetica" charset="0"/>
+                <a:ea typeface="Helvetica" charset="0"/>
+                <a:cs typeface="Helvetica" charset="0"/>
+              </a:rPr>
+              <a:t>P(</a:t>
+            </a:r>
+            <a:r>
+              <a:rPr lang="en-US" sz="3200" i="1" dirty="0" err="1">
+                <a:latin typeface="Helvetica" charset="0"/>
+                <a:ea typeface="Helvetica" charset="0"/>
+                <a:cs typeface="Helvetica" charset="0"/>
+              </a:rPr>
+              <a:t>i</a:t>
+            </a:r>
+            <a:r>
+              <a:rPr lang="en-US" sz="3200" dirty="0">
+                <a:latin typeface="Helvetica" charset="0"/>
+                <a:ea typeface="Helvetica" charset="0"/>
+                <a:cs typeface="Helvetica" charset="0"/>
+              </a:rPr>
+              <a:t> = </a:t>
+            </a:r>
+            <a:r>
+              <a:rPr lang="en-US" sz="3200" dirty="0">
+                <a:latin typeface="Courier" charset="0"/>
+                <a:ea typeface="Courier" charset="0"/>
+                <a:cs typeface="Courier" charset="0"/>
+              </a:rPr>
+              <a:t>surface</a:t>
+            </a:r>
+            <a:r>
+              <a:rPr lang="en-US" sz="3200" dirty="0">
+                <a:latin typeface="Helvetica" charset="0"/>
+                <a:ea typeface="Helvetica" charset="0"/>
+                <a:cs typeface="Helvetica" charset="0"/>
+              </a:rPr>
+              <a:t>) = 0.5</a:t>
+            </a:r>
+          </a:p>
+          <a:p>
+            <a:endParaRPr lang="en-US" sz="3000" b="1" dirty="0">
+              <a:latin typeface="Helvetica" charset="0"/>
+              <a:ea typeface="Helvetica" charset="0"/>
+              <a:cs typeface="Helvetica" charset="0"/>
+            </a:endParaRPr>
+          </a:p>
+          <a:p>
+            <a:r>
+              <a:rPr lang="en-US" sz="3200" b="1" dirty="0">
+                <a:latin typeface="Helvetica" charset="0"/>
+                <a:ea typeface="Helvetica" charset="0"/>
+                <a:cs typeface="Helvetica" charset="0"/>
+              </a:rPr>
+              <a:t>Manipulated values:</a:t>
+            </a:r>
+          </a:p>
+          <a:p>
+            <a:endParaRPr lang="en-US" sz="1000" b="1" dirty="0">
+              <a:latin typeface="Helvetica" charset="0"/>
+              <a:ea typeface="Helvetica" charset="0"/>
+              <a:cs typeface="Helvetica" charset="0"/>
+            </a:endParaRPr>
+          </a:p>
+          <a:p>
+            <a:r>
+              <a:rPr lang="en-US" sz="3200" dirty="0" err="1">
+                <a:latin typeface="Helvetica" charset="0"/>
+                <a:ea typeface="Helvetica" charset="0"/>
+                <a:cs typeface="Helvetica" charset="0"/>
+              </a:rPr>
+              <a:t>Baserate</a:t>
+            </a:r>
+            <a:r>
+              <a:rPr lang="en-US" sz="3200" dirty="0">
+                <a:latin typeface="Helvetica" charset="0"/>
+                <a:ea typeface="Helvetica" charset="0"/>
+                <a:cs typeface="Helvetica" charset="0"/>
+              </a:rPr>
+              <a:t> ranges from 0.1 to 0.5 to 0.9 </a:t>
+            </a:r>
+          </a:p>
+          <a:p>
             <a:endParaRPr lang="en-US" sz="500" dirty="0">
               <a:latin typeface="Helvetica" charset="0"/>
               <a:ea typeface="Helvetica" charset="0"/>
               <a:cs typeface="Helvetica" charset="0"/>
             </a:endParaRPr>
           </a:p>
-        </p:txBody>
-      </p:sp>
-      <p:sp>
-        <p:nvSpPr>
-          <p:cNvPr id="57" name="TextBox 56"/>
-          <p:cNvSpPr txBox="1"/>
-          <p:nvPr/>
-        </p:nvSpPr>
-        <p:spPr>
-          <a:xfrm>
-            <a:off x="24437225" y="27788916"/>
-            <a:ext cx="4663637" cy="4524315"/>
-          </a:xfrm>
-          <a:prstGeom prst="rect">
-            <a:avLst/>
-          </a:prstGeom>
-          <a:noFill/>
-        </p:spPr>
-        <p:txBody>
-          <a:bodyPr wrap="square" rtlCol="0">
-            <a:spAutoFit/>
-          </a:bodyPr>
-          <a:lstStyle/>
-          <a:p>
-            <a:r>
-              <a:rPr lang="en-US" sz="3200" b="1" dirty="0">
-                <a:latin typeface="Helvetica" charset="0"/>
-                <a:ea typeface="Helvetica" charset="0"/>
-                <a:cs typeface="Helvetica" charset="0"/>
-              </a:rPr>
-              <a:t>Default Values:</a:t>
-            </a:r>
-          </a:p>
-          <a:p>
-            <a:r>
-              <a:rPr lang="en-US" sz="3200" dirty="0">
-                <a:latin typeface="Helvetica" charset="0"/>
-                <a:ea typeface="Helvetica" charset="0"/>
-                <a:cs typeface="Helvetica" charset="0"/>
-              </a:rPr>
-              <a:t>P(w) = </a:t>
-            </a:r>
-            <a:r>
-              <a:rPr lang="en-US" sz="3200" dirty="0" err="1">
-                <a:latin typeface="Helvetica" charset="0"/>
-                <a:ea typeface="Helvetica" charset="0"/>
-                <a:cs typeface="Helvetica" charset="0"/>
-              </a:rPr>
-              <a:t>baserate</a:t>
-            </a:r>
-            <a:r>
-              <a:rPr lang="en-US" sz="3200" dirty="0">
-                <a:latin typeface="Helvetica" charset="0"/>
-                <a:ea typeface="Helvetica" charset="0"/>
-                <a:cs typeface="Helvetica" charset="0"/>
-              </a:rPr>
-              <a:t> = 0.5 </a:t>
-            </a:r>
-          </a:p>
-          <a:p>
-            <a:r>
-              <a:rPr lang="en-US" sz="3200" dirty="0">
-                <a:latin typeface="Helvetica" charset="0"/>
-                <a:ea typeface="Helvetica" charset="0"/>
-                <a:cs typeface="Helvetica" charset="0"/>
-              </a:rPr>
-              <a:t>P(q) = uniform</a:t>
-            </a:r>
-          </a:p>
-          <a:p>
-            <a:r>
-              <a:rPr lang="en-US" sz="3200" dirty="0">
-                <a:latin typeface="Helvetica" charset="0"/>
-                <a:ea typeface="Helvetica" charset="0"/>
-                <a:cs typeface="Helvetica" charset="0"/>
-              </a:rPr>
-              <a:t>P(</a:t>
-            </a:r>
-            <a:r>
-              <a:rPr lang="en-US" sz="3200" dirty="0">
-                <a:latin typeface="Courier" charset="0"/>
-                <a:ea typeface="Courier" charset="0"/>
-                <a:cs typeface="Courier" charset="0"/>
-              </a:rPr>
-              <a:t>surface</a:t>
-            </a:r>
-            <a:r>
-              <a:rPr lang="en-US" sz="3200" dirty="0">
-                <a:latin typeface="Helvetica" charset="0"/>
-                <a:ea typeface="Helvetica" charset="0"/>
-                <a:cs typeface="Helvetica" charset="0"/>
-              </a:rPr>
-              <a:t>) = 0.5</a:t>
-            </a:r>
-          </a:p>
-          <a:p>
-            <a:r>
-              <a:rPr lang="en-US" sz="3200" dirty="0">
-                <a:latin typeface="Helvetica" charset="0"/>
-                <a:ea typeface="Helvetica" charset="0"/>
-                <a:cs typeface="Helvetica" charset="0"/>
-              </a:rPr>
-              <a:t>P(</a:t>
-            </a:r>
-            <a:r>
-              <a:rPr lang="en-US" sz="3200" dirty="0">
-                <a:latin typeface="Courier" charset="0"/>
-                <a:ea typeface="Courier" charset="0"/>
-                <a:cs typeface="Courier" charset="0"/>
-              </a:rPr>
-              <a:t>inverse</a:t>
-            </a:r>
-            <a:r>
-              <a:rPr lang="en-US" sz="3200" dirty="0">
-                <a:latin typeface="Helvetica" charset="0"/>
-                <a:ea typeface="Helvetica" charset="0"/>
-                <a:cs typeface="Helvetica" charset="0"/>
-              </a:rPr>
-              <a:t>)=0.5</a:t>
-            </a:r>
-          </a:p>
-          <a:p>
-            <a:r>
-              <a:rPr lang="en-US" sz="3200" b="1" dirty="0">
-                <a:latin typeface="Helvetica" charset="0"/>
-                <a:ea typeface="Helvetica" charset="0"/>
-                <a:cs typeface="Helvetica" charset="0"/>
-              </a:rPr>
-              <a:t>Manipulated values:</a:t>
-            </a:r>
-          </a:p>
-          <a:p>
-            <a:r>
-              <a:rPr lang="en-US" sz="3200" dirty="0">
-                <a:latin typeface="Helvetica" charset="0"/>
-                <a:ea typeface="Helvetica" charset="0"/>
-                <a:cs typeface="Helvetica" charset="0"/>
-              </a:rPr>
-              <a:t>P(w) = </a:t>
-            </a:r>
-            <a:r>
-              <a:rPr lang="en-US" sz="3200" dirty="0" err="1">
-                <a:latin typeface="Helvetica" charset="0"/>
-                <a:ea typeface="Helvetica" charset="0"/>
-                <a:cs typeface="Helvetica" charset="0"/>
-              </a:rPr>
-              <a:t>baserate</a:t>
-            </a:r>
-            <a:r>
-              <a:rPr lang="en-US" sz="3200" dirty="0">
-                <a:latin typeface="Helvetica" charset="0"/>
-                <a:ea typeface="Helvetica" charset="0"/>
-                <a:cs typeface="Helvetica" charset="0"/>
-              </a:rPr>
-              <a:t> range 0.1 – 0.9 by 0.4</a:t>
-            </a:r>
-          </a:p>
           <a:p>
             <a:r>
               <a:rPr lang="en-US" sz="3200" dirty="0">
@@ -4543,8 +4486,8 @@
         </p:nvSpPr>
         <p:spPr>
           <a:xfrm>
-            <a:off x="29367310" y="30894090"/>
-            <a:ext cx="14358560" cy="1815882"/>
+            <a:off x="14968079" y="30970808"/>
+            <a:ext cx="13951653" cy="1384995"/>
           </a:xfrm>
           <a:prstGeom prst="rect">
             <a:avLst/>
@@ -4574,7 +4517,7 @@
                 <a:latin typeface="Helvetica" panose="020B0604020202020204" pitchFamily="34" charset="0"/>
                 <a:cs typeface="Helvetica" panose="020B0604020202020204" pitchFamily="34" charset="0"/>
               </a:rPr>
-              <a:t>Leon Bergen, Noah Goodman, and Roger Levy. 2012. That’s what she (could have) said: How alternative utterances affect language use. In Proceedings of the Cognitive Science Society. volume 34, pages 120– 125. Judith Degen and Noah D Goodman. 2014. Lost your marbles? the puzzle of dependent measures in experimental pragmatics. In Proceedings of the Annual Meeting of the Cognitive Science Society. volume 36, pages 397–402. Frank, M. C., &amp; Goodman, N. D. (2012). Predicting pragmatic reasoning in language games. Science, 336(6084), 998–998. Noah D Goodman and Michael C Frank. 2016. Pragmatic language interpretation as probabilistic inference. Trends in Cognitive Sciences 20(11):818–829. Daniel Lassiter and Noah D. Goodman. 2013. Context, scale structure, and statistics in the interpretation of positive-form adjectives. In Semantics and Linguistic Theory (SALT) 23. pages 587–610. K.J. Savinelli, Gregory Scontras, and Lisa Pearl. 2017. Modeling scope ambiguity resolution as pragmatic inference: Formalizing differences in child and adult behavior. In Proceedings of the Annual Meeting of the Cognitive Science Society. volume 39, pages 3064–3069. Michael Henry Tessler and Noah D. Goodman. 2016. A pragmatic theory of generic language.</a:t>
+              <a:t>Judith Degen and Noah D Goodman. 2014. Lost your marbles? the puzzle of dependent measures in experimental pragmatics. In Proceedings of the Annual Meeting of the Cognitive Science Society. volume 36, pages 397–402. http://escholarship.org/uc/item/97t2w1f3. Noah D Goodman and Michael C Frank. 2016. Pragmatic language interpretation as probabilistic inference. Trends in Cognitive Sciences 20(11):818–829. Julien Musolino and Jeffrey Lidz. 2003. The scope of isomorphism: Turning adults into children. Language Acquisition 11(4):277–291. K.J. Savinelli, Gregory Scontras, and Lisa Pearl. 2017. Modeling scope ambiguity resolution as pragmatic inference: Formalizing differences in child and adult behavior. In Proceedings of the Annual Meeting of the Cognitive Science Society. volume 39, pages 3064–3069. Michael Henry Tessler and Noah D. Goodman. 2016. A pragmatic theory of generic language. </a:t>
             </a:r>
             <a:endParaRPr lang="en-US" sz="1400" b="1" dirty="0">
               <a:latin typeface="Helvetica" panose="020B0604020202020204" pitchFamily="34" charset="0"/>
@@ -4662,7 +4605,7 @@
         </p:nvSpPr>
         <p:spPr>
           <a:xfrm>
-            <a:off x="270017" y="14822481"/>
+            <a:off x="275942" y="15076328"/>
             <a:ext cx="14380893" cy="1077218"/>
           </a:xfrm>
           <a:prstGeom prst="rect">
@@ -4681,7 +4624,45 @@
                 <a:ea typeface="Helvetica" charset="0"/>
                 <a:cs typeface="Helvetica" charset="0"/>
               </a:rPr>
-              <a:t>Savinelli et. al. (2017) articulated specific pragmatic factors and grammatical factors in a computational model that impact utterance interpretation. </a:t>
+              <a:t>Savinelli et. al. (2017) articulated a computational model of utterance endorsement that incorporated several </a:t>
+            </a:r>
+            <a:r>
+              <a:rPr lang="en-US" sz="3200" dirty="0">
+                <a:solidFill>
+                  <a:srgbClr val="BA4DFF"/>
+                </a:solidFill>
+                <a:latin typeface="Helvetica" charset="0"/>
+                <a:ea typeface="Helvetica" charset="0"/>
+                <a:cs typeface="Helvetica" charset="0"/>
+              </a:rPr>
+              <a:t>pragmatic</a:t>
+            </a:r>
+            <a:r>
+              <a:rPr lang="en-US" sz="3200" dirty="0">
+                <a:latin typeface="Helvetica" charset="0"/>
+                <a:ea typeface="Helvetica" charset="0"/>
+                <a:cs typeface="Helvetica" charset="0"/>
+              </a:rPr>
+              <a:t> and </a:t>
+            </a:r>
+            <a:r>
+              <a:rPr lang="en-US" sz="3200" dirty="0">
+                <a:solidFill>
+                  <a:srgbClr val="00AEE5"/>
+                </a:solidFill>
+                <a:latin typeface="Helvetica" charset="0"/>
+                <a:ea typeface="Helvetica" charset="0"/>
+                <a:cs typeface="Helvetica" charset="0"/>
+              </a:rPr>
+              <a:t>grammatical</a:t>
+            </a:r>
+            <a:r>
+              <a:rPr lang="en-US" sz="3200" dirty="0">
+                <a:latin typeface="Helvetica" charset="0"/>
+                <a:ea typeface="Helvetica" charset="0"/>
+                <a:cs typeface="Helvetica" charset="0"/>
+              </a:rPr>
+              <a:t> factors.</a:t>
             </a:r>
             <a:endParaRPr lang="en-US" sz="3200" dirty="0">
               <a:latin typeface="Helvetica" panose="020B0604020202020204" pitchFamily="34" charset="0"/>
@@ -4699,7 +4680,7 @@
         </p:nvSpPr>
         <p:spPr>
           <a:xfrm>
-            <a:off x="15513196" y="13424830"/>
+            <a:off x="15611828" y="8478004"/>
             <a:ext cx="12664156" cy="738664"/>
           </a:xfrm>
           <a:prstGeom prst="rect">
@@ -4725,7 +4706,7 @@
                 <a:ea typeface="Helvetica" charset="0"/>
                 <a:cs typeface="Helvetica" charset="0"/>
               </a:rPr>
-              <a:t>Our contribution</a:t>
+              <a:t>Our contributions</a:t>
             </a:r>
           </a:p>
         </p:txBody>
@@ -4738,7 +4719,7 @@
         </p:nvGrpSpPr>
         <p:grpSpPr>
           <a:xfrm>
-            <a:off x="33179736" y="5033299"/>
+            <a:off x="33179736" y="4966393"/>
             <a:ext cx="6844332" cy="1134036"/>
             <a:chOff x="3649401" y="20790402"/>
             <a:chExt cx="6844332" cy="1134036"/>
@@ -4843,10 +4824,10 @@
         </p:nvGrpSpPr>
         <p:grpSpPr>
           <a:xfrm>
-            <a:off x="18380862" y="16616863"/>
-            <a:ext cx="6844332" cy="1107996"/>
-            <a:chOff x="3649401" y="20692431"/>
-            <a:chExt cx="6844332" cy="1107996"/>
+            <a:off x="18291693" y="11866349"/>
+            <a:ext cx="6844332" cy="1115027"/>
+            <a:chOff x="3383367" y="20714094"/>
+            <a:chExt cx="6844332" cy="1115027"/>
           </a:xfrm>
         </p:grpSpPr>
         <p:sp>
@@ -4912,7 +4893,7 @@
           </p:nvSpPr>
           <p:spPr>
             <a:xfrm>
-              <a:off x="3649401" y="20692431"/>
+              <a:off x="3383367" y="20721125"/>
               <a:ext cx="6844332" cy="1107996"/>
             </a:xfrm>
             <a:prstGeom prst="rect">
@@ -4948,8 +4929,8 @@
         </p:nvSpPr>
         <p:spPr>
           <a:xfrm>
-            <a:off x="236981" y="15949256"/>
-            <a:ext cx="13930891" cy="2554545"/>
+            <a:off x="236981" y="16320544"/>
+            <a:ext cx="13930891" cy="584775"/>
           </a:xfrm>
           <a:prstGeom prst="rect">
             <a:avLst/>
@@ -4968,60 +4949,49 @@
                 <a:ea typeface="Helvetica" charset="0"/>
                 <a:cs typeface="Helvetica" panose="020B0604020202020204" pitchFamily="34" charset="0"/>
               </a:rPr>
-              <a:t>Bayesian Rational Speech Act (RSA) modeling framework </a:t>
+              <a:t>Bayesian Rational Speech Act (</a:t>
+            </a:r>
+            <a:r>
+              <a:rPr lang="en-US" sz="3200" b="1" dirty="0">
+                <a:latin typeface="Helvetica" panose="020B0604020202020204" pitchFamily="34" charset="0"/>
+                <a:ea typeface="Helvetica" charset="0"/>
+                <a:cs typeface="Helvetica" panose="020B0604020202020204" pitchFamily="34" charset="0"/>
+              </a:rPr>
+              <a:t>RSA</a:t>
+            </a:r>
+            <a:r>
+              <a:rPr lang="en-US" sz="3200" dirty="0">
+                <a:latin typeface="Helvetica" panose="020B0604020202020204" pitchFamily="34" charset="0"/>
+                <a:ea typeface="Helvetica" charset="0"/>
+                <a:cs typeface="Helvetica" panose="020B0604020202020204" pitchFamily="34" charset="0"/>
+              </a:rPr>
+              <a:t>) framework </a:t>
             </a:r>
             <a:r>
               <a:rPr lang="en-US" sz="3200" dirty="0">
                 <a:latin typeface="Helvetica" panose="020B0604020202020204" pitchFamily="34" charset="0"/>
                 <a:cs typeface="Helvetica" panose="020B0604020202020204" pitchFamily="34" charset="0"/>
               </a:rPr>
-              <a:t>(Frank &amp; Goodman, 2012, Goodman &amp; Stuhlmüller, 2013, Goodman &amp; Lassiter, 2015)</a:t>
-            </a:r>
-          </a:p>
-          <a:p>
-            <a:pPr marL="457200" indent="-457200">
-              <a:buFontTx/>
-              <a:buChar char="-"/>
-            </a:pPr>
-            <a:r>
-              <a:rPr lang="en-US" sz="3200" dirty="0">
+              <a:t>(</a:t>
+            </a:r>
+            <a:r>
+              <a:rPr lang="en-US" sz="2400" dirty="0">
                 <a:latin typeface="Helvetica" panose="020B0604020202020204" pitchFamily="34" charset="0"/>
                 <a:cs typeface="Helvetica" panose="020B0604020202020204" pitchFamily="34" charset="0"/>
               </a:rPr>
-              <a:t>Language understanding as recursive social reasoning between speakers</a:t>
+              <a:t>Goodman &amp; Frank, 2016</a:t>
+            </a:r>
+            <a:r>
+              <a:rPr lang="en-US" sz="3200" dirty="0">
+                <a:latin typeface="Helvetica" panose="020B0604020202020204" pitchFamily="34" charset="0"/>
+                <a:cs typeface="Helvetica" panose="020B0604020202020204" pitchFamily="34" charset="0"/>
+              </a:rPr>
+              <a:t>):</a:t>
             </a:r>
             <a:endParaRPr lang="en-US" sz="1000" dirty="0">
               <a:latin typeface="Helvetica" panose="020B0604020202020204" pitchFamily="34" charset="0"/>
               <a:cs typeface="Helvetica" panose="020B0604020202020204" pitchFamily="34" charset="0"/>
             </a:endParaRPr>
-          </a:p>
-          <a:p>
-            <a:pPr marL="457200" indent="-457200">
-              <a:buFontTx/>
-              <a:buChar char="-"/>
-            </a:pPr>
-            <a:r>
-              <a:rPr lang="en-US" sz="3200" dirty="0">
-                <a:latin typeface="Helvetica" charset="0"/>
-                <a:ea typeface="Helvetica" charset="0"/>
-                <a:cs typeface="Helvetica" charset="0"/>
-              </a:rPr>
-              <a:t>Ambiguity resolution as pragmatic inference </a:t>
-            </a:r>
-          </a:p>
-          <a:p>
-            <a:pPr marL="457200" indent="-457200">
-              <a:buFontTx/>
-              <a:buChar char="-"/>
-            </a:pPr>
-            <a:r>
-              <a:rPr lang="en-US" sz="3200" dirty="0">
-                <a:latin typeface="Helvetica" charset="0"/>
-                <a:ea typeface="Helvetica" charset="0"/>
-                <a:cs typeface="Helvetica" charset="0"/>
-              </a:rPr>
-              <a:t>Reasoning about interpretations, QUDs, world states, and utterances</a:t>
-            </a:r>
           </a:p>
         </p:txBody>
       </p:sp>
@@ -5033,7 +5003,7 @@
         </p:nvGrpSpPr>
         <p:grpSpPr>
           <a:xfrm>
-            <a:off x="32785615" y="20622712"/>
+            <a:off x="33123812" y="22543348"/>
             <a:ext cx="6844332" cy="1118083"/>
             <a:chOff x="4028879" y="6562112"/>
             <a:chExt cx="6844332" cy="1118083"/>
@@ -5138,8 +5108,8 @@
         </p:nvSpPr>
         <p:spPr>
           <a:xfrm>
-            <a:off x="29432702" y="17554501"/>
-            <a:ext cx="6875106" cy="2554545"/>
+            <a:off x="29470968" y="19381038"/>
+            <a:ext cx="6875106" cy="3200876"/>
           </a:xfrm>
           <a:prstGeom prst="rect">
             <a:avLst/>
@@ -5158,29 +5128,66 @@
                 <a:ea typeface="Helvetica" charset="0"/>
                 <a:cs typeface="Helvetica" charset="0"/>
               </a:rPr>
-              <a:t>Changing the two pragmatic factors captures the behavior observed after the explicit contrast manipulation</a:t>
+              <a:t>Changing the two </a:t>
+            </a:r>
+            <a:r>
+              <a:rPr lang="en-US" sz="3200" dirty="0">
+                <a:solidFill>
+                  <a:srgbClr val="BA4DFF"/>
+                </a:solidFill>
+                <a:latin typeface="Helvetica" charset="0"/>
+                <a:ea typeface="Helvetica" charset="0"/>
+                <a:cs typeface="Helvetica" charset="0"/>
+              </a:rPr>
+              <a:t>pragmatic</a:t>
+            </a:r>
+            <a:r>
+              <a:rPr lang="en-US" sz="3200" dirty="0">
+                <a:latin typeface="Helvetica" charset="0"/>
+                <a:ea typeface="Helvetica" charset="0"/>
+                <a:cs typeface="Helvetica" charset="0"/>
+              </a:rPr>
+              <a:t> factors best captures the observed adult behavior in 1-of-2 contexts:</a:t>
+            </a:r>
+          </a:p>
+          <a:p>
+            <a:r>
+              <a:rPr lang="en-US" sz="500" dirty="0">
+                <a:latin typeface="Helvetica" charset="0"/>
+                <a:ea typeface="Helvetica" charset="0"/>
+                <a:cs typeface="Helvetica" charset="0"/>
+              </a:rPr>
+              <a:t> </a:t>
             </a:r>
           </a:p>
           <a:p>
             <a:pPr marL="457200" indent="-457200">
-              <a:buFontTx/>
-              <a:buChar char="-"/>
+              <a:buFont typeface="Wingdings" charset="2"/>
+              <a:buChar char="v"/>
             </a:pPr>
             <a:r>
+              <a:rPr lang="en-US" sz="3200" dirty="0">
+                <a:latin typeface="Helvetica" charset="0"/>
+                <a:ea typeface="Helvetica" charset="0"/>
+                <a:cs typeface="Helvetica" charset="0"/>
+              </a:rPr>
+              <a:t>Success </a:t>
+            </a:r>
+            <a:r>
               <a:rPr lang="en-US" sz="3200" dirty="0" err="1">
                 <a:latin typeface="Helvetica" charset="0"/>
                 <a:ea typeface="Helvetica" charset="0"/>
                 <a:cs typeface="Helvetica" charset="0"/>
               </a:rPr>
-              <a:t>Baserate</a:t>
-            </a:r>
-            <a:r>
-              <a:rPr lang="en-US" sz="3200" dirty="0">
-                <a:latin typeface="Helvetica" charset="0"/>
-                <a:ea typeface="Helvetica" charset="0"/>
-                <a:cs typeface="Helvetica" charset="0"/>
-              </a:rPr>
-              <a:t> of </a:t>
+              <a:t>baserate</a:t>
+            </a:r>
+            <a:r>
+              <a:rPr lang="en-US" sz="3200" dirty="0">
+                <a:latin typeface="Helvetica" charset="0"/>
+                <a:ea typeface="Helvetica" charset="0"/>
+                <a:cs typeface="Helvetica" charset="0"/>
+              </a:rPr>
+              <a:t> from </a:t>
             </a:r>
             <a:r>
               <a:rPr lang="en-US" sz="3200" b="1" dirty="0">
@@ -5188,21 +5195,48 @@
                 <a:ea typeface="Helvetica" charset="0"/>
                 <a:cs typeface="Helvetica" charset="0"/>
               </a:rPr>
-              <a:t>0.1</a:t>
+              <a:t>0.1 </a:t>
+            </a:r>
+            <a:r>
+              <a:rPr lang="en-US" sz="3200" dirty="0">
+                <a:latin typeface="Helvetica" charset="0"/>
+                <a:ea typeface="Helvetica" charset="0"/>
+                <a:cs typeface="Helvetica" charset="0"/>
+              </a:rPr>
+              <a:t>to </a:t>
+            </a:r>
+            <a:r>
+              <a:rPr lang="en-US" sz="3200" b="1" dirty="0">
+                <a:latin typeface="Helvetica" charset="0"/>
+                <a:ea typeface="Helvetica" charset="0"/>
+                <a:cs typeface="Helvetica" charset="0"/>
+              </a:rPr>
+              <a:t>0.9</a:t>
             </a:r>
           </a:p>
           <a:p>
             <a:pPr marL="457200" indent="-457200">
-              <a:buFontTx/>
-              <a:buChar char="-"/>
+              <a:buFont typeface="Wingdings" charset="2"/>
+              <a:buChar char="v"/>
             </a:pPr>
-            <a:r>
-              <a:rPr lang="en-US" sz="3200" dirty="0">
-                <a:latin typeface="Helvetica" charset="0"/>
-                <a:ea typeface="Helvetica" charset="0"/>
-                <a:cs typeface="Helvetica" charset="0"/>
-              </a:rPr>
-              <a:t>Favoring </a:t>
+            <a:endParaRPr lang="en-US" sz="500" dirty="0">
+              <a:latin typeface="Helvetica" charset="0"/>
+              <a:ea typeface="Helvetica" charset="0"/>
+              <a:cs typeface="Helvetica" charset="0"/>
+            </a:endParaRPr>
+          </a:p>
+          <a:p>
+            <a:pPr marL="457200" indent="-457200">
+              <a:buFont typeface="Wingdings" charset="2"/>
+              <a:buChar char="v"/>
+            </a:pPr>
+            <a:r>
+              <a:rPr lang="en-US" sz="3200" dirty="0">
+                <a:latin typeface="Helvetica" charset="0"/>
+                <a:ea typeface="Helvetica" charset="0"/>
+                <a:cs typeface="Helvetica" charset="0"/>
+              </a:rPr>
+              <a:t>From no QUD favored to favoring </a:t>
             </a:r>
             <a:r>
               <a:rPr lang="en-US" sz="3200" dirty="0">
@@ -5220,14 +5254,11 @@
               </a:rPr>
               <a:t> </a:t>
             </a:r>
-            <a:r>
-              <a:rPr lang="en-US" sz="3200" dirty="0">
-                <a:latin typeface="Helvetica" charset="0"/>
-                <a:ea typeface="Helvetica" charset="0"/>
-                <a:cs typeface="Helvetica" charset="0"/>
-              </a:rPr>
-              <a:t>QUD</a:t>
-            </a:r>
+            <a:endParaRPr lang="en-US" sz="3200" dirty="0">
+              <a:latin typeface="Helvetica" charset="0"/>
+              <a:ea typeface="Helvetica" charset="0"/>
+              <a:cs typeface="Helvetica" charset="0"/>
+            </a:endParaRPr>
           </a:p>
         </p:txBody>
       </p:sp>
@@ -5240,14 +5271,14 @@
           <p:nvPr/>
         </p:nvPicPr>
         <p:blipFill>
-          <a:blip r:embed="rId10"/>
+          <a:blip r:embed="rId8"/>
           <a:stretch>
             <a:fillRect/>
           </a:stretch>
         </p:blipFill>
         <p:spPr>
           <a:xfrm>
-            <a:off x="36207781" y="381967"/>
+            <a:off x="39045352" y="369412"/>
             <a:ext cx="3929260" cy="3911796"/>
           </a:xfrm>
           <a:prstGeom prst="rect">
@@ -5257,147 +5288,14 @@
       </p:pic>
       <p:sp>
         <p:nvSpPr>
-          <p:cNvPr id="75" name="TextBox 74"/>
-          <p:cNvSpPr txBox="1"/>
-          <p:nvPr/>
-        </p:nvSpPr>
-        <p:spPr>
-          <a:xfrm>
-            <a:off x="20968176" y="23086613"/>
-            <a:ext cx="7961620" cy="5016758"/>
-          </a:xfrm>
-          <a:prstGeom prst="rect">
-            <a:avLst/>
-          </a:prstGeom>
-          <a:noFill/>
-        </p:spPr>
-        <p:txBody>
-          <a:bodyPr wrap="square" rtlCol="0">
-            <a:spAutoFit/>
-          </a:bodyPr>
-          <a:lstStyle/>
-          <a:p>
-            <a:pPr marL="457200" indent="-457200">
-              <a:buFontTx/>
-              <a:buChar char="-"/>
-            </a:pPr>
-            <a:r>
-              <a:rPr lang="en-US" sz="3200" dirty="0">
-                <a:latin typeface="Helvetica" charset="0"/>
-                <a:ea typeface="Helvetica" charset="0"/>
-                <a:cs typeface="Helvetica" charset="0"/>
-              </a:rPr>
-              <a:t>We model pragmatic speaker behavior separately in both 2-frog and 4-frog contexts.</a:t>
-            </a:r>
-          </a:p>
-          <a:p>
-            <a:pPr marL="457200" indent="-457200">
-              <a:buFontTx/>
-              <a:buChar char="-"/>
-            </a:pPr>
-            <a:r>
-              <a:rPr lang="en-US" sz="3200" dirty="0">
-                <a:latin typeface="Helvetica" charset="0"/>
-                <a:ea typeface="Helvetica" charset="0"/>
-                <a:cs typeface="Helvetica" charset="0"/>
-              </a:rPr>
-              <a:t>In the 4-frog contexts we use two additional QUD: </a:t>
-            </a:r>
-            <a:r>
-              <a:rPr lang="en-US" sz="3200" dirty="0">
-                <a:latin typeface="Courier" charset="0"/>
-                <a:ea typeface="Courier" charset="0"/>
-                <a:cs typeface="Courier" charset="0"/>
-              </a:rPr>
-              <a:t>at-least-two?/ exactly-two? </a:t>
-            </a:r>
-            <a:r>
-              <a:rPr lang="en-US" sz="3200" dirty="0">
-                <a:latin typeface="Helvetica" panose="020B0604020202020204" pitchFamily="34" charset="0"/>
-                <a:ea typeface="Courier" charset="0"/>
-                <a:cs typeface="Helvetica" panose="020B0604020202020204" pitchFamily="34" charset="0"/>
-              </a:rPr>
-              <a:t>and we use two different interpretations of </a:t>
-            </a:r>
-            <a:r>
-              <a:rPr lang="en-US" sz="3200" b="1" dirty="0">
-                <a:latin typeface="Helvetica" charset="0"/>
-                <a:ea typeface="Helvetica" charset="0"/>
-                <a:cs typeface="Helvetica" charset="0"/>
-              </a:rPr>
-              <a:t>two:</a:t>
-            </a:r>
-            <a:r>
-              <a:rPr lang="en-US" sz="3200" dirty="0">
-                <a:latin typeface="Helvetica" charset="0"/>
-                <a:ea typeface="Helvetica" charset="0"/>
-                <a:cs typeface="Helvetica" charset="0"/>
-              </a:rPr>
-              <a:t> an </a:t>
-            </a:r>
-            <a:r>
-              <a:rPr lang="en-US" sz="3200" b="1" dirty="0">
-                <a:latin typeface="Helvetica" charset="0"/>
-                <a:ea typeface="Helvetica" charset="0"/>
-                <a:cs typeface="Helvetica" charset="0"/>
-              </a:rPr>
-              <a:t>at-least-two</a:t>
-            </a:r>
-            <a:r>
-              <a:rPr lang="en-US" sz="3200" dirty="0">
-                <a:latin typeface="Helvetica" charset="0"/>
-                <a:ea typeface="Helvetica" charset="0"/>
-                <a:cs typeface="Helvetica" charset="0"/>
-              </a:rPr>
-              <a:t> semantics and an </a:t>
-            </a:r>
-            <a:r>
-              <a:rPr lang="en-US" sz="3200" b="1" dirty="0">
-                <a:latin typeface="Helvetica" charset="0"/>
-                <a:ea typeface="Helvetica" charset="0"/>
-                <a:cs typeface="Helvetica" charset="0"/>
-              </a:rPr>
-              <a:t>exactly-two</a:t>
-            </a:r>
-            <a:r>
-              <a:rPr lang="en-US" sz="3200" dirty="0">
-                <a:latin typeface="Helvetica" charset="0"/>
-                <a:ea typeface="Helvetica" charset="0"/>
-                <a:cs typeface="Helvetica" charset="0"/>
-              </a:rPr>
-              <a:t> semantics.</a:t>
-            </a:r>
-          </a:p>
-          <a:p>
-            <a:r>
-              <a:rPr lang="en-US" sz="3200" dirty="0">
-                <a:latin typeface="Helvetica" panose="020B0604020202020204" pitchFamily="34" charset="0"/>
-                <a:ea typeface="Courier" charset="0"/>
-                <a:cs typeface="Helvetica" panose="020B0604020202020204" pitchFamily="34" charset="0"/>
-              </a:rPr>
-              <a:t> </a:t>
-            </a:r>
-            <a:r>
-              <a:rPr lang="en-US" sz="3200" dirty="0">
-                <a:latin typeface="Helvetica" charset="0"/>
-                <a:ea typeface="Helvetica" charset="0"/>
-                <a:cs typeface="Helvetica" charset="0"/>
-              </a:rPr>
-              <a:t> </a:t>
-            </a:r>
-          </a:p>
-        </p:txBody>
-      </p:sp>
-      <p:sp>
-        <p:nvSpPr>
           <p:cNvPr id="16" name="Rectangle 15"/>
           <p:cNvSpPr/>
           <p:nvPr/>
         </p:nvSpPr>
         <p:spPr>
           <a:xfrm>
-            <a:off x="29357736" y="21869632"/>
-            <a:ext cx="14533464" cy="4031873"/>
+            <a:off x="29423162" y="23842372"/>
+            <a:ext cx="14202832" cy="9310241"/>
           </a:xfrm>
           <a:prstGeom prst="rect">
             <a:avLst/>
@@ -5414,20 +5312,26 @@
                 <a:latin typeface="Helvetica" panose="020B0604020202020204" pitchFamily="34" charset="0"/>
                 <a:cs typeface="Helvetica" panose="020B0604020202020204" pitchFamily="34" charset="0"/>
               </a:rPr>
-              <a:t>Our model of ambiguity resolution in context captures the effect of the explicit contrast manipulation observed in adults in Musolino and Lidz (2003), and notably also captured the same effect in children</a:t>
-            </a:r>
+              <a:t>Our model of ambiguity resolution in context that previously captured children’s behavior seamlessly extends to capture adult behavior: </a:t>
+            </a:r>
+          </a:p>
+          <a:p>
+            <a:endParaRPr lang="en-US" sz="500" dirty="0">
+              <a:latin typeface="Helvetica" panose="020B0604020202020204" pitchFamily="34" charset="0"/>
+              <a:cs typeface="Helvetica" panose="020B0604020202020204" pitchFamily="34" charset="0"/>
+            </a:endParaRPr>
           </a:p>
           <a:p>
             <a:pPr marL="457200" indent="-457200">
-              <a:buFontTx/>
-              <a:buChar char="-"/>
+              <a:buFont typeface="Wingdings" charset="2"/>
+              <a:buChar char="v"/>
             </a:pPr>
             <a:r>
               <a:rPr lang="en-US" sz="3200" dirty="0">
                 <a:latin typeface="Helvetica" panose="020B0604020202020204" pitchFamily="34" charset="0"/>
                 <a:cs typeface="Helvetica" panose="020B0604020202020204" pitchFamily="34" charset="0"/>
               </a:rPr>
-              <a:t>Suggests that the same disambiguation mechanism is present in both children and adults; evidence for </a:t>
+              <a:t>Evidence of </a:t>
             </a:r>
             <a:r>
               <a:rPr lang="en-US" sz="3200" b="1" dirty="0">
@@ -5441,23 +5345,36 @@
                 <a:latin typeface="Helvetica" panose="020B0604020202020204" pitchFamily="34" charset="0"/>
                 <a:cs typeface="Helvetica" panose="020B0604020202020204" pitchFamily="34" charset="0"/>
               </a:rPr>
-              <a:t>.</a:t>
+              <a:t> in scope ambiguity resolution</a:t>
             </a:r>
           </a:p>
           <a:p>
             <a:pPr marL="457200" indent="-457200">
-              <a:buFontTx/>
-              <a:buChar char="-"/>
+              <a:buFont typeface="Wingdings" charset="2"/>
+              <a:buChar char="v"/>
+            </a:pPr>
+            <a:endParaRPr lang="en-US" sz="500" dirty="0">
+              <a:latin typeface="Helvetica" panose="020B0604020202020204" pitchFamily="34" charset="0"/>
+              <a:cs typeface="Helvetica" panose="020B0604020202020204" pitchFamily="34" charset="0"/>
+            </a:endParaRPr>
+          </a:p>
+          <a:p>
+            <a:pPr marL="457200" indent="-457200">
+              <a:buFont typeface="Wingdings" charset="2"/>
+              <a:buChar char="v"/>
             </a:pPr>
             <a:r>
               <a:rPr lang="en-US" sz="3200" dirty="0">
                 <a:latin typeface="Helvetica" panose="020B0604020202020204" pitchFamily="34" charset="0"/>
                 <a:cs typeface="Helvetica" panose="020B0604020202020204" pitchFamily="34" charset="0"/>
               </a:rPr>
-              <a:t>The model also explains </a:t>
+              <a:t>Also explains </a:t>
             </a:r>
             <a:r>
               <a:rPr lang="en-US" sz="3200" i="1" dirty="0">
+                <a:solidFill>
+                  <a:srgbClr val="FF7A00"/>
+                </a:solidFill>
                 <a:latin typeface="Helvetica" panose="020B0604020202020204" pitchFamily="34" charset="0"/>
                 <a:cs typeface="Helvetica" panose="020B0604020202020204" pitchFamily="34" charset="0"/>
               </a:rPr>
@@ -5465,10 +5382,20 @@
             </a:r>
             <a:r>
               <a:rPr lang="en-US" sz="3200" dirty="0">
+                <a:solidFill>
+                  <a:srgbClr val="FF7A00"/>
+                </a:solidFill>
                 <a:latin typeface="Helvetica" panose="020B0604020202020204" pitchFamily="34" charset="0"/>
                 <a:cs typeface="Helvetica" panose="020B0604020202020204" pitchFamily="34" charset="0"/>
               </a:rPr>
-              <a:t> the explicit contrast manipulation works: the pragmatic factors create a situation where </a:t>
+              <a:t> the explicit contrast manipulation works</a:t>
+            </a:r>
+            <a:r>
+              <a:rPr lang="en-US" sz="3200" dirty="0">
+                <a:latin typeface="Helvetica" panose="020B0604020202020204" pitchFamily="34" charset="0"/>
+                <a:cs typeface="Helvetica" panose="020B0604020202020204" pitchFamily="34" charset="0"/>
+              </a:rPr>
+              <a:t>: the pragmatic factors create a situation where </a:t>
             </a:r>
             <a:r>
               <a:rPr lang="en-US" sz="3200" dirty="0">
@@ -5482,8 +5409,250 @@
                 <a:latin typeface="Helvetica" panose="020B0604020202020204" pitchFamily="34" charset="0"/>
                 <a:cs typeface="Helvetica" panose="020B0604020202020204" pitchFamily="34" charset="0"/>
               </a:rPr>
-              <a:t> is still informative despite the ambiguity. </a:t>
-            </a:r>
+              <a:t> is still quite informative and therefore useful despite the ambiguity </a:t>
+            </a:r>
+          </a:p>
+          <a:p>
+            <a:pPr marL="457200" indent="-457200">
+              <a:buFont typeface="Wingdings" charset="2"/>
+              <a:buChar char="v"/>
+            </a:pPr>
+            <a:endParaRPr lang="en-US" sz="500" dirty="0">
+              <a:latin typeface="Helvetica" panose="020B0604020202020204" pitchFamily="34" charset="0"/>
+              <a:cs typeface="Helvetica" panose="020B0604020202020204" pitchFamily="34" charset="0"/>
+            </a:endParaRPr>
+          </a:p>
+          <a:p>
+            <a:pPr marL="457200" indent="-457200">
+              <a:buFont typeface="Wingdings" charset="2"/>
+              <a:buChar char="v"/>
+            </a:pPr>
+            <a:r>
+              <a:rPr lang="en-US" sz="3200" dirty="0">
+                <a:latin typeface="Helvetica" panose="020B0604020202020204" pitchFamily="34" charset="0"/>
+                <a:cs typeface="Helvetica" panose="020B0604020202020204" pitchFamily="34" charset="0"/>
+              </a:rPr>
+              <a:t>Also supports </a:t>
+            </a:r>
+            <a:r>
+              <a:rPr lang="en-US" sz="3200" b="1" dirty="0">
+                <a:latin typeface="Helvetica" panose="020B0604020202020204" pitchFamily="34" charset="0"/>
+                <a:cs typeface="Helvetica" panose="020B0604020202020204" pitchFamily="34" charset="0"/>
+              </a:rPr>
+              <a:t>exactly-two</a:t>
+            </a:r>
+            <a:r>
+              <a:rPr lang="en-US" sz="3200" dirty="0">
+                <a:latin typeface="Helvetica" panose="020B0604020202020204" pitchFamily="34" charset="0"/>
+                <a:cs typeface="Helvetica" panose="020B0604020202020204" pitchFamily="34" charset="0"/>
+              </a:rPr>
+              <a:t> utterance semantics to explain </a:t>
+            </a:r>
+            <a:r>
+              <a:rPr lang="en-US" sz="3200" dirty="0">
+                <a:solidFill>
+                  <a:schemeClr val="accent6"/>
+                </a:solidFill>
+                <a:latin typeface="Helvetica" panose="020B0604020202020204" pitchFamily="34" charset="0"/>
+                <a:cs typeface="Helvetica" panose="020B0604020202020204" pitchFamily="34" charset="0"/>
+              </a:rPr>
+              <a:t>adult asymmetry in endorsement behavior across contexts</a:t>
+            </a:r>
+          </a:p>
+          <a:p>
+            <a:pPr marL="457200" indent="-457200">
+              <a:buFont typeface="Wingdings" charset="2"/>
+              <a:buChar char="v"/>
+            </a:pPr>
+            <a:endParaRPr lang="en-US" sz="1000" dirty="0">
+              <a:latin typeface="Helvetica" panose="020B0604020202020204" pitchFamily="34" charset="0"/>
+              <a:cs typeface="Helvetica" panose="020B0604020202020204" pitchFamily="34" charset="0"/>
+            </a:endParaRPr>
+          </a:p>
+          <a:p>
+            <a:r>
+              <a:rPr lang="en-US" sz="3200" dirty="0">
+                <a:latin typeface="Helvetica" panose="020B0604020202020204" pitchFamily="34" charset="0"/>
+                <a:cs typeface="Helvetica" panose="020B0604020202020204" pitchFamily="34" charset="0"/>
+              </a:rPr>
+              <a:t>Underscores the </a:t>
+            </a:r>
+            <a:r>
+              <a:rPr lang="en-US" sz="3200" b="1" dirty="0">
+                <a:latin typeface="Helvetica" panose="020B0604020202020204" pitchFamily="34" charset="0"/>
+                <a:cs typeface="Helvetica" panose="020B0604020202020204" pitchFamily="34" charset="0"/>
+              </a:rPr>
+              <a:t>complexity</a:t>
+            </a:r>
+            <a:r>
+              <a:rPr lang="en-US" sz="3200" dirty="0">
+                <a:latin typeface="Helvetica" panose="020B0604020202020204" pitchFamily="34" charset="0"/>
+                <a:cs typeface="Helvetica" panose="020B0604020202020204" pitchFamily="34" charset="0"/>
+              </a:rPr>
+              <a:t> of the utterance disambiguation:</a:t>
+            </a:r>
+          </a:p>
+          <a:p>
+            <a:endParaRPr lang="en-US" sz="500" dirty="0">
+              <a:latin typeface="Helvetica" panose="020B0604020202020204" pitchFamily="34" charset="0"/>
+              <a:cs typeface="Helvetica" panose="020B0604020202020204" pitchFamily="34" charset="0"/>
+            </a:endParaRPr>
+          </a:p>
+          <a:p>
+            <a:pPr marL="457200" indent="-457200">
+              <a:buFont typeface="Wingdings" charset="2"/>
+              <a:buChar char="v"/>
+            </a:pPr>
+            <a:r>
+              <a:rPr lang="en-US" sz="3200" dirty="0">
+                <a:latin typeface="Helvetica" panose="020B0604020202020204" pitchFamily="34" charset="0"/>
+                <a:cs typeface="Helvetica" panose="020B0604020202020204" pitchFamily="34" charset="0"/>
+              </a:rPr>
+              <a:t>A confluence of factors contribute to how these ambiguities get resolved</a:t>
+            </a:r>
+          </a:p>
+          <a:p>
+            <a:pPr marL="457200" indent="-457200">
+              <a:buFont typeface="Wingdings" charset="2"/>
+              <a:buChar char="v"/>
+            </a:pPr>
+            <a:endParaRPr lang="en-US" sz="500" dirty="0">
+              <a:latin typeface="Helvetica" panose="020B0604020202020204" pitchFamily="34" charset="0"/>
+              <a:cs typeface="Helvetica" panose="020B0604020202020204" pitchFamily="34" charset="0"/>
+            </a:endParaRPr>
+          </a:p>
+          <a:p>
+            <a:pPr marL="457200" indent="-457200">
+              <a:buFont typeface="Wingdings" charset="2"/>
+              <a:buChar char="v"/>
+            </a:pPr>
+            <a:r>
+              <a:rPr lang="en-US" sz="3200" dirty="0">
+                <a:latin typeface="Helvetica" panose="020B0604020202020204" pitchFamily="34" charset="0"/>
+                <a:cs typeface="Helvetica" panose="020B0604020202020204" pitchFamily="34" charset="0"/>
+              </a:rPr>
+              <a:t>It appears that </a:t>
+            </a:r>
+            <a:r>
+              <a:rPr lang="en-US" sz="3200" dirty="0">
+                <a:solidFill>
+                  <a:srgbClr val="BA4DFF"/>
+                </a:solidFill>
+                <a:latin typeface="Helvetica" panose="020B0604020202020204" pitchFamily="34" charset="0"/>
+                <a:cs typeface="Helvetica" panose="020B0604020202020204" pitchFamily="34" charset="0"/>
+              </a:rPr>
+              <a:t>pragmatics</a:t>
+            </a:r>
+            <a:r>
+              <a:rPr lang="en-US" sz="3200" dirty="0">
+                <a:latin typeface="Helvetica" panose="020B0604020202020204" pitchFamily="34" charset="0"/>
+                <a:cs typeface="Helvetica" panose="020B0604020202020204" pitchFamily="34" charset="0"/>
+              </a:rPr>
+              <a:t> has a more profound effect on behavior, but grammatical </a:t>
+            </a:r>
+            <a:r>
+              <a:rPr lang="en-US" sz="3200" dirty="0">
+                <a:solidFill>
+                  <a:srgbClr val="00AEE5"/>
+                </a:solidFill>
+                <a:latin typeface="Helvetica" panose="020B0604020202020204" pitchFamily="34" charset="0"/>
+                <a:cs typeface="Helvetica" panose="020B0604020202020204" pitchFamily="34" charset="0"/>
+              </a:rPr>
+              <a:t>scope</a:t>
+            </a:r>
+            <a:r>
+              <a:rPr lang="en-US" sz="3200" dirty="0">
+                <a:latin typeface="Helvetica" panose="020B0604020202020204" pitchFamily="34" charset="0"/>
+                <a:cs typeface="Helvetica" panose="020B0604020202020204" pitchFamily="34" charset="0"/>
+              </a:rPr>
+              <a:t> access still matters (especially for adult behavior!)</a:t>
+            </a:r>
+          </a:p>
+          <a:p>
+            <a:pPr marL="457200" indent="-457200">
+              <a:buFont typeface="Wingdings" charset="2"/>
+              <a:buChar char="v"/>
+            </a:pPr>
+            <a:endParaRPr lang="en-US" sz="1000" dirty="0">
+              <a:latin typeface="Helvetica" panose="020B0604020202020204" pitchFamily="34" charset="0"/>
+              <a:cs typeface="Helvetica" panose="020B0604020202020204" pitchFamily="34" charset="0"/>
+            </a:endParaRPr>
+          </a:p>
+          <a:p>
+            <a:r>
+              <a:rPr lang="en-US" sz="3200" dirty="0">
+                <a:latin typeface="Helvetica" panose="020B0604020202020204" pitchFamily="34" charset="0"/>
+                <a:cs typeface="Helvetica" panose="020B0604020202020204" pitchFamily="34" charset="0"/>
+              </a:rPr>
+              <a:t>Computational modeling can help us refine our </a:t>
+            </a:r>
+            <a:r>
+              <a:rPr lang="en-US" sz="3200" b="1" dirty="0">
+                <a:latin typeface="Helvetica" panose="020B0604020202020204" pitchFamily="34" charset="0"/>
+                <a:cs typeface="Helvetica" panose="020B0604020202020204" pitchFamily="34" charset="0"/>
+              </a:rPr>
+              <a:t>theories about language representation</a:t>
+            </a:r>
+            <a:r>
+              <a:rPr lang="en-US" sz="3200" dirty="0">
+                <a:latin typeface="Helvetica" panose="020B0604020202020204" pitchFamily="34" charset="0"/>
+                <a:cs typeface="Helvetica" panose="020B0604020202020204" pitchFamily="34" charset="0"/>
+              </a:rPr>
+              <a:t>:</a:t>
+            </a:r>
+          </a:p>
+          <a:p>
+            <a:endParaRPr lang="en-US" sz="500" b="1" dirty="0">
+              <a:latin typeface="Helvetica" panose="020B0604020202020204" pitchFamily="34" charset="0"/>
+              <a:cs typeface="Helvetica" panose="020B0604020202020204" pitchFamily="34" charset="0"/>
+            </a:endParaRPr>
+          </a:p>
+          <a:p>
+            <a:pPr marL="457200" indent="-457200">
+              <a:buFont typeface="Wingdings" charset="2"/>
+              <a:buChar char="v"/>
+            </a:pPr>
+            <a:r>
+              <a:rPr lang="en-US" sz="3200" dirty="0">
+                <a:latin typeface="Helvetica" panose="020B0604020202020204" pitchFamily="34" charset="0"/>
+                <a:cs typeface="Helvetica" panose="020B0604020202020204" pitchFamily="34" charset="0"/>
+              </a:rPr>
+              <a:t>Here: We can manipulate the semantics of </a:t>
+            </a:r>
+            <a:r>
+              <a:rPr lang="en-US" sz="3200" b="1" i="1" dirty="0">
+                <a:latin typeface="Helvetica" panose="020B0604020202020204" pitchFamily="34" charset="0"/>
+                <a:cs typeface="Helvetica" panose="020B0604020202020204" pitchFamily="34" charset="0"/>
+              </a:rPr>
+              <a:t>two</a:t>
+            </a:r>
+            <a:r>
+              <a:rPr lang="en-US" sz="3200" dirty="0">
+                <a:latin typeface="Helvetica" panose="020B0604020202020204" pitchFamily="34" charset="0"/>
+                <a:cs typeface="Helvetica" panose="020B0604020202020204" pitchFamily="34" charset="0"/>
+              </a:rPr>
+              <a:t> and test the relevant predictions in ways behavioral experiments alone cannot</a:t>
+            </a:r>
+          </a:p>
+          <a:p>
+            <a:pPr marL="457200" indent="-457200">
+              <a:buFont typeface="Wingdings" charset="2"/>
+              <a:buChar char="v"/>
+            </a:pPr>
+            <a:endParaRPr lang="en-US" sz="500" dirty="0">
+              <a:latin typeface="Helvetica" panose="020B0604020202020204" pitchFamily="34" charset="0"/>
+              <a:cs typeface="Helvetica" panose="020B0604020202020204" pitchFamily="34" charset="0"/>
+            </a:endParaRPr>
+          </a:p>
+          <a:p>
+            <a:pPr marL="457200" indent="-457200">
+              <a:buFont typeface="Wingdings" charset="2"/>
+              <a:buChar char="v"/>
+            </a:pPr>
+            <a:endParaRPr lang="en-US" sz="3200" dirty="0">
+              <a:latin typeface="Helvetica" panose="020B0604020202020204" pitchFamily="34" charset="0"/>
+              <a:cs typeface="Helvetica" panose="020B0604020202020204" pitchFamily="34" charset="0"/>
+            </a:endParaRPr>
           </a:p>
         </p:txBody>
       </p:sp>
@@ -5495,7 +5664,7 @@
         </p:nvSpPr>
         <p:spPr>
           <a:xfrm>
-            <a:off x="1499481" y="7158865"/>
+            <a:off x="1337186" y="5725130"/>
             <a:ext cx="11989662" cy="3093154"/>
           </a:xfrm>
           <a:prstGeom prst="rect">
@@ -5519,7 +5688,7 @@
           <a:lstStyle/>
           <a:p>
             <a:r>
-              <a:rPr lang="en-US" sz="3500" dirty="0">
+              <a:rPr lang="en-US" sz="3500" b="1" dirty="0">
                 <a:latin typeface="Courier" charset="0"/>
                 <a:ea typeface="Courier" charset="0"/>
                 <a:cs typeface="Courier" charset="0"/>
@@ -5562,12 +5731,12 @@
                 <a:ea typeface="Helvetica" charset="0"/>
                 <a:cs typeface="Helvetica" charset="0"/>
               </a:rPr>
-              <a:t>					a. 	∀ &gt;&gt; ¬ (</a:t>
+              <a:t>					a. ∀ &gt;&gt; ¬ (</a:t>
             </a:r>
             <a:r>
               <a:rPr lang="en-US" sz="3500" dirty="0">
                 <a:solidFill>
-                  <a:srgbClr val="00B150"/>
+                  <a:srgbClr val="2E34FF"/>
                 </a:solidFill>
                 <a:latin typeface="Helvetica" charset="0"/>
                 <a:ea typeface="Helvetica" charset="0"/>
@@ -5629,12 +5798,12 @@
                 <a:ea typeface="Helvetica" charset="0"/>
                 <a:cs typeface="Helvetica" charset="0"/>
               </a:rPr>
-              <a:t>					b.		 ¬ &gt;&gt; ∀ (</a:t>
+              <a:t>					b.	¬ &gt;&gt; ∀ (</a:t>
             </a:r>
             <a:r>
               <a:rPr lang="en-US" sz="3500" dirty="0">
                 <a:solidFill>
-                  <a:srgbClr val="FF0000"/>
+                  <a:srgbClr val="EF00A9"/>
                 </a:solidFill>
                 <a:latin typeface="Helvetica" charset="0"/>
                 <a:ea typeface="Helvetica" charset="0"/>
@@ -5687,7 +5856,7 @@
         </p:nvSpPr>
         <p:spPr>
           <a:xfrm>
-            <a:off x="15493840" y="17951831"/>
+            <a:off x="15494979" y="13359374"/>
             <a:ext cx="7801555" cy="2554545"/>
           </a:xfrm>
           <a:prstGeom prst="rect">
@@ -5728,7 +5897,7 @@
               <a:t>	</a:t>
             </a:r>
             <a:r>
-              <a:rPr lang="en-US" sz="3200" dirty="0" err="1">
+              <a:rPr lang="en-US" sz="3200" i="1" dirty="0" err="1">
                 <a:latin typeface="Helvetica" charset="0"/>
                 <a:ea typeface="Helvetica" charset="0"/>
                 <a:cs typeface="Helvetica" charset="0"/>
@@ -5777,7 +5946,23 @@
                 <a:ea typeface="Helvetica" charset="0"/>
                 <a:cs typeface="Helvetica" charset="0"/>
               </a:rPr>
-              <a:t>	q ∊ {</a:t>
+              <a:t>	</a:t>
+            </a:r>
+            <a:r>
+              <a:rPr lang="en-US" sz="3200" i="1" dirty="0">
+                <a:latin typeface="Helvetica" charset="0"/>
+                <a:ea typeface="Helvetica" charset="0"/>
+                <a:cs typeface="Helvetica" charset="0"/>
+              </a:rPr>
+              <a:t>q</a:t>
+            </a:r>
+            <a:r>
+              <a:rPr lang="en-US" sz="3200" dirty="0">
+                <a:latin typeface="Helvetica" charset="0"/>
+                <a:ea typeface="Helvetica" charset="0"/>
+                <a:cs typeface="Helvetica" charset="0"/>
+              </a:rPr>
+              <a:t> ∊ {</a:t>
             </a:r>
             <a:r>
               <a:rPr lang="en-US" sz="3200" dirty="0">
@@ -5832,8 +6017,8 @@
         </p:nvSpPr>
         <p:spPr>
           <a:xfrm>
-            <a:off x="23278046" y="17962258"/>
-            <a:ext cx="5549011" cy="2554545"/>
+            <a:off x="23279186" y="13369801"/>
+            <a:ext cx="5346234" cy="2554545"/>
           </a:xfrm>
           <a:prstGeom prst="rect">
             <a:avLst/>
@@ -5861,7 +6046,23 @@
                 <a:ea typeface="Helvetica" charset="0"/>
                 <a:cs typeface="Helvetica" charset="0"/>
               </a:rPr>
-              <a:t>	w ∊ {</a:t>
+              <a:t>	</a:t>
+            </a:r>
+            <a:r>
+              <a:rPr lang="en-US" sz="3200" i="1" dirty="0">
+                <a:latin typeface="Helvetica" charset="0"/>
+                <a:ea typeface="Helvetica" charset="0"/>
+                <a:cs typeface="Helvetica" charset="0"/>
+              </a:rPr>
+              <a:t>w</a:t>
+            </a:r>
+            <a:r>
+              <a:rPr lang="en-US" sz="3200" dirty="0">
+                <a:latin typeface="Helvetica" charset="0"/>
+                <a:ea typeface="Helvetica" charset="0"/>
+                <a:cs typeface="Helvetica" charset="0"/>
+              </a:rPr>
+              <a:t> ∊ {</a:t>
             </a:r>
             <a:r>
               <a:rPr lang="en-US" sz="3200" dirty="0">
@@ -5869,7 +6070,7 @@
                 <a:ea typeface="Courier" charset="0"/>
                 <a:cs typeface="Courier" charset="0"/>
               </a:rPr>
-              <a:t>0,1,2} and 			{0,1,2,3,4}</a:t>
+              <a:t>0,1,2} or			{0,1,2,3,4}</a:t>
             </a:r>
             <a:endParaRPr lang="en-US" sz="3200" dirty="0">
               <a:latin typeface="Helvetica" charset="0"/>
@@ -5894,7 +6095,23 @@
                 <a:ea typeface="Helvetica" charset="0"/>
                 <a:cs typeface="Helvetica" charset="0"/>
               </a:rPr>
-              <a:t>	u ∊ {</a:t>
+              <a:t>	</a:t>
+            </a:r>
+            <a:r>
+              <a:rPr lang="en-US" sz="3200" i="1" dirty="0">
+                <a:latin typeface="Helvetica" charset="0"/>
+                <a:ea typeface="Helvetica" charset="0"/>
+                <a:cs typeface="Helvetica" charset="0"/>
+              </a:rPr>
+              <a:t>u</a:t>
+            </a:r>
+            <a:r>
+              <a:rPr lang="en-US" sz="3200" dirty="0">
+                <a:latin typeface="Helvetica" charset="0"/>
+                <a:ea typeface="Helvetica" charset="0"/>
+                <a:cs typeface="Helvetica" charset="0"/>
+              </a:rPr>
+              <a:t> ∊ {</a:t>
             </a:r>
             <a:r>
               <a:rPr lang="en-US" sz="3200" dirty="0">
@@ -5920,64 +6137,6 @@
               </a:rPr>
               <a:t>}</a:t>
             </a:r>
-          </a:p>
-        </p:txBody>
-      </p:sp>
-      <p:sp>
-        <p:nvSpPr>
-          <p:cNvPr id="92" name="Rectangle 91"/>
-          <p:cNvSpPr/>
-          <p:nvPr/>
-        </p:nvSpPr>
-        <p:spPr>
-          <a:xfrm>
-            <a:off x="15192412" y="17936014"/>
-            <a:ext cx="13511739" cy="2705858"/>
-          </a:xfrm>
-          <a:prstGeom prst="rect">
-            <a:avLst/>
-          </a:prstGeom>
-          <a:solidFill>
-            <a:schemeClr val="accent1">
-              <a:lumMod val="40000"/>
-              <a:lumOff val="60000"/>
-              <a:alpha val="13000"/>
-            </a:schemeClr>
-          </a:solidFill>
-          <a:ln>
-            <a:solidFill>
-              <a:schemeClr val="accent1">
-                <a:shade val="50000"/>
-              </a:schemeClr>
-            </a:solidFill>
-          </a:ln>
-        </p:spPr>
-        <p:style>
-          <a:lnRef idx="2">
-            <a:schemeClr val="accent1">
-              <a:shade val="50000"/>
-            </a:schemeClr>
-          </a:lnRef>
-          <a:fillRef idx="1">
-            <a:schemeClr val="accent1"/>
-          </a:fillRef>
-          <a:effectRef idx="0">
-            <a:schemeClr val="accent1"/>
-          </a:effectRef>
-          <a:fontRef idx="minor">
-            <a:schemeClr val="lt1"/>
-          </a:fontRef>
-        </p:style>
-        <p:txBody>
-          <a:bodyPr rtlCol="0" anchor="ctr"/>
-          <a:lstStyle/>
-          <a:p>
-            <a:pPr algn="ctr"/>
-            <a:endParaRPr lang="en-US" dirty="0">
-              <a:latin typeface="Helvetica" charset="0"/>
-              <a:ea typeface="Helvetica" charset="0"/>
-              <a:cs typeface="Helvetica" charset="0"/>
-            </a:endParaRPr>
           </a:p>
         </p:txBody>
       </p:sp>
@@ -5995,7 +6154,7 @@
         </p:nvSpPr>
         <p:spPr>
           <a:xfrm>
-            <a:off x="1489846" y="23923153"/>
+            <a:off x="1330552" y="22771989"/>
             <a:ext cx="11989662" cy="3093154"/>
           </a:xfrm>
           <a:prstGeom prst="rect">
@@ -6019,7 +6178,7 @@
           <a:lstStyle/>
           <a:p>
             <a:r>
-              <a:rPr lang="en-US" sz="3500" dirty="0">
+              <a:rPr lang="en-US" sz="3500" b="1" dirty="0">
                 <a:latin typeface="Courier" charset="0"/>
                 <a:ea typeface="Courier" charset="0"/>
                 <a:cs typeface="Courier" charset="0"/>
@@ -6062,12 +6221,12 @@
                 <a:ea typeface="Helvetica" charset="0"/>
                 <a:cs typeface="Helvetica" charset="0"/>
               </a:rPr>
-              <a:t>					a. 	2 &gt;&gt; ¬ (</a:t>
+              <a:t>					a. 2 &gt;&gt; ¬ (</a:t>
             </a:r>
             <a:r>
               <a:rPr lang="en-US" sz="3500" dirty="0">
                 <a:solidFill>
-                  <a:srgbClr val="00B150"/>
+                  <a:srgbClr val="2E34FF"/>
                 </a:solidFill>
                 <a:latin typeface="Helvetica" charset="0"/>
                 <a:ea typeface="Helvetica" charset="0"/>
@@ -6145,12 +6304,12 @@
                 <a:ea typeface="Helvetica" charset="0"/>
                 <a:cs typeface="Helvetica" charset="0"/>
               </a:rPr>
-              <a:t>					b.		 ¬ &gt;&gt; 2 (</a:t>
+              <a:t>					b.	¬ &gt;&gt; 2 (</a:t>
             </a:r>
             <a:r>
               <a:rPr lang="en-US" sz="3500" dirty="0">
                 <a:solidFill>
-                  <a:srgbClr val="FF0000"/>
+                  <a:srgbClr val="EF00A9"/>
                 </a:solidFill>
                 <a:latin typeface="Helvetica" charset="0"/>
                 <a:ea typeface="Helvetica" charset="0"/>
@@ -6225,7 +6384,7 @@
         </p:nvSpPr>
         <p:spPr>
           <a:xfrm>
-            <a:off x="1156611" y="14119818"/>
+            <a:off x="1154002" y="14185131"/>
             <a:ext cx="12664156" cy="738664"/>
           </a:xfrm>
           <a:prstGeom prst="rect">
@@ -6262,6 +6421,78 @@
             <a:extLst>
               <a:ext uri="{FF2B5EF4-FFF2-40B4-BE49-F238E27FC236}">
                 <a16:creationId xmlns:a16="http://schemas.microsoft.com/office/drawing/2014/main" id="{87CDAF56-BA52-4BC5-A6D1-3675E718FA7B}"/>
+              </a:ext>
+            </a:extLst>
+          </p:cNvPr>
+          <p:cNvPicPr>
+            <a:picLocks noChangeAspect="1"/>
+          </p:cNvPicPr>
+          <p:nvPr/>
+        </p:nvPicPr>
+        <p:blipFill>
+          <a:blip r:embed="rId9">
+            <a:extLst>
+              <a:ext uri="{28A0092B-C50C-407E-A947-70E740481C1C}">
+                <a14:useLocalDpi xmlns:a14="http://schemas.microsoft.com/office/drawing/2010/main" val="0"/>
+              </a:ext>
+            </a:extLst>
+          </a:blip>
+          <a:stretch>
+            <a:fillRect/>
+          </a:stretch>
+        </p:blipFill>
+        <p:spPr>
+          <a:xfrm>
+            <a:off x="14955554" y="27849960"/>
+            <a:ext cx="8043067" cy="649216"/>
+          </a:xfrm>
+          <a:prstGeom prst="rect">
+            <a:avLst/>
+          </a:prstGeom>
+        </p:spPr>
+      </p:pic>
+      <p:pic>
+        <p:nvPicPr>
+          <p:cNvPr id="30" name="Picture 29">
+            <a:extLst>
+              <a:ext uri="{FF2B5EF4-FFF2-40B4-BE49-F238E27FC236}">
+                <a16:creationId xmlns:a16="http://schemas.microsoft.com/office/drawing/2014/main" id="{C0735CB4-5FC5-4345-87E5-288020E50953}"/>
+              </a:ext>
+            </a:extLst>
+          </p:cNvPr>
+          <p:cNvPicPr>
+            <a:picLocks noChangeAspect="1"/>
+          </p:cNvPicPr>
+          <p:nvPr/>
+        </p:nvPicPr>
+        <p:blipFill>
+          <a:blip r:embed="rId10">
+            <a:extLst>
+              <a:ext uri="{28A0092B-C50C-407E-A947-70E740481C1C}">
+                <a14:useLocalDpi xmlns:a14="http://schemas.microsoft.com/office/drawing/2010/main" val="0"/>
+              </a:ext>
+            </a:extLst>
+          </a:blip>
+          <a:stretch>
+            <a:fillRect/>
+          </a:stretch>
+        </p:blipFill>
+        <p:spPr>
+          <a:xfrm>
+            <a:off x="14887218" y="28593149"/>
+            <a:ext cx="9401297" cy="692727"/>
+          </a:xfrm>
+          <a:prstGeom prst="rect">
+            <a:avLst/>
+          </a:prstGeom>
+        </p:spPr>
+      </p:pic>
+      <p:pic>
+        <p:nvPicPr>
+          <p:cNvPr id="35" name="Picture 34">
+            <a:extLst>
+              <a:ext uri="{FF2B5EF4-FFF2-40B4-BE49-F238E27FC236}">
+                <a16:creationId xmlns:a16="http://schemas.microsoft.com/office/drawing/2014/main" id="{91DF447F-C340-41C3-9C88-2ACF07DD4B62}"/>
               </a:ext>
             </a:extLst>
           </p:cNvPr>
@@ -6284,8 +6515,8 @@
         </p:blipFill>
         <p:spPr>
           <a:xfrm>
-            <a:off x="15020269" y="29772077"/>
-            <a:ext cx="8043067" cy="649216"/>
+            <a:off x="14887829" y="29568710"/>
+            <a:ext cx="7022813" cy="1077758"/>
           </a:xfrm>
           <a:prstGeom prst="rect">
             <a:avLst/>
@@ -6294,10 +6525,10 @@
       </p:pic>
       <p:pic>
         <p:nvPicPr>
-          <p:cNvPr id="30" name="Picture 29">
+          <p:cNvPr id="45" name="Picture 44">
             <a:extLst>
               <a:ext uri="{FF2B5EF4-FFF2-40B4-BE49-F238E27FC236}">
-                <a16:creationId xmlns:a16="http://schemas.microsoft.com/office/drawing/2014/main" id="{C0735CB4-5FC5-4345-87E5-288020E50953}"/>
+                <a16:creationId xmlns:a16="http://schemas.microsoft.com/office/drawing/2014/main" id="{D613E970-06E9-4139-AD28-CB1762579045}"/>
               </a:ext>
             </a:extLst>
           </p:cNvPr>
@@ -6320,115 +6551,7 @@
         </p:blipFill>
         <p:spPr>
           <a:xfrm>
-            <a:off x="14936502" y="30547881"/>
-            <a:ext cx="9401297" cy="692727"/>
-          </a:xfrm>
-          <a:prstGeom prst="rect">
-            <a:avLst/>
-          </a:prstGeom>
-        </p:spPr>
-      </p:pic>
-      <p:pic>
-        <p:nvPicPr>
-          <p:cNvPr id="35" name="Picture 34">
-            <a:extLst>
-              <a:ext uri="{FF2B5EF4-FFF2-40B4-BE49-F238E27FC236}">
-                <a16:creationId xmlns:a16="http://schemas.microsoft.com/office/drawing/2014/main" id="{91DF447F-C340-41C3-9C88-2ACF07DD4B62}"/>
-              </a:ext>
-            </a:extLst>
-          </p:cNvPr>
-          <p:cNvPicPr>
-            <a:picLocks noChangeAspect="1"/>
-          </p:cNvPicPr>
-          <p:nvPr/>
-        </p:nvPicPr>
-        <p:blipFill>
-          <a:blip r:embed="rId13">
-            <a:extLst>
-              <a:ext uri="{28A0092B-C50C-407E-A947-70E740481C1C}">
-                <a14:useLocalDpi xmlns:a14="http://schemas.microsoft.com/office/drawing/2010/main" val="0"/>
-              </a:ext>
-            </a:extLst>
-          </a:blip>
-          <a:stretch>
-            <a:fillRect/>
-          </a:stretch>
-        </p:blipFill>
-        <p:spPr>
-          <a:xfrm>
-            <a:off x="14936502" y="31363827"/>
-            <a:ext cx="6890809" cy="1057500"/>
-          </a:xfrm>
-          <a:prstGeom prst="rect">
-            <a:avLst/>
-          </a:prstGeom>
-        </p:spPr>
-      </p:pic>
-      <p:pic>
-        <p:nvPicPr>
-          <p:cNvPr id="37" name="Picture 36">
-            <a:extLst>
-              <a:ext uri="{FF2B5EF4-FFF2-40B4-BE49-F238E27FC236}">
-                <a16:creationId xmlns:a16="http://schemas.microsoft.com/office/drawing/2014/main" id="{7B8CBF04-3631-450C-82E1-6B62E5966AD9}"/>
-              </a:ext>
-            </a:extLst>
-          </p:cNvPr>
-          <p:cNvPicPr>
-            <a:picLocks noChangeAspect="1"/>
-          </p:cNvPicPr>
-          <p:nvPr/>
-        </p:nvPicPr>
-        <p:blipFill>
-          <a:blip r:embed="rId14">
-            <a:extLst>
-              <a:ext uri="{28A0092B-C50C-407E-A947-70E740481C1C}">
-                <a14:useLocalDpi xmlns:a14="http://schemas.microsoft.com/office/drawing/2010/main" val="0"/>
-              </a:ext>
-            </a:extLst>
-          </a:blip>
-          <a:stretch>
-            <a:fillRect/>
-          </a:stretch>
-        </p:blipFill>
-        <p:spPr>
-          <a:xfrm>
-            <a:off x="32958831" y="6503067"/>
-            <a:ext cx="10544175" cy="2981325"/>
-          </a:xfrm>
-          <a:prstGeom prst="rect">
-            <a:avLst/>
-          </a:prstGeom>
-        </p:spPr>
-      </p:pic>
-      <p:pic>
-        <p:nvPicPr>
-          <p:cNvPr id="45" name="Picture 44">
-            <a:extLst>
-              <a:ext uri="{FF2B5EF4-FFF2-40B4-BE49-F238E27FC236}">
-                <a16:creationId xmlns:a16="http://schemas.microsoft.com/office/drawing/2014/main" id="{D613E970-06E9-4139-AD28-CB1762579045}"/>
-              </a:ext>
-            </a:extLst>
-          </p:cNvPr>
-          <p:cNvPicPr>
-            <a:picLocks noChangeAspect="1"/>
-          </p:cNvPicPr>
-          <p:nvPr/>
-        </p:nvPicPr>
-        <p:blipFill>
-          <a:blip r:embed="rId15">
-            <a:extLst>
-              <a:ext uri="{28A0092B-C50C-407E-A947-70E740481C1C}">
-                <a14:useLocalDpi xmlns:a14="http://schemas.microsoft.com/office/drawing/2010/main" val="0"/>
-              </a:ext>
-            </a:extLst>
-          </a:blip>
-          <a:stretch>
-            <a:fillRect/>
-          </a:stretch>
-        </p:blipFill>
-        <p:spPr>
-          <a:xfrm>
-            <a:off x="37303593" y="11132019"/>
+            <a:off x="37069790" y="12968557"/>
             <a:ext cx="4943475" cy="3228975"/>
           </a:xfrm>
           <a:prstGeom prst="rect">
@@ -6450,8 +6573,8 @@
         </p:nvSpPr>
         <p:spPr>
           <a:xfrm>
-            <a:off x="36611263" y="17563899"/>
-            <a:ext cx="6891743" cy="3046988"/>
+            <a:off x="36584013" y="19361741"/>
+            <a:ext cx="7213178" cy="3046988"/>
           </a:xfrm>
           <a:prstGeom prst="rect">
             <a:avLst/>
@@ -6470,35 +6593,7 @@
                 <a:ea typeface="Helvetica" charset="0"/>
                 <a:cs typeface="Helvetica" charset="0"/>
               </a:rPr>
-              <a:t>Capturing the asymmetry: 2-frog vs. 4-frog.</a:t>
-            </a:r>
-          </a:p>
-          <a:p>
-            <a:pPr marL="457200" indent="-457200">
-              <a:buFontTx/>
-              <a:buChar char="-"/>
-            </a:pPr>
-            <a:r>
-              <a:rPr lang="en-US" sz="3200" dirty="0">
-                <a:latin typeface="Helvetica" charset="0"/>
-                <a:ea typeface="Helvetica" charset="0"/>
-                <a:cs typeface="Helvetica" charset="0"/>
-              </a:rPr>
-              <a:t>Same parameter settings should give rise to the asymmetry</a:t>
-            </a:r>
-          </a:p>
-          <a:p>
-            <a:pPr marL="457200" indent="-457200">
-              <a:buFontTx/>
-              <a:buChar char="-"/>
-            </a:pPr>
-            <a:r>
-              <a:rPr lang="en-US" sz="3200" dirty="0">
-                <a:latin typeface="Helvetica" charset="0"/>
-                <a:ea typeface="Helvetica" charset="0"/>
-                <a:cs typeface="Helvetica" charset="0"/>
-              </a:rPr>
-              <a:t>Need an </a:t>
+              <a:t>The </a:t>
             </a:r>
             <a:r>
               <a:rPr lang="en-US" sz="3200" b="1" dirty="0">
@@ -6506,15 +6601,88 @@
                 <a:ea typeface="Helvetica" charset="0"/>
                 <a:cs typeface="Helvetica" charset="0"/>
               </a:rPr>
-              <a:t>exactly-two</a:t>
-            </a:r>
-            <a:r>
-              <a:rPr lang="en-US" sz="3200" dirty="0">
-                <a:latin typeface="Helvetica" charset="0"/>
-                <a:ea typeface="Helvetica" charset="0"/>
-                <a:cs typeface="Helvetica" charset="0"/>
-              </a:rPr>
-              <a:t> semantics and a </a:t>
+              <a:t>same</a:t>
+            </a:r>
+            <a:r>
+              <a:rPr lang="en-US" sz="3200" dirty="0">
+                <a:latin typeface="Helvetica" charset="0"/>
+                <a:ea typeface="Helvetica" charset="0"/>
+                <a:cs typeface="Helvetica" charset="0"/>
+              </a:rPr>
+              <a:t> </a:t>
+            </a:r>
+            <a:r>
+              <a:rPr lang="en-US" sz="3200" dirty="0">
+                <a:solidFill>
+                  <a:srgbClr val="BA4DFF"/>
+                </a:solidFill>
+                <a:latin typeface="Helvetica" charset="0"/>
+                <a:ea typeface="Helvetica" charset="0"/>
+                <a:cs typeface="Helvetica" charset="0"/>
+              </a:rPr>
+              <a:t>pragmatic</a:t>
+            </a:r>
+            <a:r>
+              <a:rPr lang="en-US" sz="3200" dirty="0">
+                <a:latin typeface="Helvetica" charset="0"/>
+                <a:ea typeface="Helvetica" charset="0"/>
+                <a:cs typeface="Helvetica" charset="0"/>
+              </a:rPr>
+              <a:t> parameter settings (</a:t>
+            </a:r>
+            <a:r>
+              <a:rPr lang="en-US" sz="3200" i="1" dirty="0">
+                <a:latin typeface="Helvetica" charset="0"/>
+                <a:ea typeface="Helvetica" charset="0"/>
+                <a:cs typeface="Helvetica" charset="0"/>
+              </a:rPr>
+              <a:t>b </a:t>
+            </a:r>
+            <a:r>
+              <a:rPr lang="en-US" sz="3200" dirty="0">
+                <a:latin typeface="Helvetica" charset="0"/>
+                <a:ea typeface="Helvetica" charset="0"/>
+                <a:cs typeface="Helvetica" charset="0"/>
+              </a:rPr>
+              <a:t>= 0.1, uniform QUD prior) that yield low 1-of-2 endorsement yield high 2-of-4 endorsement </a:t>
+            </a:r>
+            <a:r>
+              <a:rPr lang="en-US" sz="3200" dirty="0">
+                <a:solidFill>
+                  <a:srgbClr val="00AEE5"/>
+                </a:solidFill>
+                <a:latin typeface="Helvetica" charset="0"/>
+                <a:ea typeface="Helvetica" charset="0"/>
+                <a:cs typeface="Helvetica" charset="0"/>
+              </a:rPr>
+              <a:t>if inverse scope is unlikely </a:t>
+            </a:r>
+            <a:r>
+              <a:rPr lang="en-US" sz="3200" dirty="0">
+                <a:latin typeface="Helvetica" charset="0"/>
+                <a:ea typeface="Helvetica" charset="0"/>
+                <a:cs typeface="Helvetica" charset="0"/>
+              </a:rPr>
+              <a:t>(p(</a:t>
+            </a:r>
+            <a:r>
+              <a:rPr lang="en-US" sz="3200" dirty="0" err="1">
+                <a:solidFill>
+                  <a:srgbClr val="EF00A9"/>
+                </a:solidFill>
+                <a:latin typeface="Helvetica" charset="0"/>
+                <a:ea typeface="Helvetica" charset="0"/>
+                <a:cs typeface="Helvetica" charset="0"/>
+              </a:rPr>
+              <a:t>inv</a:t>
+            </a:r>
+            <a:r>
+              <a:rPr lang="en-US" sz="3200" dirty="0">
+                <a:latin typeface="Helvetica" charset="0"/>
+                <a:ea typeface="Helvetica" charset="0"/>
+                <a:cs typeface="Helvetica" charset="0"/>
+              </a:rPr>
+              <a:t>) = 0.1) and the semantics of the numeral is </a:t>
             </a:r>
             <a:r>
               <a:rPr lang="en-US" sz="3200" b="1" dirty="0">
@@ -6522,79 +6690,20 @@
                 <a:ea typeface="Helvetica" charset="0"/>
                 <a:cs typeface="Helvetica" charset="0"/>
               </a:rPr>
-              <a:t>P(</a:t>
-            </a:r>
-            <a:r>
-              <a:rPr lang="en-US" sz="3200" b="1" dirty="0" err="1">
-                <a:latin typeface="Helvetica" charset="0"/>
-                <a:ea typeface="Helvetica" charset="0"/>
-                <a:cs typeface="Helvetica" charset="0"/>
-              </a:rPr>
-              <a:t>inv</a:t>
-            </a:r>
-            <a:r>
-              <a:rPr lang="en-US" sz="3200" b="1" dirty="0">
-                <a:latin typeface="Helvetica" charset="0"/>
-                <a:ea typeface="Helvetica" charset="0"/>
-                <a:cs typeface="Helvetica" charset="0"/>
-              </a:rPr>
-              <a:t>) = 0.1</a:t>
-            </a:r>
-          </a:p>
-        </p:txBody>
-      </p:sp>
-      <p:sp>
-        <p:nvSpPr>
-          <p:cNvPr id="129" name="Rectangle 128">
-            <a:extLst>
-              <a:ext uri="{FF2B5EF4-FFF2-40B4-BE49-F238E27FC236}">
-                <a16:creationId xmlns:a16="http://schemas.microsoft.com/office/drawing/2014/main" id="{A67F620A-CB9E-46E8-A5D8-D7C512EA7BCD}"/>
-              </a:ext>
-            </a:extLst>
-          </p:cNvPr>
-          <p:cNvSpPr/>
-          <p:nvPr/>
-        </p:nvSpPr>
-        <p:spPr>
-          <a:xfrm>
-            <a:off x="175668" y="22806521"/>
-            <a:ext cx="14618019" cy="1077218"/>
-          </a:xfrm>
-          <a:prstGeom prst="rect">
-            <a:avLst/>
-          </a:prstGeom>
-        </p:spPr>
-        <p:txBody>
-          <a:bodyPr wrap="square">
-            <a:spAutoFit/>
-          </a:bodyPr>
-          <a:lstStyle/>
-          <a:p>
-            <a:r>
-              <a:rPr lang="en-US" sz="3200" dirty="0">
-                <a:latin typeface="Helvetica" panose="020B0604020202020204" pitchFamily="34" charset="0"/>
-                <a:cs typeface="Helvetica" panose="020B0604020202020204" pitchFamily="34" charset="0"/>
-              </a:rPr>
-              <a:t>Musolino and Lidz (2003) were interested in </a:t>
-            </a:r>
-            <a:r>
-              <a:rPr lang="en-US" sz="3200" b="1" dirty="0">
-                <a:latin typeface="Helvetica" panose="020B0604020202020204" pitchFamily="34" charset="0"/>
-                <a:cs typeface="Helvetica" panose="020B0604020202020204" pitchFamily="34" charset="0"/>
-              </a:rPr>
-              <a:t>developmental continuity</a:t>
-            </a:r>
-            <a:r>
-              <a:rPr lang="en-US" sz="3200" dirty="0">
-                <a:latin typeface="Helvetica" panose="020B0604020202020204" pitchFamily="34" charset="0"/>
-                <a:cs typeface="Helvetica" panose="020B0604020202020204" pitchFamily="34" charset="0"/>
-              </a:rPr>
-              <a:t>: are child and adult ambiguity resolution behavior in context qualitatively similar?</a:t>
-            </a:r>
-            <a:endParaRPr lang="en-US" sz="3200" dirty="0">
-              <a:latin typeface="Helvetica" panose="020B0604020202020204" pitchFamily="34" charset="0"/>
+              <a:t>exact</a:t>
+            </a:r>
+            <a:r>
+              <a:rPr lang="en-US" sz="3200" dirty="0">
+                <a:latin typeface="Helvetica" charset="0"/>
+                <a:ea typeface="Helvetica" charset="0"/>
+                <a:cs typeface="Helvetica" charset="0"/>
+              </a:rPr>
+              <a:t>.</a:t>
+            </a:r>
+            <a:endParaRPr lang="en-US" sz="3200" b="1" dirty="0">
+              <a:latin typeface="Helvetica" charset="0"/>
               <a:ea typeface="Helvetica" charset="0"/>
-              <a:cs typeface="Helvetica" panose="020B0604020202020204" pitchFamily="34" charset="0"/>
+              <a:cs typeface="Helvetica" charset="0"/>
             </a:endParaRPr>
           </a:p>
         </p:txBody>
@@ -6613,7 +6722,7 @@
         </p:nvSpPr>
         <p:spPr>
           <a:xfrm>
-            <a:off x="14793264" y="29760753"/>
+            <a:off x="14744591" y="27762436"/>
             <a:ext cx="9661931" cy="785171"/>
           </a:xfrm>
           <a:prstGeom prst="rect">
@@ -6667,7 +6776,7 @@
         </p:nvSpPr>
         <p:spPr>
           <a:xfrm>
-            <a:off x="14791169" y="30545923"/>
+            <a:off x="14742496" y="28547606"/>
             <a:ext cx="9646585" cy="779411"/>
           </a:xfrm>
           <a:prstGeom prst="rect">
@@ -6721,7 +6830,7 @@
         </p:nvSpPr>
         <p:spPr>
           <a:xfrm>
-            <a:off x="14793264" y="31323594"/>
+            <a:off x="14744591" y="29325277"/>
             <a:ext cx="9627049" cy="1414059"/>
           </a:xfrm>
           <a:prstGeom prst="rect">
@@ -6763,147 +6872,14 @@
       </p:sp>
       <p:sp>
         <p:nvSpPr>
-          <p:cNvPr id="137" name="Rectangle 136">
-            <a:extLst>
-              <a:ext uri="{FF2B5EF4-FFF2-40B4-BE49-F238E27FC236}">
-                <a16:creationId xmlns:a16="http://schemas.microsoft.com/office/drawing/2014/main" id="{E80A89A1-A57C-4379-AC79-DB90D0947BAD}"/>
-              </a:ext>
-            </a:extLst>
-          </p:cNvPr>
-          <p:cNvSpPr/>
-          <p:nvPr/>
-        </p:nvSpPr>
-        <p:spPr>
-          <a:xfrm>
-            <a:off x="29336340" y="25756246"/>
-            <a:ext cx="14533464" cy="2062103"/>
-          </a:xfrm>
-          <a:prstGeom prst="rect">
-            <a:avLst/>
-          </a:prstGeom>
-        </p:spPr>
-        <p:txBody>
-          <a:bodyPr wrap="square">
-            <a:spAutoFit/>
-          </a:bodyPr>
-          <a:lstStyle/>
-          <a:p>
-            <a:r>
-              <a:rPr lang="en-US" sz="3200" dirty="0">
-                <a:latin typeface="Helvetica" panose="020B0604020202020204" pitchFamily="34" charset="0"/>
-                <a:cs typeface="Helvetica" panose="020B0604020202020204" pitchFamily="34" charset="0"/>
-              </a:rPr>
-              <a:t>The model also seamlessly captures Musolino and </a:t>
-            </a:r>
-            <a:r>
-              <a:rPr lang="en-US" sz="3200" dirty="0" err="1">
-                <a:latin typeface="Helvetica" panose="020B0604020202020204" pitchFamily="34" charset="0"/>
-                <a:cs typeface="Helvetica" panose="020B0604020202020204" pitchFamily="34" charset="0"/>
-              </a:rPr>
-              <a:t>Lidz’s</a:t>
-            </a:r>
-            <a:r>
-              <a:rPr lang="en-US" sz="3200" dirty="0">
-                <a:latin typeface="Helvetica" panose="020B0604020202020204" pitchFamily="34" charset="0"/>
-                <a:cs typeface="Helvetica" panose="020B0604020202020204" pitchFamily="34" charset="0"/>
-              </a:rPr>
-              <a:t> (2003) results from the 2-of-4 context: with the very same parameter values that yield low endorsement rates for 1-of-2 contexts</a:t>
-            </a:r>
-          </a:p>
-          <a:p>
-            <a:pPr marL="457200" indent="-457200">
-              <a:buFontTx/>
-              <a:buChar char="-"/>
-            </a:pPr>
-            <a:r>
-              <a:rPr lang="en-US" sz="3200" dirty="0">
-                <a:latin typeface="Helvetica" panose="020B0604020202020204" pitchFamily="34" charset="0"/>
-                <a:cs typeface="Helvetica" panose="020B0604020202020204" pitchFamily="34" charset="0"/>
-              </a:rPr>
-              <a:t>Can only do this with an </a:t>
-            </a:r>
-            <a:r>
-              <a:rPr lang="en-US" sz="3200" b="1" dirty="0">
-                <a:latin typeface="Helvetica" panose="020B0604020202020204" pitchFamily="34" charset="0"/>
-                <a:cs typeface="Helvetica" panose="020B0604020202020204" pitchFamily="34" charset="0"/>
-              </a:rPr>
-              <a:t>exactly-two</a:t>
-            </a:r>
-            <a:r>
-              <a:rPr lang="en-US" sz="3200" dirty="0">
-                <a:latin typeface="Helvetica" panose="020B0604020202020204" pitchFamily="34" charset="0"/>
-                <a:cs typeface="Helvetica" panose="020B0604020202020204" pitchFamily="34" charset="0"/>
-              </a:rPr>
-              <a:t> semantics</a:t>
-            </a:r>
-          </a:p>
-        </p:txBody>
-      </p:sp>
-      <p:sp>
-        <p:nvSpPr>
-          <p:cNvPr id="138" name="Rectangle 137">
-            <a:extLst>
-              <a:ext uri="{FF2B5EF4-FFF2-40B4-BE49-F238E27FC236}">
-                <a16:creationId xmlns:a16="http://schemas.microsoft.com/office/drawing/2014/main" id="{90FEB113-8687-4CB0-B8A2-2A217A19E1E7}"/>
-              </a:ext>
-            </a:extLst>
-          </p:cNvPr>
-          <p:cNvSpPr/>
-          <p:nvPr/>
-        </p:nvSpPr>
-        <p:spPr>
-          <a:xfrm>
-            <a:off x="29341187" y="27826014"/>
-            <a:ext cx="14533464" cy="1569660"/>
-          </a:xfrm>
-          <a:prstGeom prst="rect">
-            <a:avLst/>
-          </a:prstGeom>
-        </p:spPr>
-        <p:txBody>
-          <a:bodyPr wrap="square">
-            <a:spAutoFit/>
-          </a:bodyPr>
-          <a:lstStyle/>
-          <a:p>
-            <a:r>
-              <a:rPr lang="en-US" sz="3200" dirty="0">
-                <a:latin typeface="Helvetica" panose="020B0604020202020204" pitchFamily="34" charset="0"/>
-                <a:cs typeface="Helvetica" panose="020B0604020202020204" pitchFamily="34" charset="0"/>
-              </a:rPr>
-              <a:t>The model underscores the complexity of the disambiguation</a:t>
-            </a:r>
-          </a:p>
-          <a:p>
-            <a:r>
-              <a:rPr lang="en-US" sz="3200" dirty="0">
-                <a:latin typeface="Helvetica" panose="020B0604020202020204" pitchFamily="34" charset="0"/>
-                <a:cs typeface="Helvetica" panose="020B0604020202020204" pitchFamily="34" charset="0"/>
-              </a:rPr>
-              <a:t>-	Confluence of factors contributes to how these ambiguities are resolved</a:t>
-            </a:r>
-          </a:p>
-          <a:p>
-            <a:r>
-              <a:rPr lang="en-US" sz="3200" dirty="0">
-                <a:latin typeface="Helvetica" panose="020B0604020202020204" pitchFamily="34" charset="0"/>
-                <a:cs typeface="Helvetica" panose="020B0604020202020204" pitchFamily="34" charset="0"/>
-              </a:rPr>
-              <a:t>-	Pragmatics seems to matter more, but scope is still matters</a:t>
-            </a:r>
-          </a:p>
-        </p:txBody>
-      </p:sp>
-      <p:sp>
-        <p:nvSpPr>
           <p:cNvPr id="33" name="TextBox 32"/>
           <p:cNvSpPr txBox="1"/>
           <p:nvPr/>
         </p:nvSpPr>
         <p:spPr>
           <a:xfrm>
-            <a:off x="29470049" y="9516602"/>
-            <a:ext cx="14263707" cy="1077218"/>
+            <a:off x="29379592" y="11367289"/>
+            <a:ext cx="14646060" cy="738664"/>
           </a:xfrm>
           <a:prstGeom prst="rect">
             <a:avLst/>
@@ -6917,37 +6893,46 @@
           <a:lstStyle/>
           <a:p>
             <a:r>
-              <a:rPr lang="en-US" sz="3200" dirty="0">
-                <a:latin typeface="Helvetica" charset="0"/>
-                <a:ea typeface="Helvetica" charset="0"/>
-                <a:cs typeface="Helvetica" charset="0"/>
-              </a:rPr>
-              <a:t>Adult behavior is best captured when the </a:t>
-            </a:r>
-            <a:r>
-              <a:rPr lang="en-US" sz="3200" dirty="0" err="1">
-                <a:latin typeface="Helvetica" charset="0"/>
-                <a:ea typeface="Helvetica" charset="0"/>
-                <a:cs typeface="Helvetica" charset="0"/>
-              </a:rPr>
-              <a:t>baserate</a:t>
-            </a:r>
-            <a:r>
-              <a:rPr lang="en-US" sz="3200" dirty="0">
-                <a:latin typeface="Helvetica" charset="0"/>
-                <a:ea typeface="Helvetica" charset="0"/>
-                <a:cs typeface="Helvetica" charset="0"/>
-              </a:rPr>
-              <a:t> is low (0.1) an the QUD isn’t </a:t>
-            </a:r>
-            <a:r>
-              <a:rPr lang="en-US" sz="3200" dirty="0">
-                <a:latin typeface="Courier"/>
-                <a:ea typeface="Helvetica" charset="0"/>
-                <a:cs typeface="Helvetica" charset="0"/>
-              </a:rPr>
-              <a:t>all? </a:t>
-            </a:r>
+              <a:rPr lang="en-US" sz="4200" b="1" dirty="0">
+                <a:solidFill>
+                  <a:srgbClr val="002060"/>
+                </a:solidFill>
+                <a:latin typeface="Helvetica" charset="0"/>
+                <a:ea typeface="Helvetica" charset="0"/>
+                <a:cs typeface="Helvetica" charset="0"/>
+              </a:rPr>
+              <a:t>Which combination of </a:t>
+            </a:r>
+            <a:r>
+              <a:rPr lang="en-US" sz="4200" b="1">
+                <a:solidFill>
+                  <a:srgbClr val="002060"/>
+                </a:solidFill>
+                <a:latin typeface="Helvetica" charset="0"/>
+                <a:ea typeface="Helvetica" charset="0"/>
+                <a:cs typeface="Helvetica" charset="0"/>
+              </a:rPr>
+              <a:t>settings captures </a:t>
+            </a:r>
+            <a:r>
+              <a:rPr lang="en-US" sz="4200" b="1" dirty="0">
+                <a:solidFill>
+                  <a:srgbClr val="002060"/>
+                </a:solidFill>
+                <a:latin typeface="Helvetica" charset="0"/>
+                <a:ea typeface="Helvetica" charset="0"/>
+                <a:cs typeface="Helvetica" charset="0"/>
+              </a:rPr>
+              <a:t>adult behavior?</a:t>
+            </a:r>
+            <a:endParaRPr lang="en-US" sz="4200" b="1" dirty="0">
+              <a:solidFill>
+                <a:srgbClr val="002060"/>
+              </a:solidFill>
+              <a:latin typeface="Courier"/>
+              <a:ea typeface="Helvetica" charset="0"/>
+              <a:cs typeface="Helvetica" charset="0"/>
+            </a:endParaRPr>
           </a:p>
         </p:txBody>
       </p:sp>
@@ -6965,8 +6950,8 @@
         </p:nvSpPr>
         <p:spPr>
           <a:xfrm>
-            <a:off x="776637" y="13094307"/>
-            <a:ext cx="6645481" cy="738664"/>
+            <a:off x="6974414" y="11313909"/>
+            <a:ext cx="6645481" cy="661720"/>
           </a:xfrm>
           <a:prstGeom prst="rect">
             <a:avLst/>
@@ -6980,16 +6965,14 @@
           <a:lstStyle/>
           <a:p>
             <a:r>
-              <a:rPr lang="en-US" sz="3200" dirty="0">
-                <a:latin typeface="Helvetica" charset="0"/>
-                <a:ea typeface="Helvetica" charset="0"/>
-                <a:cs typeface="Helvetica" charset="0"/>
-              </a:rPr>
-              <a:t>Adults:               Children:</a:t>
-            </a:r>
-          </a:p>
-          <a:p>
-            <a:endParaRPr lang="en-US" sz="500" dirty="0">
+              <a:rPr lang="en-US" sz="3200" b="1" dirty="0">
+                <a:latin typeface="Helvetica" charset="0"/>
+                <a:ea typeface="Helvetica" charset="0"/>
+                <a:cs typeface="Helvetica" charset="0"/>
+              </a:rPr>
+              <a:t>Children</a:t>
+            </a:r>
+            <a:endParaRPr lang="en-US" sz="500" b="1" dirty="0">
               <a:latin typeface="Helvetica" charset="0"/>
               <a:ea typeface="Helvetica" charset="0"/>
               <a:cs typeface="Helvetica" charset="0"/>
@@ -7019,45 +7002,15 @@
           <p:nvPr/>
         </p:nvPicPr>
         <p:blipFill>
-          <a:blip r:embed="rId16"/>
+          <a:blip r:embed="rId13"/>
           <a:stretch>
             <a:fillRect/>
           </a:stretch>
         </p:blipFill>
         <p:spPr>
           <a:xfrm>
-            <a:off x="9771648" y="10651756"/>
-            <a:ext cx="2857831" cy="2531847"/>
-          </a:xfrm>
-          <a:prstGeom prst="rect">
-            <a:avLst/>
-          </a:prstGeom>
-        </p:spPr>
-      </p:pic>
-      <p:pic>
-        <p:nvPicPr>
-          <p:cNvPr id="79" name="Picture 78">
-            <a:extLst>
-              <a:ext uri="{FF2B5EF4-FFF2-40B4-BE49-F238E27FC236}">
-                <a16:creationId xmlns:a16="http://schemas.microsoft.com/office/drawing/2014/main" id="{001200D8-4041-4116-BC8F-9E6C3F652DF7}"/>
-              </a:ext>
-            </a:extLst>
-          </p:cNvPr>
-          <p:cNvPicPr>
-            <a:picLocks noChangeAspect="1"/>
-          </p:cNvPicPr>
-          <p:nvPr/>
-        </p:nvPicPr>
-        <p:blipFill>
-          <a:blip r:embed="rId17"/>
-          <a:stretch>
-            <a:fillRect/>
-          </a:stretch>
-        </p:blipFill>
-        <p:spPr>
-          <a:xfrm>
-            <a:off x="8968096" y="11758656"/>
-            <a:ext cx="796358" cy="758273"/>
+            <a:off x="1928204" y="9286252"/>
+            <a:ext cx="2326828" cy="1490813"/>
           </a:xfrm>
           <a:prstGeom prst="rect">
             <a:avLst/>
@@ -7079,14 +7032,14 @@
           <p:nvPr/>
         </p:nvPicPr>
         <p:blipFill>
-          <a:blip r:embed="rId17"/>
+          <a:blip r:embed="rId14"/>
           <a:stretch>
             <a:fillRect/>
           </a:stretch>
         </p:blipFill>
         <p:spPr>
           <a:xfrm>
-            <a:off x="8366868" y="11126160"/>
+            <a:off x="982821" y="10028616"/>
             <a:ext cx="729855" cy="694950"/>
           </a:xfrm>
           <a:prstGeom prst="rect">
@@ -7109,15 +7062,15 @@
           <p:nvPr/>
         </p:nvPicPr>
         <p:blipFill>
-          <a:blip r:embed="rId18"/>
+          <a:blip r:embed="rId15"/>
           <a:stretch>
             <a:fillRect/>
           </a:stretch>
         </p:blipFill>
         <p:spPr>
           <a:xfrm>
-            <a:off x="9314249" y="10474250"/>
-            <a:ext cx="581805" cy="584403"/>
+            <a:off x="325696" y="9696296"/>
+            <a:ext cx="532936" cy="535316"/>
           </a:xfrm>
           <a:prstGeom prst="rect">
             <a:avLst/>
@@ -7139,14 +7092,14 @@
           <p:nvPr/>
         </p:nvPicPr>
         <p:blipFill>
-          <a:blip r:embed="rId19"/>
+          <a:blip r:embed="rId16"/>
           <a:stretch>
             <a:fillRect/>
           </a:stretch>
         </p:blipFill>
         <p:spPr>
           <a:xfrm>
-            <a:off x="13100274" y="10539239"/>
+            <a:off x="5593495" y="10162771"/>
             <a:ext cx="519414" cy="519414"/>
           </a:xfrm>
           <a:prstGeom prst="rect">
@@ -7169,14 +7122,14 @@
           <p:nvPr/>
         </p:nvPicPr>
         <p:blipFill>
-          <a:blip r:embed="rId17"/>
+          <a:blip r:embed="rId14"/>
           <a:stretch>
             <a:fillRect/>
           </a:stretch>
         </p:blipFill>
         <p:spPr>
           <a:xfrm>
-            <a:off x="12761862" y="12080031"/>
+            <a:off x="5298217" y="10965495"/>
             <a:ext cx="1150078" cy="1095075"/>
           </a:xfrm>
           <a:prstGeom prst="rect">
@@ -7198,8 +7151,8 @@
         </p:nvSpPr>
         <p:spPr>
           <a:xfrm>
-            <a:off x="8008467" y="13149222"/>
-            <a:ext cx="6383611" cy="1231106"/>
+            <a:off x="564802" y="10986484"/>
+            <a:ext cx="3977365" cy="1723549"/>
           </a:xfrm>
           <a:prstGeom prst="rect">
             <a:avLst/>
@@ -7213,12 +7166,12 @@
           <a:lstStyle/>
           <a:p>
             <a:r>
-              <a:rPr lang="en-US" sz="3200" dirty="0">
-                <a:latin typeface="Helvetica" charset="0"/>
-                <a:ea typeface="Helvetica" charset="0"/>
-                <a:cs typeface="Helvetica" charset="0"/>
-              </a:rPr>
-              <a:t>Fig 1. </a:t>
+              <a:rPr lang="en-US" sz="3200" b="1" dirty="0">
+                <a:latin typeface="Helvetica" charset="0"/>
+                <a:ea typeface="Helvetica" charset="0"/>
+                <a:cs typeface="Helvetica" charset="0"/>
+              </a:rPr>
+              <a:t>2-of-3</a:t>
             </a:r>
             <a:r>
               <a:rPr lang="en-US" sz="3200" dirty="0">
@@ -7226,7 +7179,7 @@
                 <a:ea typeface="Courier" charset="0"/>
                 <a:cs typeface="Courier" charset="0"/>
               </a:rPr>
-              <a:t>every-not</a:t>
+              <a:t> </a:t>
             </a:r>
             <a:r>
               <a:rPr lang="en-US" sz="3200" dirty="0">
@@ -7234,27 +7187,10 @@
                 <a:ea typeface="Courier" charset="0"/>
                 <a:cs typeface="Helvetica" panose="020B0604020202020204" pitchFamily="34" charset="0"/>
               </a:rPr>
-              <a:t>: </a:t>
-            </a:r>
-            <a:r>
-              <a:rPr lang="en-US" sz="3200" dirty="0">
-                <a:solidFill>
-                  <a:srgbClr val="00B150"/>
-                </a:solidFill>
-                <a:latin typeface="Helvetica" panose="020B0604020202020204" pitchFamily="34" charset="0"/>
-                <a:ea typeface="Courier" charset="0"/>
-                <a:cs typeface="Helvetica" panose="020B0604020202020204" pitchFamily="34" charset="0"/>
-              </a:rPr>
-              <a:t>surface</a:t>
-            </a:r>
-            <a:r>
-              <a:rPr lang="en-US" sz="3200" dirty="0">
-                <a:latin typeface="Helvetica" panose="020B0604020202020204" pitchFamily="34" charset="0"/>
-                <a:ea typeface="Courier" charset="0"/>
-                <a:cs typeface="Helvetica" panose="020B0604020202020204" pitchFamily="34" charset="0"/>
-              </a:rPr>
-              <a:t> is </a:t>
-            </a:r>
+              <a:t>context: </a:t>
+            </a:r>
+          </a:p>
+          <a:p>
             <a:r>
               <a:rPr lang="en-US" sz="3200" dirty="0">
                 <a:solidFill>
@@ -7264,7 +7200,7 @@
                 <a:ea typeface="Courier" charset="0"/>
                 <a:cs typeface="Helvetica" panose="020B0604020202020204" pitchFamily="34" charset="0"/>
               </a:rPr>
-              <a:t>true</a:t>
+              <a:t>surface</a:t>
             </a:r>
             <a:r>
               <a:rPr lang="en-US" sz="3200" dirty="0">
@@ -7272,27 +7208,10 @@
                 <a:ea typeface="Courier" charset="0"/>
                 <a:cs typeface="Helvetica" panose="020B0604020202020204" pitchFamily="34" charset="0"/>
               </a:rPr>
-              <a:t> and </a:t>
-            </a:r>
-            <a:r>
-              <a:rPr lang="en-US" sz="3200" dirty="0">
-                <a:solidFill>
-                  <a:srgbClr val="FF0000"/>
-                </a:solidFill>
-                <a:latin typeface="Helvetica" panose="020B0604020202020204" pitchFamily="34" charset="0"/>
-                <a:ea typeface="Courier" charset="0"/>
-                <a:cs typeface="Helvetica" panose="020B0604020202020204" pitchFamily="34" charset="0"/>
-              </a:rPr>
-              <a:t>inverse</a:t>
-            </a:r>
-            <a:r>
-              <a:rPr lang="en-US" sz="3200" dirty="0">
-                <a:latin typeface="Helvetica" panose="020B0604020202020204" pitchFamily="34" charset="0"/>
-                <a:ea typeface="Courier" charset="0"/>
-                <a:cs typeface="Helvetica" panose="020B0604020202020204" pitchFamily="34" charset="0"/>
-              </a:rPr>
-              <a:t> is </a:t>
-            </a:r>
+              <a:t> is false and </a:t>
+            </a:r>
+          </a:p>
+          <a:p>
             <a:r>
               <a:rPr lang="en-US" sz="3200" dirty="0">
                 <a:solidFill>
@@ -7302,7 +7221,15 @@
                 <a:ea typeface="Courier" charset="0"/>
                 <a:cs typeface="Helvetica" panose="020B0604020202020204" pitchFamily="34" charset="0"/>
               </a:rPr>
-              <a:t>false</a:t>
+              <a:t>inverse</a:t>
+            </a:r>
+            <a:r>
+              <a:rPr lang="en-US" sz="3200" dirty="0">
+                <a:latin typeface="Helvetica" panose="020B0604020202020204" pitchFamily="34" charset="0"/>
+                <a:ea typeface="Courier" charset="0"/>
+                <a:cs typeface="Helvetica" panose="020B0604020202020204" pitchFamily="34" charset="0"/>
+              </a:rPr>
+              <a:t> is true</a:t>
             </a:r>
             <a:r>
               <a:rPr lang="en-US" sz="3200" dirty="0">
@@ -7344,7 +7271,7 @@
           <p:nvPr/>
         </p:nvPicPr>
         <p:blipFill>
-          <a:blip r:embed="rId20">
+          <a:blip r:embed="rId17">
             <a:extLst>
               <a:ext uri="{28A0092B-C50C-407E-A947-70E740481C1C}">
                 <a14:useLocalDpi xmlns:a14="http://schemas.microsoft.com/office/drawing/2010/main" val="0"/>
@@ -7357,7 +7284,7 @@
         </p:blipFill>
         <p:spPr>
           <a:xfrm>
-            <a:off x="2396043" y="12830197"/>
+            <a:off x="8852045" y="9823156"/>
             <a:ext cx="1028357" cy="1028357"/>
           </a:xfrm>
           <a:prstGeom prst="rect">
@@ -7380,7 +7307,7 @@
           <p:nvPr/>
         </p:nvPicPr>
         <p:blipFill>
-          <a:blip r:embed="rId21">
+          <a:blip r:embed="rId18">
             <a:extLst>
               <a:ext uri="{28A0092B-C50C-407E-A947-70E740481C1C}">
                 <a14:useLocalDpi xmlns:a14="http://schemas.microsoft.com/office/drawing/2010/main" val="0"/>
@@ -7393,7 +7320,7 @@
         </p:blipFill>
         <p:spPr>
           <a:xfrm>
-            <a:off x="5746104" y="12807830"/>
+            <a:off x="8843723" y="11171393"/>
             <a:ext cx="1050724" cy="1050724"/>
           </a:xfrm>
           <a:prstGeom prst="rect">
@@ -7415,7 +7342,7 @@
         </p:nvSpPr>
         <p:spPr>
           <a:xfrm>
-            <a:off x="270017" y="20437647"/>
+            <a:off x="244885" y="20045115"/>
             <a:ext cx="14380893" cy="1569660"/>
           </a:xfrm>
           <a:prstGeom prst="rect">
@@ -7429,20 +7356,12 @@
           <a:lstStyle/>
           <a:p>
             <a:r>
-              <a:rPr lang="en-US" sz="3200" dirty="0">
-                <a:latin typeface="Helvetica" panose="020B0604020202020204" pitchFamily="34" charset="0"/>
-                <a:ea typeface="Helvetica" charset="0"/>
-                <a:cs typeface="Helvetica" panose="020B0604020202020204" pitchFamily="34" charset="0"/>
-              </a:rPr>
-              <a:t>Found that the pragmatic factors dealing with </a:t>
-            </a:r>
-            <a:r>
               <a:rPr lang="en-US" sz="3200" b="1" dirty="0">
                 <a:latin typeface="Helvetica" panose="020B0604020202020204" pitchFamily="34" charset="0"/>
                 <a:ea typeface="Helvetica" charset="0"/>
                 <a:cs typeface="Helvetica" panose="020B0604020202020204" pitchFamily="34" charset="0"/>
               </a:rPr>
-              <a:t>world knowledge </a:t>
+              <a:t>Upshot</a:t>
             </a:r>
             <a:r>
               <a:rPr lang="en-US" sz="3200" dirty="0">
@@ -7450,7 +7369,18 @@
                 <a:ea typeface="Helvetica" charset="0"/>
                 <a:cs typeface="Helvetica" panose="020B0604020202020204" pitchFamily="34" charset="0"/>
               </a:rPr>
-              <a:t>and beliefs about </a:t>
+              <a:t>: Pragmatic factors of </a:t>
+            </a:r>
+            <a:r>
+              <a:rPr lang="en-US" sz="3200" b="1" dirty="0">
+                <a:solidFill>
+                  <a:srgbClr val="BA4DFF"/>
+                </a:solidFill>
+                <a:latin typeface="Helvetica" panose="020B0604020202020204" pitchFamily="34" charset="0"/>
+                <a:ea typeface="Helvetica" charset="0"/>
+                <a:cs typeface="Helvetica" panose="020B0604020202020204" pitchFamily="34" charset="0"/>
+              </a:rPr>
+              <a:t>world knowledge</a:t>
             </a:r>
             <a:r>
               <a:rPr lang="en-US" sz="3200" b="1" dirty="0">
@@ -7458,7 +7388,7 @@
                 <a:ea typeface="Helvetica" charset="0"/>
                 <a:cs typeface="Helvetica" panose="020B0604020202020204" pitchFamily="34" charset="0"/>
               </a:rPr>
-              <a:t>the question under discussion (QUD) </a:t>
+              <a:t> </a:t>
             </a:r>
             <a:r>
               <a:rPr lang="en-US" sz="3200" dirty="0">
@@ -7466,7 +7396,53 @@
                 <a:ea typeface="Helvetica" charset="0"/>
                 <a:cs typeface="Helvetica" panose="020B0604020202020204" pitchFamily="34" charset="0"/>
               </a:rPr>
-              <a:t>play a stronger role than a grammatical factor like scope when disambiguating </a:t>
+              <a:t>and beliefs about the</a:t>
+            </a:r>
+            <a:r>
+              <a:rPr lang="en-US" sz="3200" b="1" dirty="0">
+                <a:latin typeface="Helvetica" panose="020B0604020202020204" pitchFamily="34" charset="0"/>
+                <a:ea typeface="Helvetica" charset="0"/>
+                <a:cs typeface="Helvetica" panose="020B0604020202020204" pitchFamily="34" charset="0"/>
+              </a:rPr>
+              <a:t> </a:t>
+            </a:r>
+            <a:r>
+              <a:rPr lang="en-US" sz="3200" b="1" dirty="0">
+                <a:solidFill>
+                  <a:srgbClr val="BA4DFF"/>
+                </a:solidFill>
+                <a:latin typeface="Helvetica" panose="020B0604020202020204" pitchFamily="34" charset="0"/>
+                <a:ea typeface="Helvetica" charset="0"/>
+                <a:cs typeface="Helvetica" panose="020B0604020202020204" pitchFamily="34" charset="0"/>
+              </a:rPr>
+              <a:t>question under discussion (QUD) </a:t>
+            </a:r>
+            <a:r>
+              <a:rPr lang="en-US" sz="3200" dirty="0">
+                <a:latin typeface="Helvetica" panose="020B0604020202020204" pitchFamily="34" charset="0"/>
+                <a:ea typeface="Helvetica" charset="0"/>
+                <a:cs typeface="Helvetica" panose="020B0604020202020204" pitchFamily="34" charset="0"/>
+              </a:rPr>
+              <a:t>play a stronger role than the grammatical factor of </a:t>
+            </a:r>
+            <a:r>
+              <a:rPr lang="en-US" sz="3200" b="1" dirty="0">
+                <a:solidFill>
+                  <a:srgbClr val="00AEE5"/>
+                </a:solidFill>
+                <a:latin typeface="Helvetica" panose="020B0604020202020204" pitchFamily="34" charset="0"/>
+                <a:ea typeface="Helvetica" charset="0"/>
+                <a:cs typeface="Helvetica" panose="020B0604020202020204" pitchFamily="34" charset="0"/>
+              </a:rPr>
+              <a:t>scope</a:t>
+            </a:r>
+            <a:r>
+              <a:rPr lang="en-US" sz="3200" dirty="0">
+                <a:latin typeface="Helvetica" panose="020B0604020202020204" pitchFamily="34" charset="0"/>
+                <a:ea typeface="Helvetica" charset="0"/>
+                <a:cs typeface="Helvetica" panose="020B0604020202020204" pitchFamily="34" charset="0"/>
+              </a:rPr>
+              <a:t> access when disambiguating </a:t>
             </a:r>
             <a:r>
               <a:rPr lang="en-US" sz="3200" dirty="0">
@@ -7501,8 +7477,8 @@
         </p:nvSpPr>
         <p:spPr>
           <a:xfrm>
-            <a:off x="253837" y="11461656"/>
-            <a:ext cx="7987842" cy="1077218"/>
+            <a:off x="477395" y="8901678"/>
+            <a:ext cx="14521133" cy="584775"/>
           </a:xfrm>
           <a:prstGeom prst="rect">
             <a:avLst/>
@@ -7521,7 +7497,7 @@
                 <a:ea typeface="Helvetica" charset="0"/>
                 <a:cs typeface="Helvetica" charset="0"/>
               </a:rPr>
-              <a:t>A truth-value judgment task (TVJT) is used to measure listener </a:t>
+              <a:t>A truth-value judgment task (</a:t>
             </a:r>
             <a:r>
               <a:rPr lang="en-US" sz="3200" b="1" dirty="0">
@@ -7529,7 +7505,31 @@
                 <a:ea typeface="Helvetica" charset="0"/>
                 <a:cs typeface="Helvetica" charset="0"/>
               </a:rPr>
+              <a:t>TVJT</a:t>
+            </a:r>
+            <a:r>
+              <a:rPr lang="en-US" sz="3200" dirty="0">
+                <a:latin typeface="Helvetica" charset="0"/>
+                <a:ea typeface="Helvetica" charset="0"/>
+                <a:cs typeface="Helvetica" charset="0"/>
+              </a:rPr>
+              <a:t>) measures utterance </a:t>
+            </a:r>
+            <a:r>
+              <a:rPr lang="en-US" sz="3200" b="1" dirty="0">
+                <a:latin typeface="Helvetica" charset="0"/>
+                <a:ea typeface="Helvetica" charset="0"/>
+                <a:cs typeface="Helvetica" charset="0"/>
+              </a:rPr>
               <a:t>endorsement</a:t>
+            </a:r>
+            <a:r>
+              <a:rPr lang="en-US" sz="3200" dirty="0">
+                <a:latin typeface="Helvetica" charset="0"/>
+                <a:ea typeface="Helvetica" charset="0"/>
+                <a:cs typeface="Helvetica" charset="0"/>
+              </a:rPr>
+              <a:t>:</a:t>
             </a:r>
             <a:endParaRPr lang="en-US" sz="500" dirty="0">
               <a:latin typeface="Helvetica" charset="0"/>
@@ -7553,7 +7553,7 @@
         </p:nvSpPr>
         <p:spPr>
           <a:xfrm>
-            <a:off x="682755" y="22110083"/>
+            <a:off x="853269" y="21830460"/>
             <a:ext cx="12664156" cy="738664"/>
           </a:xfrm>
           <a:prstGeom prst="rect">
@@ -7579,11 +7579,330 @@
                 <a:ea typeface="Helvetica" charset="0"/>
                 <a:cs typeface="Helvetica" charset="0"/>
               </a:rPr>
-              <a:t>But adults sometimes behave like children</a:t>
-            </a:r>
-          </a:p>
-        </p:txBody>
-      </p:sp>
+              <a:t>But adults sometimes behave like children, too..</a:t>
+            </a:r>
+          </a:p>
+        </p:txBody>
+      </p:sp>
+      <p:grpSp>
+        <p:nvGrpSpPr>
+          <p:cNvPr id="38" name="Group 37"/>
+          <p:cNvGrpSpPr/>
+          <p:nvPr/>
+        </p:nvGrpSpPr>
+        <p:grpSpPr>
+          <a:xfrm>
+            <a:off x="456374" y="27449605"/>
+            <a:ext cx="5242997" cy="3696100"/>
+            <a:chOff x="1334899" y="26203248"/>
+            <a:chExt cx="5242997" cy="3696100"/>
+          </a:xfrm>
+        </p:grpSpPr>
+        <p:pic>
+          <p:nvPicPr>
+            <p:cNvPr id="120" name="Picture 119">
+              <a:extLst>
+                <a:ext uri="{FF2B5EF4-FFF2-40B4-BE49-F238E27FC236}">
+                  <a16:creationId xmlns:a16="http://schemas.microsoft.com/office/drawing/2014/main" id="{45909DFF-0F2B-47A8-84F7-223470E1741F}"/>
+                </a:ext>
+              </a:extLst>
+            </p:cNvPr>
+            <p:cNvPicPr>
+              <a:picLocks noChangeAspect="1"/>
+            </p:cNvPicPr>
+            <p:nvPr/>
+          </p:nvPicPr>
+          <p:blipFill>
+            <a:blip r:embed="rId3" cstate="print"/>
+            <a:stretch>
+              <a:fillRect/>
+            </a:stretch>
+          </p:blipFill>
+          <p:spPr>
+            <a:xfrm>
+              <a:off x="5513957" y="26876466"/>
+              <a:ext cx="1063939" cy="996654"/>
+            </a:xfrm>
+            <a:prstGeom prst="rect">
+              <a:avLst/>
+            </a:prstGeom>
+          </p:spPr>
+        </p:pic>
+        <p:pic>
+          <p:nvPicPr>
+            <p:cNvPr id="102" name="Picture 101">
+              <a:extLst>
+                <a:ext uri="{FF2B5EF4-FFF2-40B4-BE49-F238E27FC236}">
+                  <a16:creationId xmlns:a16="http://schemas.microsoft.com/office/drawing/2014/main" id="{9A9D56A7-0F69-4F6F-AF60-A13ABF896C75}"/>
+                </a:ext>
+              </a:extLst>
+            </p:cNvPr>
+            <p:cNvPicPr>
+              <a:picLocks noChangeAspect="1"/>
+            </p:cNvPicPr>
+            <p:nvPr/>
+          </p:nvPicPr>
+          <p:blipFill>
+            <a:blip r:embed="rId19" cstate="print"/>
+            <a:stretch>
+              <a:fillRect/>
+            </a:stretch>
+          </p:blipFill>
+          <p:spPr>
+            <a:xfrm>
+              <a:off x="2441933" y="26203248"/>
+              <a:ext cx="512571" cy="514859"/>
+            </a:xfrm>
+            <a:prstGeom prst="rect">
+              <a:avLst/>
+            </a:prstGeom>
+          </p:spPr>
+        </p:pic>
+        <p:pic>
+          <p:nvPicPr>
+            <p:cNvPr id="107" name="Picture 106">
+              <a:extLst>
+                <a:ext uri="{FF2B5EF4-FFF2-40B4-BE49-F238E27FC236}">
+                  <a16:creationId xmlns:a16="http://schemas.microsoft.com/office/drawing/2014/main" id="{81B744A5-C864-4276-A19E-A093C1E2A518}"/>
+                </a:ext>
+              </a:extLst>
+            </p:cNvPr>
+            <p:cNvPicPr>
+              <a:picLocks noChangeAspect="1"/>
+            </p:cNvPicPr>
+            <p:nvPr/>
+          </p:nvPicPr>
+          <p:blipFill>
+            <a:blip r:embed="rId16" cstate="print"/>
+            <a:stretch>
+              <a:fillRect/>
+            </a:stretch>
+          </p:blipFill>
+          <p:spPr>
+            <a:xfrm>
+              <a:off x="4915163" y="26203248"/>
+              <a:ext cx="514859" cy="514859"/>
+            </a:xfrm>
+            <a:prstGeom prst="rect">
+              <a:avLst/>
+            </a:prstGeom>
+          </p:spPr>
+        </p:pic>
+        <p:pic>
+          <p:nvPicPr>
+            <p:cNvPr id="108" name="Picture 107">
+              <a:extLst>
+                <a:ext uri="{FF2B5EF4-FFF2-40B4-BE49-F238E27FC236}">
+                  <a16:creationId xmlns:a16="http://schemas.microsoft.com/office/drawing/2014/main" id="{3314CD18-1027-4B19-BE03-6C973E145C68}"/>
+                </a:ext>
+              </a:extLst>
+            </p:cNvPr>
+            <p:cNvPicPr>
+              <a:picLocks noChangeAspect="1"/>
+            </p:cNvPicPr>
+            <p:nvPr/>
+          </p:nvPicPr>
+          <p:blipFill>
+            <a:blip r:embed="rId20" cstate="print"/>
+            <a:stretch>
+              <a:fillRect/>
+            </a:stretch>
+          </p:blipFill>
+          <p:spPr>
+            <a:xfrm>
+              <a:off x="3257201" y="26906799"/>
+              <a:ext cx="1398393" cy="1309243"/>
+            </a:xfrm>
+            <a:prstGeom prst="rect">
+              <a:avLst/>
+            </a:prstGeom>
+          </p:spPr>
+        </p:pic>
+        <p:pic>
+          <p:nvPicPr>
+            <p:cNvPr id="110" name="Picture 109">
+              <a:extLst>
+                <a:ext uri="{FF2B5EF4-FFF2-40B4-BE49-F238E27FC236}">
+                  <a16:creationId xmlns:a16="http://schemas.microsoft.com/office/drawing/2014/main" id="{B1980238-2086-4004-8AFC-EE824AEA74C8}"/>
+                </a:ext>
+              </a:extLst>
+            </p:cNvPr>
+            <p:cNvPicPr>
+              <a:picLocks noChangeAspect="1"/>
+            </p:cNvPicPr>
+            <p:nvPr/>
+          </p:nvPicPr>
+          <p:blipFill>
+            <a:blip r:embed="rId3" cstate="print"/>
+            <a:stretch>
+              <a:fillRect/>
+            </a:stretch>
+          </p:blipFill>
+          <p:spPr>
+            <a:xfrm>
+              <a:off x="4641027" y="27213990"/>
+              <a:ext cx="1063939" cy="996654"/>
+            </a:xfrm>
+            <a:prstGeom prst="rect">
+              <a:avLst/>
+            </a:prstGeom>
+          </p:spPr>
+        </p:pic>
+        <p:pic>
+          <p:nvPicPr>
+            <p:cNvPr id="117" name="Picture 116">
+              <a:extLst>
+                <a:ext uri="{FF2B5EF4-FFF2-40B4-BE49-F238E27FC236}">
+                  <a16:creationId xmlns:a16="http://schemas.microsoft.com/office/drawing/2014/main" id="{4CBDC05C-07E1-429B-A1C6-DB21A3783D00}"/>
+                </a:ext>
+              </a:extLst>
+            </p:cNvPr>
+            <p:cNvPicPr>
+              <a:picLocks noChangeAspect="1"/>
+            </p:cNvPicPr>
+            <p:nvPr/>
+          </p:nvPicPr>
+          <p:blipFill>
+            <a:blip r:embed="rId3" cstate="print"/>
+            <a:stretch>
+              <a:fillRect/>
+            </a:stretch>
+          </p:blipFill>
+          <p:spPr>
+            <a:xfrm>
+              <a:off x="2128679" y="27246918"/>
+              <a:ext cx="1063939" cy="996654"/>
+            </a:xfrm>
+            <a:prstGeom prst="rect">
+              <a:avLst/>
+            </a:prstGeom>
+          </p:spPr>
+        </p:pic>
+        <p:pic>
+          <p:nvPicPr>
+            <p:cNvPr id="122" name="Picture 121">
+              <a:extLst>
+                <a:ext uri="{FF2B5EF4-FFF2-40B4-BE49-F238E27FC236}">
+                  <a16:creationId xmlns:a16="http://schemas.microsoft.com/office/drawing/2014/main" id="{63B33A4E-F27D-4D33-8817-A17BD497C8EE}"/>
+                </a:ext>
+              </a:extLst>
+            </p:cNvPr>
+            <p:cNvPicPr>
+              <a:picLocks noChangeAspect="1"/>
+            </p:cNvPicPr>
+            <p:nvPr/>
+          </p:nvPicPr>
+          <p:blipFill>
+            <a:blip r:embed="rId3" cstate="print"/>
+            <a:stretch>
+              <a:fillRect/>
+            </a:stretch>
+          </p:blipFill>
+          <p:spPr>
+            <a:xfrm>
+              <a:off x="1334899" y="26929103"/>
+              <a:ext cx="1063939" cy="996654"/>
+            </a:xfrm>
+            <a:prstGeom prst="rect">
+              <a:avLst/>
+            </a:prstGeom>
+          </p:spPr>
+        </p:pic>
+        <p:sp>
+          <p:nvSpPr>
+            <p:cNvPr id="125" name="TextBox 124">
+              <a:extLst>
+                <a:ext uri="{FF2B5EF4-FFF2-40B4-BE49-F238E27FC236}">
+                  <a16:creationId xmlns:a16="http://schemas.microsoft.com/office/drawing/2014/main" id="{1F68845D-524C-4BD2-A86E-6ED3D20E3FD4}"/>
+                </a:ext>
+              </a:extLst>
+            </p:cNvPr>
+            <p:cNvSpPr txBox="1"/>
+            <p:nvPr/>
+          </p:nvSpPr>
+          <p:spPr>
+            <a:xfrm>
+              <a:off x="2391877" y="28329688"/>
+              <a:ext cx="3616894" cy="1569660"/>
+            </a:xfrm>
+            <a:prstGeom prst="rect">
+              <a:avLst/>
+            </a:prstGeom>
+            <a:noFill/>
+          </p:spPr>
+          <p:txBody>
+            <a:bodyPr wrap="square" rtlCol="0">
+              <a:spAutoFit/>
+            </a:bodyPr>
+            <a:lstStyle/>
+            <a:p>
+              <a:r>
+                <a:rPr lang="en-US" sz="3200" b="1" dirty="0">
+                  <a:latin typeface="Helvetica" charset="0"/>
+                  <a:ea typeface="Helvetica" charset="0"/>
+                  <a:cs typeface="Helvetica" charset="0"/>
+                </a:rPr>
+                <a:t>2-of-4</a:t>
+              </a:r>
+              <a:r>
+                <a:rPr lang="en-US" sz="3200" dirty="0">
+                  <a:latin typeface="Helvetica" charset="0"/>
+                  <a:ea typeface="Helvetica" charset="0"/>
+                  <a:cs typeface="Helvetica" charset="0"/>
+                </a:rPr>
+                <a:t> context: </a:t>
+              </a:r>
+            </a:p>
+            <a:p>
+              <a:r>
+                <a:rPr lang="en-US" sz="3200" dirty="0">
+                  <a:solidFill>
+                    <a:srgbClr val="2E34FF"/>
+                  </a:solidFill>
+                  <a:latin typeface="Helvetica" charset="0"/>
+                  <a:ea typeface="Helvetica" charset="0"/>
+                  <a:cs typeface="Helvetica" charset="0"/>
+                </a:rPr>
+                <a:t>surface</a:t>
+              </a:r>
+              <a:r>
+                <a:rPr lang="en-US" sz="3200" dirty="0">
+                  <a:latin typeface="Helvetica" charset="0"/>
+                  <a:ea typeface="Helvetica" charset="0"/>
+                  <a:cs typeface="Helvetica" charset="0"/>
+                </a:rPr>
+                <a:t> is true and </a:t>
+              </a:r>
+            </a:p>
+            <a:p>
+              <a:r>
+                <a:rPr lang="en-US" sz="3200" dirty="0">
+                  <a:solidFill>
+                    <a:srgbClr val="EF00A9"/>
+                  </a:solidFill>
+                  <a:latin typeface="Helvetica" charset="0"/>
+                  <a:ea typeface="Helvetica" charset="0"/>
+                  <a:cs typeface="Helvetica" charset="0"/>
+                </a:rPr>
+                <a:t>inverse</a:t>
+              </a:r>
+              <a:r>
+                <a:rPr lang="en-US" sz="3200" dirty="0">
+                  <a:latin typeface="Helvetica" charset="0"/>
+                  <a:ea typeface="Helvetica" charset="0"/>
+                  <a:cs typeface="Helvetica" charset="0"/>
+                </a:rPr>
+                <a:t> is false</a:t>
+              </a:r>
+              <a:endParaRPr lang="en-US" sz="500" dirty="0">
+                <a:latin typeface="Helvetica" charset="0"/>
+                <a:ea typeface="Helvetica" charset="0"/>
+                <a:cs typeface="Helvetica" charset="0"/>
+              </a:endParaRPr>
+            </a:p>
+          </p:txBody>
+        </p:sp>
+      </p:grpSp>
       <p:pic>
         <p:nvPicPr>
           <p:cNvPr id="96" name="Picture 95">
@@ -7599,14 +7918,14 @@
           <p:nvPr/>
         </p:nvPicPr>
         <p:blipFill>
-          <a:blip r:embed="rId22" cstate="print"/>
+          <a:blip r:embed="rId19" cstate="print"/>
           <a:stretch>
             <a:fillRect/>
           </a:stretch>
         </p:blipFill>
         <p:spPr>
           <a:xfrm>
-            <a:off x="9176461" y="27228977"/>
+            <a:off x="8073166" y="26906756"/>
             <a:ext cx="512571" cy="550547"/>
           </a:xfrm>
           <a:prstGeom prst="rect">
@@ -7629,14 +7948,14 @@
           <p:nvPr/>
         </p:nvPicPr>
         <p:blipFill>
-          <a:blip r:embed="rId19" cstate="print"/>
+          <a:blip r:embed="rId16" cstate="print"/>
           <a:stretch>
             <a:fillRect/>
           </a:stretch>
         </p:blipFill>
         <p:spPr>
           <a:xfrm>
-            <a:off x="11649691" y="27228977"/>
+            <a:off x="12540846" y="26850208"/>
             <a:ext cx="514859" cy="550547"/>
           </a:xfrm>
           <a:prstGeom prst="rect">
@@ -7659,14 +7978,14 @@
           <p:nvPr/>
         </p:nvPicPr>
         <p:blipFill>
-          <a:blip r:embed="rId23" cstate="print"/>
+          <a:blip r:embed="rId20" cstate="print"/>
           <a:stretch>
             <a:fillRect/>
           </a:stretch>
         </p:blipFill>
         <p:spPr>
           <a:xfrm>
-            <a:off x="9991729" y="27877466"/>
+            <a:off x="9968374" y="26620628"/>
             <a:ext cx="1398393" cy="1399994"/>
           </a:xfrm>
           <a:prstGeom prst="rect">
@@ -7696,7 +8015,7 @@
         </p:blipFill>
         <p:spPr>
           <a:xfrm>
-            <a:off x="11375555" y="28206323"/>
+            <a:off x="11352200" y="26949485"/>
             <a:ext cx="1063939" cy="1065738"/>
           </a:xfrm>
           <a:prstGeom prst="rect">
@@ -7726,7 +8045,7 @@
         </p:blipFill>
         <p:spPr>
           <a:xfrm>
-            <a:off x="8863207" y="28239251"/>
+            <a:off x="8839852" y="26982413"/>
             <a:ext cx="1063939" cy="1065738"/>
           </a:xfrm>
           <a:prstGeom prst="rect">
@@ -7734,301 +8053,6 @@
           </a:prstGeom>
         </p:spPr>
       </p:pic>
-      <p:pic>
-        <p:nvPicPr>
-          <p:cNvPr id="102" name="Picture 101">
-            <a:extLst>
-              <a:ext uri="{FF2B5EF4-FFF2-40B4-BE49-F238E27FC236}">
-                <a16:creationId xmlns:a16="http://schemas.microsoft.com/office/drawing/2014/main" id="{9A9D56A7-0F69-4F6F-AF60-A13ABF896C75}"/>
-              </a:ext>
-            </a:extLst>
-          </p:cNvPr>
-          <p:cNvPicPr>
-            <a:picLocks noChangeAspect="1"/>
-          </p:cNvPicPr>
-          <p:nvPr/>
-        </p:nvPicPr>
-        <p:blipFill>
-          <a:blip r:embed="rId22" cstate="print"/>
-          <a:stretch>
-            <a:fillRect/>
-          </a:stretch>
-        </p:blipFill>
-        <p:spPr>
-          <a:xfrm>
-            <a:off x="1812711" y="27270064"/>
-            <a:ext cx="512571" cy="514859"/>
-          </a:xfrm>
-          <a:prstGeom prst="rect">
-            <a:avLst/>
-          </a:prstGeom>
-        </p:spPr>
-      </p:pic>
-      <p:pic>
-        <p:nvPicPr>
-          <p:cNvPr id="107" name="Picture 106">
-            <a:extLst>
-              <a:ext uri="{FF2B5EF4-FFF2-40B4-BE49-F238E27FC236}">
-                <a16:creationId xmlns:a16="http://schemas.microsoft.com/office/drawing/2014/main" id="{81B744A5-C864-4276-A19E-A093C1E2A518}"/>
-              </a:ext>
-            </a:extLst>
-          </p:cNvPr>
-          <p:cNvPicPr>
-            <a:picLocks noChangeAspect="1"/>
-          </p:cNvPicPr>
-          <p:nvPr/>
-        </p:nvPicPr>
-        <p:blipFill>
-          <a:blip r:embed="rId19" cstate="print"/>
-          <a:stretch>
-            <a:fillRect/>
-          </a:stretch>
-        </p:blipFill>
-        <p:spPr>
-          <a:xfrm>
-            <a:off x="4285941" y="27270064"/>
-            <a:ext cx="514859" cy="514859"/>
-          </a:xfrm>
-          <a:prstGeom prst="rect">
-            <a:avLst/>
-          </a:prstGeom>
-        </p:spPr>
-      </p:pic>
-      <p:pic>
-        <p:nvPicPr>
-          <p:cNvPr id="108" name="Picture 107">
-            <a:extLst>
-              <a:ext uri="{FF2B5EF4-FFF2-40B4-BE49-F238E27FC236}">
-                <a16:creationId xmlns:a16="http://schemas.microsoft.com/office/drawing/2014/main" id="{3314CD18-1027-4B19-BE03-6C973E145C68}"/>
-              </a:ext>
-            </a:extLst>
-          </p:cNvPr>
-          <p:cNvPicPr>
-            <a:picLocks noChangeAspect="1"/>
-          </p:cNvPicPr>
-          <p:nvPr/>
-        </p:nvPicPr>
-        <p:blipFill>
-          <a:blip r:embed="rId23" cstate="print"/>
-          <a:stretch>
-            <a:fillRect/>
-          </a:stretch>
-        </p:blipFill>
-        <p:spPr>
-          <a:xfrm>
-            <a:off x="2627979" y="27973615"/>
-            <a:ext cx="1398393" cy="1309243"/>
-          </a:xfrm>
-          <a:prstGeom prst="rect">
-            <a:avLst/>
-          </a:prstGeom>
-        </p:spPr>
-      </p:pic>
-      <p:pic>
-        <p:nvPicPr>
-          <p:cNvPr id="110" name="Picture 109">
-            <a:extLst>
-              <a:ext uri="{FF2B5EF4-FFF2-40B4-BE49-F238E27FC236}">
-                <a16:creationId xmlns:a16="http://schemas.microsoft.com/office/drawing/2014/main" id="{B1980238-2086-4004-8AFC-EE824AEA74C8}"/>
-              </a:ext>
-            </a:extLst>
-          </p:cNvPr>
-          <p:cNvPicPr>
-            <a:picLocks noChangeAspect="1"/>
-          </p:cNvPicPr>
-          <p:nvPr/>
-        </p:nvPicPr>
-        <p:blipFill>
-          <a:blip r:embed="rId3" cstate="print"/>
-          <a:stretch>
-            <a:fillRect/>
-          </a:stretch>
-        </p:blipFill>
-        <p:spPr>
-          <a:xfrm>
-            <a:off x="4011805" y="28280806"/>
-            <a:ext cx="1063939" cy="996654"/>
-          </a:xfrm>
-          <a:prstGeom prst="rect">
-            <a:avLst/>
-          </a:prstGeom>
-        </p:spPr>
-      </p:pic>
-      <p:pic>
-        <p:nvPicPr>
-          <p:cNvPr id="117" name="Picture 116">
-            <a:extLst>
-              <a:ext uri="{FF2B5EF4-FFF2-40B4-BE49-F238E27FC236}">
-                <a16:creationId xmlns:a16="http://schemas.microsoft.com/office/drawing/2014/main" id="{4CBDC05C-07E1-429B-A1C6-DB21A3783D00}"/>
-              </a:ext>
-            </a:extLst>
-          </p:cNvPr>
-          <p:cNvPicPr>
-            <a:picLocks noChangeAspect="1"/>
-          </p:cNvPicPr>
-          <p:nvPr/>
-        </p:nvPicPr>
-        <p:blipFill>
-          <a:blip r:embed="rId3" cstate="print"/>
-          <a:stretch>
-            <a:fillRect/>
-          </a:stretch>
-        </p:blipFill>
-        <p:spPr>
-          <a:xfrm>
-            <a:off x="1499457" y="28313734"/>
-            <a:ext cx="1063939" cy="996654"/>
-          </a:xfrm>
-          <a:prstGeom prst="rect">
-            <a:avLst/>
-          </a:prstGeom>
-        </p:spPr>
-      </p:pic>
-      <p:pic>
-        <p:nvPicPr>
-          <p:cNvPr id="122" name="Picture 121">
-            <a:extLst>
-              <a:ext uri="{FF2B5EF4-FFF2-40B4-BE49-F238E27FC236}">
-                <a16:creationId xmlns:a16="http://schemas.microsoft.com/office/drawing/2014/main" id="{63B33A4E-F27D-4D33-8817-A17BD497C8EE}"/>
-              </a:ext>
-            </a:extLst>
-          </p:cNvPr>
-          <p:cNvPicPr>
-            <a:picLocks noChangeAspect="1"/>
-          </p:cNvPicPr>
-          <p:nvPr/>
-        </p:nvPicPr>
-        <p:blipFill>
-          <a:blip r:embed="rId3" cstate="print"/>
-          <a:stretch>
-            <a:fillRect/>
-          </a:stretch>
-        </p:blipFill>
-        <p:spPr>
-          <a:xfrm>
-            <a:off x="705677" y="27995919"/>
-            <a:ext cx="1063939" cy="996654"/>
-          </a:xfrm>
-          <a:prstGeom prst="rect">
-            <a:avLst/>
-          </a:prstGeom>
-        </p:spPr>
-      </p:pic>
-      <p:sp>
-        <p:nvSpPr>
-          <p:cNvPr id="125" name="TextBox 124">
-            <a:extLst>
-              <a:ext uri="{FF2B5EF4-FFF2-40B4-BE49-F238E27FC236}">
-                <a16:creationId xmlns:a16="http://schemas.microsoft.com/office/drawing/2014/main" id="{1F68845D-524C-4BD2-A86E-6ED3D20E3FD4}"/>
-              </a:ext>
-            </a:extLst>
-          </p:cNvPr>
-          <p:cNvSpPr txBox="1"/>
-          <p:nvPr/>
-        </p:nvSpPr>
-        <p:spPr>
-          <a:xfrm>
-            <a:off x="682755" y="29468747"/>
-            <a:ext cx="6375861" cy="1569660"/>
-          </a:xfrm>
-          <a:prstGeom prst="rect">
-            <a:avLst/>
-          </a:prstGeom>
-          <a:noFill/>
-        </p:spPr>
-        <p:txBody>
-          <a:bodyPr wrap="square" rtlCol="0">
-            <a:spAutoFit/>
-          </a:bodyPr>
-          <a:lstStyle/>
-          <a:p>
-            <a:r>
-              <a:rPr lang="en-US" sz="3200" dirty="0">
-                <a:latin typeface="Helvetica" charset="0"/>
-                <a:ea typeface="Helvetica" charset="0"/>
-                <a:cs typeface="Helvetica" charset="0"/>
-              </a:rPr>
-              <a:t>Fig 2. 4-Frog world (2-of-4 context): </a:t>
-            </a:r>
-            <a:r>
-              <a:rPr lang="en-US" sz="3200" dirty="0">
-                <a:solidFill>
-                  <a:srgbClr val="00B150"/>
-                </a:solidFill>
-                <a:latin typeface="Helvetica" charset="0"/>
-                <a:ea typeface="Helvetica" charset="0"/>
-                <a:cs typeface="Helvetica" charset="0"/>
-              </a:rPr>
-              <a:t>surface</a:t>
-            </a:r>
-            <a:r>
-              <a:rPr lang="en-US" sz="3200" dirty="0">
-                <a:latin typeface="Helvetica" charset="0"/>
-                <a:ea typeface="Helvetica" charset="0"/>
-                <a:cs typeface="Helvetica" charset="0"/>
-              </a:rPr>
-              <a:t> is </a:t>
-            </a:r>
-            <a:r>
-              <a:rPr lang="en-US" sz="3200" dirty="0">
-                <a:solidFill>
-                  <a:srgbClr val="2E34FF"/>
-                </a:solidFill>
-                <a:latin typeface="Helvetica" charset="0"/>
-                <a:ea typeface="Helvetica" charset="0"/>
-                <a:cs typeface="Helvetica" charset="0"/>
-              </a:rPr>
-              <a:t>true</a:t>
-            </a:r>
-            <a:r>
-              <a:rPr lang="en-US" sz="3200" dirty="0">
-                <a:latin typeface="Helvetica" charset="0"/>
-                <a:ea typeface="Helvetica" charset="0"/>
-                <a:cs typeface="Helvetica" charset="0"/>
-              </a:rPr>
-              <a:t> and </a:t>
-            </a:r>
-            <a:r>
-              <a:rPr lang="en-US" sz="3200" dirty="0">
-                <a:solidFill>
-                  <a:srgbClr val="FF0000"/>
-                </a:solidFill>
-                <a:latin typeface="Helvetica" charset="0"/>
-                <a:ea typeface="Helvetica" charset="0"/>
-                <a:cs typeface="Helvetica" charset="0"/>
-              </a:rPr>
-              <a:t>inverse</a:t>
-            </a:r>
-            <a:r>
-              <a:rPr lang="en-US" sz="3200" dirty="0">
-                <a:latin typeface="Helvetica" charset="0"/>
-                <a:ea typeface="Helvetica" charset="0"/>
-                <a:cs typeface="Helvetica" charset="0"/>
-              </a:rPr>
-              <a:t> is </a:t>
-            </a:r>
-            <a:r>
-              <a:rPr lang="en-US" sz="3200" dirty="0">
-                <a:solidFill>
-                  <a:srgbClr val="EF00A9"/>
-                </a:solidFill>
-                <a:latin typeface="Helvetica" charset="0"/>
-                <a:ea typeface="Helvetica" charset="0"/>
-                <a:cs typeface="Helvetica" charset="0"/>
-              </a:rPr>
-              <a:t>false</a:t>
-            </a:r>
-            <a:endParaRPr lang="en-US" sz="500" dirty="0">
-              <a:solidFill>
-                <a:srgbClr val="EF00A9"/>
-              </a:solidFill>
-              <a:latin typeface="Helvetica" charset="0"/>
-              <a:ea typeface="Helvetica" charset="0"/>
-              <a:cs typeface="Helvetica" charset="0"/>
-            </a:endParaRPr>
-          </a:p>
-        </p:txBody>
-      </p:sp>
       <p:sp>
         <p:nvSpPr>
           <p:cNvPr id="139" name="TextBox 138">
@@ -8043,8 +8067,8 @@
         </p:nvSpPr>
         <p:spPr>
           <a:xfrm>
-            <a:off x="8162161" y="29469364"/>
-            <a:ext cx="6375861" cy="1569660"/>
+            <a:off x="8585737" y="28225148"/>
+            <a:ext cx="3775839" cy="1569660"/>
           </a:xfrm>
           <a:prstGeom prst="rect">
             <a:avLst/>
@@ -8058,17 +8082,27 @@
           <a:lstStyle/>
           <a:p>
             <a:r>
-              <a:rPr lang="en-US" sz="3200" dirty="0">
-                <a:latin typeface="Helvetica" charset="0"/>
-                <a:ea typeface="Helvetica" charset="0"/>
-                <a:cs typeface="Helvetica" charset="0"/>
-              </a:rPr>
-              <a:t>Fig 3. 2-Frog world (1-of-2 context): </a:t>
-            </a:r>
+              <a:rPr lang="en-US" sz="3200" b="1" dirty="0">
+                <a:latin typeface="Helvetica" charset="0"/>
+                <a:ea typeface="Helvetica" charset="0"/>
+                <a:cs typeface="Helvetica" charset="0"/>
+              </a:rPr>
+              <a:t>1-of-2</a:t>
+            </a:r>
+            <a:r>
+              <a:rPr lang="en-US" sz="3200" dirty="0">
+                <a:latin typeface="Helvetica" charset="0"/>
+                <a:ea typeface="Helvetica" charset="0"/>
+                <a:cs typeface="Helvetica" charset="0"/>
+              </a:rPr>
+              <a:t> context: </a:t>
+            </a:r>
+          </a:p>
+          <a:p>
             <a:r>
               <a:rPr lang="en-US" sz="3200" dirty="0">
                 <a:solidFill>
-                  <a:srgbClr val="00B150"/>
+                  <a:srgbClr val="2E34FF"/>
                 </a:solidFill>
                 <a:latin typeface="Helvetica" charset="0"/>
                 <a:ea typeface="Helvetica" charset="0"/>
@@ -8082,8 +8116,10 @@
                 <a:ea typeface="Helvetica" charset="0"/>
                 <a:cs typeface="Helvetica" charset="0"/>
               </a:rPr>
-              <a:t> is </a:t>
-            </a:r>
+              <a:t> is false and </a:t>
+            </a:r>
+          </a:p>
+          <a:p>
             <a:r>
               <a:rPr lang="en-US" sz="3200" dirty="0">
                 <a:solidFill>
@@ -8093,25 +8129,6 @@
                 <a:ea typeface="Helvetica" charset="0"/>
                 <a:cs typeface="Helvetica" charset="0"/>
               </a:rPr>
-              <a:t>false</a:t>
-            </a:r>
-            <a:r>
-              <a:rPr lang="en-US" sz="3200" dirty="0">
-                <a:latin typeface="Helvetica" charset="0"/>
-                <a:ea typeface="Helvetica" charset="0"/>
-                <a:cs typeface="Helvetica" charset="0"/>
-              </a:rPr>
-              <a:t> and </a:t>
-            </a:r>
-            <a:r>
-              <a:rPr lang="en-US" sz="3200" dirty="0">
-                <a:solidFill>
-                  <a:srgbClr val="FF0000"/>
-                </a:solidFill>
-                <a:latin typeface="Helvetica" charset="0"/>
-                <a:ea typeface="Helvetica" charset="0"/>
-                <a:cs typeface="Helvetica" charset="0"/>
-              </a:rPr>
               <a:t>inverse</a:t>
             </a:r>
             <a:r>
@@ -8120,75 +8137,8 @@
                 <a:ea typeface="Helvetica" charset="0"/>
                 <a:cs typeface="Helvetica" charset="0"/>
               </a:rPr>
-              <a:t> is </a:t>
-            </a:r>
-            <a:r>
-              <a:rPr lang="en-US" sz="3200" dirty="0">
-                <a:solidFill>
-                  <a:srgbClr val="2E34FF"/>
-                </a:solidFill>
-                <a:latin typeface="Helvetica" charset="0"/>
-                <a:ea typeface="Helvetica" charset="0"/>
-                <a:cs typeface="Helvetica" charset="0"/>
-              </a:rPr>
-              <a:t>true</a:t>
-            </a:r>
-            <a:endParaRPr lang="en-US" sz="500" dirty="0">
-              <a:solidFill>
-                <a:srgbClr val="2E34FF"/>
-              </a:solidFill>
-              <a:latin typeface="Helvetica" charset="0"/>
-              <a:ea typeface="Helvetica" charset="0"/>
-              <a:cs typeface="Helvetica" charset="0"/>
-            </a:endParaRPr>
-          </a:p>
-        </p:txBody>
-      </p:sp>
-      <p:sp>
-        <p:nvSpPr>
-          <p:cNvPr id="140" name="TextBox 139">
-            <a:extLst>
-              <a:ext uri="{FF2B5EF4-FFF2-40B4-BE49-F238E27FC236}">
-                <a16:creationId xmlns:a16="http://schemas.microsoft.com/office/drawing/2014/main" id="{EEAA3936-7914-4CE9-99DB-DF7A4AA95BA1}"/>
-              </a:ext>
-            </a:extLst>
-          </p:cNvPr>
-          <p:cNvSpPr txBox="1"/>
-          <p:nvPr/>
-        </p:nvSpPr>
-        <p:spPr>
-          <a:xfrm>
-            <a:off x="867073" y="31514581"/>
-            <a:ext cx="12306477" cy="738664"/>
-          </a:xfrm>
-          <a:prstGeom prst="rect">
-            <a:avLst/>
-          </a:prstGeom>
-          <a:noFill/>
-        </p:spPr>
-        <p:txBody>
-          <a:bodyPr wrap="square" rtlCol="0">
-            <a:spAutoFit/>
-          </a:bodyPr>
-          <a:lstStyle/>
-          <a:p>
-            <a:r>
-              <a:rPr lang="en-US" sz="3200" dirty="0">
-                <a:latin typeface="Helvetica" charset="0"/>
-                <a:ea typeface="Helvetica" charset="0"/>
-                <a:cs typeface="Helvetica" charset="0"/>
-              </a:rPr>
-              <a:t>Adults:                                                      Adults:</a:t>
-            </a:r>
-          </a:p>
-          <a:p>
-            <a:endParaRPr lang="en-US" sz="500" dirty="0">
-              <a:latin typeface="Helvetica" charset="0"/>
-              <a:ea typeface="Helvetica" charset="0"/>
-              <a:cs typeface="Helvetica" charset="0"/>
-            </a:endParaRPr>
-          </a:p>
-          <a:p>
+              <a:t> is true</a:t>
+            </a:r>
             <a:endParaRPr lang="en-US" sz="500" dirty="0">
               <a:latin typeface="Helvetica" charset="0"/>
               <a:ea typeface="Helvetica" charset="0"/>
@@ -8212,7 +8162,7 @@
           <p:nvPr/>
         </p:nvPicPr>
         <p:blipFill>
-          <a:blip r:embed="rId20">
+          <a:blip r:embed="rId17">
             <a:extLst>
               <a:ext uri="{28A0092B-C50C-407E-A947-70E740481C1C}">
                 <a14:useLocalDpi xmlns:a14="http://schemas.microsoft.com/office/drawing/2010/main" val="0"/>
@@ -8225,7 +8175,7 @@
         </p:blipFill>
         <p:spPr>
           <a:xfrm>
-            <a:off x="2627979" y="31294224"/>
+            <a:off x="2437695" y="31374999"/>
             <a:ext cx="1028357" cy="1028357"/>
           </a:xfrm>
           <a:prstGeom prst="rect">
@@ -8239,6 +8189,648 @@
             <a:extLst>
               <a:ext uri="{FF2B5EF4-FFF2-40B4-BE49-F238E27FC236}">
                 <a16:creationId xmlns:a16="http://schemas.microsoft.com/office/drawing/2014/main" id="{C0D67976-BA3A-42DC-8EE1-3F38B512561D}"/>
+              </a:ext>
+            </a:extLst>
+          </p:cNvPr>
+          <p:cNvPicPr>
+            <a:picLocks noChangeAspect="1"/>
+          </p:cNvPicPr>
+          <p:nvPr/>
+        </p:nvPicPr>
+        <p:blipFill>
+          <a:blip r:embed="rId18">
+            <a:extLst>
+              <a:ext uri="{28A0092B-C50C-407E-A947-70E740481C1C}">
+                <a14:useLocalDpi xmlns:a14="http://schemas.microsoft.com/office/drawing/2010/main" val="0"/>
+              </a:ext>
+            </a:extLst>
+          </a:blip>
+          <a:stretch>
+            <a:fillRect/>
+          </a:stretch>
+        </p:blipFill>
+        <p:spPr>
+          <a:xfrm>
+            <a:off x="10067204" y="29923799"/>
+            <a:ext cx="1050724" cy="1050724"/>
+          </a:xfrm>
+          <a:prstGeom prst="rect">
+            <a:avLst/>
+          </a:prstGeom>
+        </p:spPr>
+      </p:pic>
+      <p:sp>
+        <p:nvSpPr>
+          <p:cNvPr id="146" name="TextBox 145">
+            <a:extLst>
+              <a:ext uri="{FF2B5EF4-FFF2-40B4-BE49-F238E27FC236}">
+                <a16:creationId xmlns:a16="http://schemas.microsoft.com/office/drawing/2014/main" id="{941ACA53-4D30-41B1-8DC5-BE7BFA228A90}"/>
+              </a:ext>
+            </a:extLst>
+          </p:cNvPr>
+          <p:cNvSpPr txBox="1"/>
+          <p:nvPr/>
+        </p:nvSpPr>
+        <p:spPr>
+          <a:xfrm>
+            <a:off x="15570583" y="5061861"/>
+            <a:ext cx="12664156" cy="738664"/>
+          </a:xfrm>
+          <a:prstGeom prst="rect">
+            <a:avLst/>
+          </a:prstGeom>
+          <a:noFill/>
+        </p:spPr>
+        <p:txBody>
+          <a:bodyPr wrap="square" rtlCol="0">
+            <a:spAutoFit/>
+          </a:bodyPr>
+          <a:lstStyle/>
+          <a:p>
+            <a:pPr algn="ctr"/>
+            <a:r>
+              <a:rPr lang="en-US" sz="4200" b="1" dirty="0">
+                <a:solidFill>
+                  <a:schemeClr val="accent1">
+                    <a:lumMod val="50000"/>
+                  </a:schemeClr>
+                </a:solidFill>
+                <a:latin typeface="Helvetica" charset="0"/>
+                <a:ea typeface="Helvetica" charset="0"/>
+                <a:cs typeface="Helvetica" charset="0"/>
+              </a:rPr>
+              <a:t>Open question</a:t>
+            </a:r>
+          </a:p>
+        </p:txBody>
+      </p:sp>
+      <p:sp>
+        <p:nvSpPr>
+          <p:cNvPr id="147" name="TextBox 146">
+            <a:extLst>
+              <a:ext uri="{FF2B5EF4-FFF2-40B4-BE49-F238E27FC236}">
+                <a16:creationId xmlns:a16="http://schemas.microsoft.com/office/drawing/2014/main" id="{8F2D2328-C151-4229-93B3-99683B48B33B}"/>
+              </a:ext>
+            </a:extLst>
+          </p:cNvPr>
+          <p:cNvSpPr txBox="1"/>
+          <p:nvPr/>
+        </p:nvSpPr>
+        <p:spPr>
+          <a:xfrm>
+            <a:off x="14878170" y="5940489"/>
+            <a:ext cx="14070881" cy="2369880"/>
+          </a:xfrm>
+          <a:prstGeom prst="rect">
+            <a:avLst/>
+          </a:prstGeom>
+          <a:noFill/>
+        </p:spPr>
+        <p:txBody>
+          <a:bodyPr wrap="square" rtlCol="0">
+            <a:spAutoFit/>
+          </a:bodyPr>
+          <a:lstStyle/>
+          <a:p>
+            <a:pPr marL="457200" indent="-457200">
+              <a:buFont typeface="Wingdings" charset="2"/>
+              <a:buChar char="v"/>
+            </a:pPr>
+            <a:r>
+              <a:rPr lang="en-US" sz="3200" b="1" dirty="0">
+                <a:latin typeface="Helvetica" panose="020B0604020202020204" pitchFamily="34" charset="0"/>
+                <a:ea typeface="Courier" charset="0"/>
+                <a:cs typeface="Helvetica" panose="020B0604020202020204" pitchFamily="34" charset="0"/>
+              </a:rPr>
+              <a:t>Developmental continuity</a:t>
+            </a:r>
+            <a:r>
+              <a:rPr lang="en-US" sz="3200" dirty="0">
+                <a:latin typeface="Helvetica" panose="020B0604020202020204" pitchFamily="34" charset="0"/>
+                <a:ea typeface="Courier" charset="0"/>
+                <a:cs typeface="Helvetica" panose="020B0604020202020204" pitchFamily="34" charset="0"/>
+              </a:rPr>
+              <a:t>: Are child and adult ambiguity resolution behavior qualitatively similar? (= same underlying mechanisms)</a:t>
+            </a:r>
+          </a:p>
+          <a:p>
+            <a:pPr lvl="2" indent="-457200">
+              <a:buFont typeface="Wingdings" charset="2"/>
+              <a:buChar char="v"/>
+            </a:pPr>
+            <a:endParaRPr lang="en-US" sz="1000" dirty="0">
+              <a:solidFill>
+                <a:srgbClr val="FF7A00"/>
+              </a:solidFill>
+              <a:latin typeface="Helvetica" panose="020B0604020202020204" pitchFamily="34" charset="0"/>
+              <a:ea typeface="Courier" charset="0"/>
+              <a:cs typeface="Helvetica" panose="020B0604020202020204" pitchFamily="34" charset="0"/>
+            </a:endParaRPr>
+          </a:p>
+          <a:p>
+            <a:pPr lvl="2" indent="-457200">
+              <a:buFont typeface="Wingdings" charset="2"/>
+              <a:buChar char="v"/>
+            </a:pPr>
+            <a:r>
+              <a:rPr lang="en-US" sz="3200" dirty="0">
+                <a:solidFill>
+                  <a:srgbClr val="FF7A00"/>
+                </a:solidFill>
+                <a:latin typeface="Helvetica" panose="020B0604020202020204" pitchFamily="34" charset="0"/>
+                <a:ea typeface="Courier" charset="0"/>
+                <a:cs typeface="Helvetica" panose="020B0604020202020204" pitchFamily="34" charset="0"/>
+              </a:rPr>
+              <a:t>Why does the explicit contrast clause work</a:t>
+            </a:r>
+            <a:r>
+              <a:rPr lang="en-US" sz="3200" dirty="0">
+                <a:solidFill>
+                  <a:srgbClr val="BA4DFF"/>
+                </a:solidFill>
+                <a:latin typeface="Helvetica" panose="020B0604020202020204" pitchFamily="34" charset="0"/>
+                <a:ea typeface="Courier" charset="0"/>
+                <a:cs typeface="Helvetica" panose="020B0604020202020204" pitchFamily="34" charset="0"/>
+              </a:rPr>
+              <a:t> </a:t>
+            </a:r>
+            <a:r>
+              <a:rPr lang="en-US" sz="3200" dirty="0">
+                <a:latin typeface="Helvetica" panose="020B0604020202020204" pitchFamily="34" charset="0"/>
+                <a:ea typeface="Courier" charset="0"/>
+                <a:cs typeface="Helvetica" panose="020B0604020202020204" pitchFamily="34" charset="0"/>
+              </a:rPr>
+              <a:t>for adults with </a:t>
+            </a:r>
+            <a:r>
+              <a:rPr lang="en-US" sz="3200" dirty="0">
+                <a:latin typeface="Courier"/>
+                <a:ea typeface="Courier" charset="0"/>
+                <a:cs typeface="Helvetica" panose="020B0604020202020204" pitchFamily="34" charset="0"/>
+              </a:rPr>
+              <a:t>two-not</a:t>
+            </a:r>
+            <a:r>
+              <a:rPr lang="en-US" sz="3200" dirty="0">
+                <a:latin typeface="Helvetica" panose="020B0604020202020204" pitchFamily="34" charset="0"/>
+                <a:ea typeface="Courier" charset="0"/>
+                <a:cs typeface="Helvetica" panose="020B0604020202020204" pitchFamily="34" charset="0"/>
+              </a:rPr>
+              <a:t>?</a:t>
+            </a:r>
+          </a:p>
+          <a:p>
+            <a:pPr marL="914400" lvl="1" indent="-457200">
+              <a:buFont typeface="Wingdings" charset="2"/>
+              <a:buChar char="v"/>
+            </a:pPr>
+            <a:endParaRPr lang="en-US" sz="1000" dirty="0">
+              <a:solidFill>
+                <a:schemeClr val="accent6"/>
+              </a:solidFill>
+              <a:latin typeface="Helvetica" panose="020B0604020202020204" pitchFamily="34" charset="0"/>
+              <a:ea typeface="Courier" charset="0"/>
+              <a:cs typeface="Helvetica" panose="020B0604020202020204" pitchFamily="34" charset="0"/>
+            </a:endParaRPr>
+          </a:p>
+          <a:p>
+            <a:pPr marL="914400" lvl="1" indent="-457200">
+              <a:buFont typeface="Wingdings" charset="2"/>
+              <a:buChar char="v"/>
+            </a:pPr>
+            <a:r>
+              <a:rPr lang="en-US" sz="3200" dirty="0">
+                <a:solidFill>
+                  <a:schemeClr val="accent6"/>
+                </a:solidFill>
+                <a:latin typeface="Helvetica" panose="020B0604020202020204" pitchFamily="34" charset="0"/>
+                <a:ea typeface="Courier" charset="0"/>
+                <a:cs typeface="Helvetica" panose="020B0604020202020204" pitchFamily="34" charset="0"/>
+              </a:rPr>
+              <a:t>What causes the asymmetry </a:t>
+            </a:r>
+            <a:r>
+              <a:rPr lang="en-US" sz="3200" dirty="0">
+                <a:latin typeface="Helvetica" panose="020B0604020202020204" pitchFamily="34" charset="0"/>
+                <a:ea typeface="Courier" charset="0"/>
+                <a:cs typeface="Helvetica" panose="020B0604020202020204" pitchFamily="34" charset="0"/>
+              </a:rPr>
+              <a:t>in adult behavior across the two contexts? </a:t>
+            </a:r>
+          </a:p>
+        </p:txBody>
+      </p:sp>
+      <p:sp>
+        <p:nvSpPr>
+          <p:cNvPr id="148" name="TextBox 147">
+            <a:extLst>
+              <a:ext uri="{FF2B5EF4-FFF2-40B4-BE49-F238E27FC236}">
+                <a16:creationId xmlns:a16="http://schemas.microsoft.com/office/drawing/2014/main" id="{B3B34038-9853-4593-A8AA-B454BADC5ABD}"/>
+              </a:ext>
+            </a:extLst>
+          </p:cNvPr>
+          <p:cNvSpPr txBox="1"/>
+          <p:nvPr/>
+        </p:nvSpPr>
+        <p:spPr>
+          <a:xfrm>
+            <a:off x="14908204" y="9337514"/>
+            <a:ext cx="13855418" cy="2215991"/>
+          </a:xfrm>
+          <a:prstGeom prst="rect">
+            <a:avLst/>
+          </a:prstGeom>
+          <a:noFill/>
+        </p:spPr>
+        <p:txBody>
+          <a:bodyPr wrap="square" rtlCol="0">
+            <a:spAutoFit/>
+          </a:bodyPr>
+          <a:lstStyle/>
+          <a:p>
+            <a:pPr marL="457200" indent="-457200">
+              <a:buFont typeface="Wingdings" charset="2"/>
+              <a:buChar char="v"/>
+            </a:pPr>
+            <a:r>
+              <a:rPr lang="en-US" sz="3200" b="1" dirty="0">
+                <a:latin typeface="Helvetica" panose="020B0604020202020204" pitchFamily="34" charset="0"/>
+                <a:ea typeface="Courier" charset="0"/>
+                <a:cs typeface="Helvetica" panose="020B0604020202020204" pitchFamily="34" charset="0"/>
+              </a:rPr>
+              <a:t>Extend</a:t>
+            </a:r>
+            <a:r>
+              <a:rPr lang="en-US" sz="3200" dirty="0">
+                <a:latin typeface="Helvetica" panose="020B0604020202020204" pitchFamily="34" charset="0"/>
+                <a:ea typeface="Courier" charset="0"/>
+                <a:cs typeface="Helvetica" panose="020B0604020202020204" pitchFamily="34" charset="0"/>
+              </a:rPr>
+              <a:t> model from Savinelli et. al. (2017) to capture adult ambiguity resolution behavior in context. </a:t>
+            </a:r>
+          </a:p>
+          <a:p>
+            <a:pPr marL="457200" indent="-457200">
+              <a:buFont typeface="Wingdings" charset="2"/>
+              <a:buChar char="v"/>
+            </a:pPr>
+            <a:endParaRPr lang="en-US" sz="1000" dirty="0">
+              <a:latin typeface="Helvetica" panose="020B0604020202020204" pitchFamily="34" charset="0"/>
+              <a:ea typeface="Courier" charset="0"/>
+              <a:cs typeface="Helvetica" panose="020B0604020202020204" pitchFamily="34" charset="0"/>
+            </a:endParaRPr>
+          </a:p>
+          <a:p>
+            <a:pPr marL="457200" indent="-457200">
+              <a:buFont typeface="Wingdings" charset="2"/>
+              <a:buChar char="v"/>
+            </a:pPr>
+            <a:r>
+              <a:rPr lang="en-US" sz="3200" dirty="0">
+                <a:latin typeface="Helvetica" panose="020B0604020202020204" pitchFamily="34" charset="0"/>
+                <a:ea typeface="Courier" charset="0"/>
+                <a:cs typeface="Helvetica" panose="020B0604020202020204" pitchFamily="34" charset="0"/>
+              </a:rPr>
+              <a:t>We support developmental continuity if the </a:t>
+            </a:r>
+            <a:r>
+              <a:rPr lang="en-US" sz="3200" b="1" dirty="0">
+                <a:latin typeface="Helvetica" panose="020B0604020202020204" pitchFamily="34" charset="0"/>
+                <a:ea typeface="Courier" charset="0"/>
+                <a:cs typeface="Helvetica" panose="020B0604020202020204" pitchFamily="34" charset="0"/>
+              </a:rPr>
+              <a:t>same model</a:t>
+            </a:r>
+            <a:r>
+              <a:rPr lang="en-US" sz="3200" dirty="0">
+                <a:latin typeface="Helvetica" panose="020B0604020202020204" pitchFamily="34" charset="0"/>
+                <a:ea typeface="Courier" charset="0"/>
+                <a:cs typeface="Helvetica" panose="020B0604020202020204" pitchFamily="34" charset="0"/>
+              </a:rPr>
+              <a:t> can account for children’s behavior with </a:t>
+            </a:r>
+            <a:r>
+              <a:rPr lang="en-US" sz="3200" dirty="0">
+                <a:latin typeface="Courier" charset="0"/>
+                <a:ea typeface="Courier" charset="0"/>
+                <a:cs typeface="Courier" charset="0"/>
+              </a:rPr>
+              <a:t>every-not</a:t>
+            </a:r>
+            <a:r>
+              <a:rPr lang="en-US" sz="3200" dirty="0">
+                <a:latin typeface="Helvetica" panose="020B0604020202020204" pitchFamily="34" charset="0"/>
+                <a:ea typeface="Courier" charset="0"/>
+                <a:cs typeface="Helvetica" panose="020B0604020202020204" pitchFamily="34" charset="0"/>
+              </a:rPr>
+              <a:t> and adult behavior with </a:t>
+            </a:r>
+            <a:r>
+              <a:rPr lang="en-US" sz="3200" dirty="0">
+                <a:latin typeface="Courier" charset="0"/>
+                <a:ea typeface="Courier" charset="0"/>
+                <a:cs typeface="Courier" charset="0"/>
+              </a:rPr>
+              <a:t>two-not</a:t>
+            </a:r>
+            <a:endParaRPr lang="en-US" sz="3200" dirty="0">
+              <a:latin typeface="Helvetica" panose="020B0604020202020204" pitchFamily="34" charset="0"/>
+              <a:ea typeface="Courier" charset="0"/>
+              <a:cs typeface="Helvetica" panose="020B0604020202020204" pitchFamily="34" charset="0"/>
+            </a:endParaRPr>
+          </a:p>
+        </p:txBody>
+      </p:sp>
+      <p:sp>
+        <p:nvSpPr>
+          <p:cNvPr id="155" name="TextBox 154">
+            <a:extLst>
+              <a:ext uri="{FF2B5EF4-FFF2-40B4-BE49-F238E27FC236}">
+                <a16:creationId xmlns:a16="http://schemas.microsoft.com/office/drawing/2014/main" id="{7C150472-22E3-4FF3-872F-B098DA9BF120}"/>
+              </a:ext>
+            </a:extLst>
+          </p:cNvPr>
+          <p:cNvSpPr txBox="1"/>
+          <p:nvPr/>
+        </p:nvSpPr>
+        <p:spPr>
+          <a:xfrm>
+            <a:off x="29377373" y="10201175"/>
+            <a:ext cx="14263707" cy="1077218"/>
+          </a:xfrm>
+          <a:prstGeom prst="rect">
+            <a:avLst/>
+          </a:prstGeom>
+          <a:noFill/>
+        </p:spPr>
+        <p:txBody>
+          <a:bodyPr wrap="square" rtlCol="0">
+            <a:spAutoFit/>
+          </a:bodyPr>
+          <a:lstStyle/>
+          <a:p>
+            <a:r>
+              <a:rPr lang="en-US" sz="3200" dirty="0">
+                <a:latin typeface="Helvetica" charset="0"/>
+                <a:ea typeface="Helvetica" charset="0"/>
+                <a:cs typeface="Helvetica" charset="0"/>
+              </a:rPr>
+              <a:t>Replication of previous work modeling children’s behavior with </a:t>
+            </a:r>
+            <a:r>
+              <a:rPr lang="en-US" sz="3200" dirty="0">
+                <a:latin typeface="Courier"/>
+                <a:ea typeface="Helvetica" charset="0"/>
+                <a:cs typeface="Helvetica" charset="0"/>
+              </a:rPr>
+              <a:t>every-not</a:t>
+            </a:r>
+            <a:r>
+              <a:rPr lang="en-US" sz="3200" dirty="0">
+                <a:latin typeface="Helvetica" charset="0"/>
+                <a:ea typeface="Helvetica" charset="0"/>
+                <a:cs typeface="Helvetica" charset="0"/>
+              </a:rPr>
+              <a:t>: </a:t>
+            </a:r>
+            <a:r>
+              <a:rPr lang="en-US" sz="3200" dirty="0">
+                <a:solidFill>
+                  <a:srgbClr val="BA4DFF"/>
+                </a:solidFill>
+                <a:latin typeface="Helvetica" charset="0"/>
+                <a:ea typeface="Helvetica" charset="0"/>
+                <a:cs typeface="Helvetica" charset="0"/>
+              </a:rPr>
+              <a:t>pragmatic</a:t>
+            </a:r>
+            <a:r>
+              <a:rPr lang="en-US" sz="3200" dirty="0">
+                <a:latin typeface="Helvetica" charset="0"/>
+                <a:ea typeface="Helvetica" charset="0"/>
+                <a:cs typeface="Helvetica" charset="0"/>
+              </a:rPr>
+              <a:t> factors impact behavior more than </a:t>
+            </a:r>
+            <a:r>
+              <a:rPr lang="en-US" sz="3200" dirty="0">
+                <a:solidFill>
+                  <a:srgbClr val="00AEE5"/>
+                </a:solidFill>
+                <a:latin typeface="Helvetica" charset="0"/>
+                <a:ea typeface="Helvetica" charset="0"/>
+                <a:cs typeface="Helvetica" charset="0"/>
+              </a:rPr>
+              <a:t>grammatical</a:t>
+            </a:r>
+            <a:r>
+              <a:rPr lang="en-US" sz="3200" dirty="0">
+                <a:latin typeface="Helvetica" charset="0"/>
+                <a:ea typeface="Helvetica" charset="0"/>
+                <a:cs typeface="Helvetica" charset="0"/>
+              </a:rPr>
+              <a:t> factor of scope</a:t>
+            </a:r>
+            <a:endParaRPr lang="en-US" sz="3200" dirty="0">
+              <a:latin typeface="Courier"/>
+              <a:ea typeface="Helvetica" charset="0"/>
+              <a:cs typeface="Helvetica" charset="0"/>
+            </a:endParaRPr>
+          </a:p>
+        </p:txBody>
+      </p:sp>
+      <p:grpSp>
+        <p:nvGrpSpPr>
+          <p:cNvPr id="43" name="Group 42"/>
+          <p:cNvGrpSpPr/>
+          <p:nvPr/>
+        </p:nvGrpSpPr>
+        <p:grpSpPr>
+          <a:xfrm>
+            <a:off x="31314953" y="16288822"/>
+            <a:ext cx="3571528" cy="1520396"/>
+            <a:chOff x="31888931" y="16248248"/>
+            <a:chExt cx="2519216" cy="941747"/>
+          </a:xfrm>
+        </p:grpSpPr>
+        <p:pic>
+          <p:nvPicPr>
+            <p:cNvPr id="158" name="Picture 157">
+              <a:extLst>
+                <a:ext uri="{FF2B5EF4-FFF2-40B4-BE49-F238E27FC236}">
+                  <a16:creationId xmlns:a16="http://schemas.microsoft.com/office/drawing/2014/main" id="{B9E63752-B056-4BC0-993C-71C6A9B35D6B}"/>
+                </a:ext>
+              </a:extLst>
+            </p:cNvPr>
+            <p:cNvPicPr>
+              <a:picLocks noChangeAspect="1"/>
+            </p:cNvPicPr>
+            <p:nvPr/>
+          </p:nvPicPr>
+          <p:blipFill>
+            <a:blip r:embed="rId20" cstate="print"/>
+            <a:stretch>
+              <a:fillRect/>
+            </a:stretch>
+          </p:blipFill>
+          <p:spPr>
+            <a:xfrm>
+              <a:off x="32693305" y="16248248"/>
+              <a:ext cx="846196" cy="886858"/>
+            </a:xfrm>
+            <a:prstGeom prst="rect">
+              <a:avLst/>
+            </a:prstGeom>
+          </p:spPr>
+        </p:pic>
+        <p:pic>
+          <p:nvPicPr>
+            <p:cNvPr id="159" name="Picture 158">
+              <a:extLst>
+                <a:ext uri="{FF2B5EF4-FFF2-40B4-BE49-F238E27FC236}">
+                  <a16:creationId xmlns:a16="http://schemas.microsoft.com/office/drawing/2014/main" id="{B5A7751E-FFB4-4A1A-90AF-5A4CECBA4A43}"/>
+                </a:ext>
+              </a:extLst>
+            </p:cNvPr>
+            <p:cNvPicPr>
+              <a:picLocks noChangeAspect="1"/>
+            </p:cNvPicPr>
+            <p:nvPr/>
+          </p:nvPicPr>
+          <p:blipFill>
+            <a:blip r:embed="rId3" cstate="print"/>
+            <a:stretch>
+              <a:fillRect/>
+            </a:stretch>
+          </p:blipFill>
+          <p:spPr>
+            <a:xfrm>
+              <a:off x="33764337" y="16448046"/>
+              <a:ext cx="643810" cy="675116"/>
+            </a:xfrm>
+            <a:prstGeom prst="rect">
+              <a:avLst/>
+            </a:prstGeom>
+          </p:spPr>
+        </p:pic>
+        <p:pic>
+          <p:nvPicPr>
+            <p:cNvPr id="160" name="Picture 159">
+              <a:extLst>
+                <a:ext uri="{FF2B5EF4-FFF2-40B4-BE49-F238E27FC236}">
+                  <a16:creationId xmlns:a16="http://schemas.microsoft.com/office/drawing/2014/main" id="{73CB8EB3-B019-47EB-B75F-F5F18125590A}"/>
+                </a:ext>
+              </a:extLst>
+            </p:cNvPr>
+            <p:cNvPicPr>
+              <a:picLocks noChangeAspect="1"/>
+            </p:cNvPicPr>
+            <p:nvPr/>
+          </p:nvPicPr>
+          <p:blipFill>
+            <a:blip r:embed="rId3" cstate="print"/>
+            <a:stretch>
+              <a:fillRect/>
+            </a:stretch>
+          </p:blipFill>
+          <p:spPr>
+            <a:xfrm>
+              <a:off x="31888931" y="16514879"/>
+              <a:ext cx="643810" cy="675116"/>
+            </a:xfrm>
+            <a:prstGeom prst="rect">
+              <a:avLst/>
+            </a:prstGeom>
+          </p:spPr>
+        </p:pic>
+      </p:grpSp>
+      <p:sp>
+        <p:nvSpPr>
+          <p:cNvPr id="161" name="TextBox 160">
+            <a:extLst>
+              <a:ext uri="{FF2B5EF4-FFF2-40B4-BE49-F238E27FC236}">
+                <a16:creationId xmlns:a16="http://schemas.microsoft.com/office/drawing/2014/main" id="{B8ABCD8D-7AB3-4BE8-9866-CD5EBA48CAC3}"/>
+              </a:ext>
+            </a:extLst>
+          </p:cNvPr>
+          <p:cNvSpPr txBox="1"/>
+          <p:nvPr/>
+        </p:nvSpPr>
+        <p:spPr>
+          <a:xfrm>
+            <a:off x="30519091" y="18043337"/>
+            <a:ext cx="5048250" cy="1077218"/>
+          </a:xfrm>
+          <a:prstGeom prst="rect">
+            <a:avLst/>
+          </a:prstGeom>
+          <a:noFill/>
+        </p:spPr>
+        <p:txBody>
+          <a:bodyPr wrap="square" rtlCol="0">
+            <a:spAutoFit/>
+          </a:bodyPr>
+          <a:lstStyle/>
+          <a:p>
+            <a:pPr algn="ctr"/>
+            <a:r>
+              <a:rPr lang="en-US" sz="3200" dirty="0">
+                <a:latin typeface="Courier"/>
+                <a:ea typeface="Helvetica" charset="0"/>
+                <a:cs typeface="Helvetica" charset="0"/>
+              </a:rPr>
+              <a:t>two-not</a:t>
+            </a:r>
+          </a:p>
+          <a:p>
+            <a:pPr algn="ctr"/>
+            <a:r>
+              <a:rPr lang="en-US" sz="3200" dirty="0">
+                <a:latin typeface="Helvetica" charset="0"/>
+                <a:ea typeface="Helvetica" charset="0"/>
+                <a:cs typeface="Helvetica" charset="0"/>
+              </a:rPr>
+              <a:t>Adults: </a:t>
+            </a:r>
+            <a:r>
+              <a:rPr lang="en-US" sz="3200" dirty="0">
+                <a:solidFill>
+                  <a:srgbClr val="FF0000"/>
+                </a:solidFill>
+                <a:latin typeface="Helvetica" charset="0"/>
+                <a:ea typeface="Helvetica" charset="0"/>
+                <a:cs typeface="Helvetica" charset="0"/>
+              </a:rPr>
+              <a:t>27.5% </a:t>
+            </a:r>
+            <a:r>
+              <a:rPr lang="en-US" sz="3200" dirty="0">
+                <a:latin typeface="Helvetica" charset="0"/>
+                <a:ea typeface="Helvetica" charset="0"/>
+                <a:cs typeface="Helvetica" charset="0"/>
+              </a:rPr>
+              <a:t>to </a:t>
+            </a:r>
+            <a:r>
+              <a:rPr lang="en-US" sz="3200" dirty="0">
+                <a:solidFill>
+                  <a:srgbClr val="2E34FF"/>
+                </a:solidFill>
+                <a:latin typeface="Helvetica" charset="0"/>
+                <a:ea typeface="Helvetica" charset="0"/>
+                <a:cs typeface="Helvetica" charset="0"/>
+              </a:rPr>
+              <a:t>92.5%</a:t>
+            </a:r>
+          </a:p>
+        </p:txBody>
+      </p:sp>
+      <p:pic>
+        <p:nvPicPr>
+          <p:cNvPr id="37" name="Picture 36">
+            <a:extLst>
+              <a:ext uri="{FF2B5EF4-FFF2-40B4-BE49-F238E27FC236}">
+                <a16:creationId xmlns:a16="http://schemas.microsoft.com/office/drawing/2014/main" id="{7B8CBF04-3631-450C-82E1-6B62E5966AD9}"/>
               </a:ext>
             </a:extLst>
           </p:cNvPr>
@@ -8261,791 +8853,8 @@
         </p:blipFill>
         <p:spPr>
           <a:xfrm>
-            <a:off x="9692253" y="31276669"/>
-            <a:ext cx="1050724" cy="1050724"/>
-          </a:xfrm>
-          <a:prstGeom prst="rect">
-            <a:avLst/>
-          </a:prstGeom>
-        </p:spPr>
-      </p:pic>
-      <p:sp>
-        <p:nvSpPr>
-          <p:cNvPr id="143" name="TextBox 142">
-            <a:extLst>
-              <a:ext uri="{FF2B5EF4-FFF2-40B4-BE49-F238E27FC236}">
-                <a16:creationId xmlns:a16="http://schemas.microsoft.com/office/drawing/2014/main" id="{9300B5EA-6CE7-49CE-A82F-ACECEBFDFA1D}"/>
-              </a:ext>
-            </a:extLst>
-          </p:cNvPr>
-          <p:cNvSpPr txBox="1"/>
-          <p:nvPr/>
-        </p:nvSpPr>
-        <p:spPr>
-          <a:xfrm>
-            <a:off x="15119953" y="4939103"/>
-            <a:ext cx="13504905" cy="1569660"/>
-          </a:xfrm>
-          <a:prstGeom prst="rect">
-            <a:avLst/>
-          </a:prstGeom>
-          <a:noFill/>
-        </p:spPr>
-        <p:txBody>
-          <a:bodyPr wrap="square" rtlCol="0">
-            <a:spAutoFit/>
-          </a:bodyPr>
-          <a:lstStyle/>
-          <a:p>
-            <a:r>
-              <a:rPr lang="en-US" sz="3200" dirty="0">
-                <a:latin typeface="Helvetica" charset="0"/>
-                <a:ea typeface="Courier" charset="0"/>
-                <a:cs typeface="Helvetica" charset="0"/>
-              </a:rPr>
-              <a:t>Adults exhibit </a:t>
-            </a:r>
-            <a:r>
-              <a:rPr lang="en-US" sz="3200" dirty="0">
-                <a:solidFill>
-                  <a:srgbClr val="00B150"/>
-                </a:solidFill>
-                <a:latin typeface="Helvetica" charset="0"/>
-                <a:ea typeface="Courier" charset="0"/>
-                <a:cs typeface="Helvetica" charset="0"/>
-              </a:rPr>
-              <a:t>surface</a:t>
-            </a:r>
-            <a:r>
-              <a:rPr lang="en-US" sz="3200" dirty="0">
-                <a:latin typeface="Helvetica" charset="0"/>
-                <a:ea typeface="Courier" charset="0"/>
-                <a:cs typeface="Helvetica" charset="0"/>
-              </a:rPr>
-              <a:t> scope preference in a situation where both interpretations are true.</a:t>
-            </a:r>
-            <a:endParaRPr lang="en-US" sz="3200" dirty="0">
-              <a:latin typeface="Helvetica" panose="020B0604020202020204" pitchFamily="34" charset="0"/>
-              <a:ea typeface="Courier" charset="0"/>
-              <a:cs typeface="Helvetica" panose="020B0604020202020204" pitchFamily="34" charset="0"/>
-            </a:endParaRPr>
-          </a:p>
-          <a:p>
-            <a:pPr marL="457200" indent="-457200">
-              <a:buFontTx/>
-              <a:buChar char="-"/>
-            </a:pPr>
-            <a:r>
-              <a:rPr lang="en-US" sz="3200" dirty="0">
-                <a:latin typeface="Helvetica" charset="0"/>
-                <a:ea typeface="Helvetica" charset="0"/>
-                <a:cs typeface="Helvetica" charset="0"/>
-              </a:rPr>
-              <a:t>Adults: 75% </a:t>
-            </a:r>
-            <a:r>
-              <a:rPr lang="en-US" sz="3200" dirty="0">
-                <a:solidFill>
-                  <a:srgbClr val="00B150"/>
-                </a:solidFill>
-                <a:latin typeface="Helvetica" charset="0"/>
-                <a:ea typeface="Helvetica" charset="0"/>
-                <a:cs typeface="Helvetica" charset="0"/>
-              </a:rPr>
-              <a:t>surface</a:t>
-            </a:r>
-            <a:r>
-              <a:rPr lang="en-US" sz="3200" dirty="0">
-                <a:latin typeface="Helvetica" charset="0"/>
-                <a:ea typeface="Helvetica" charset="0"/>
-                <a:cs typeface="Helvetica" charset="0"/>
-              </a:rPr>
-              <a:t>, 7.5% </a:t>
-            </a:r>
-            <a:r>
-              <a:rPr lang="en-US" sz="3200" dirty="0">
-                <a:solidFill>
-                  <a:srgbClr val="FF0000"/>
-                </a:solidFill>
-                <a:latin typeface="Helvetica" charset="0"/>
-                <a:ea typeface="Helvetica" charset="0"/>
-                <a:cs typeface="Helvetica" charset="0"/>
-              </a:rPr>
-              <a:t>inverse</a:t>
-            </a:r>
-            <a:r>
-              <a:rPr lang="en-US" sz="3200" dirty="0">
-                <a:latin typeface="Helvetica" charset="0"/>
-                <a:ea typeface="Helvetica" charset="0"/>
-                <a:cs typeface="Helvetica" charset="0"/>
-              </a:rPr>
-              <a:t>, 17.5% unclear from explanations </a:t>
-            </a:r>
-          </a:p>
-        </p:txBody>
-      </p:sp>
-      <p:sp>
-        <p:nvSpPr>
-          <p:cNvPr id="144" name="TextBox 143">
-            <a:extLst>
-              <a:ext uri="{FF2B5EF4-FFF2-40B4-BE49-F238E27FC236}">
-                <a16:creationId xmlns:a16="http://schemas.microsoft.com/office/drawing/2014/main" id="{F80BA16B-BD7B-4EF2-B756-232567957D76}"/>
-              </a:ext>
-            </a:extLst>
-          </p:cNvPr>
-          <p:cNvSpPr txBox="1"/>
-          <p:nvPr/>
-        </p:nvSpPr>
-        <p:spPr>
-          <a:xfrm>
-            <a:off x="15128673" y="6463582"/>
-            <a:ext cx="13504905" cy="1569660"/>
-          </a:xfrm>
-          <a:prstGeom prst="rect">
-            <a:avLst/>
-          </a:prstGeom>
-          <a:noFill/>
-        </p:spPr>
-        <p:txBody>
-          <a:bodyPr wrap="square" rtlCol="0">
-            <a:spAutoFit/>
-          </a:bodyPr>
-          <a:lstStyle/>
-          <a:p>
-            <a:r>
-              <a:rPr lang="en-US" sz="3200" dirty="0">
-                <a:latin typeface="Helvetica" charset="0"/>
-                <a:ea typeface="Courier" charset="0"/>
-                <a:cs typeface="Helvetica" charset="0"/>
-              </a:rPr>
-              <a:t>Adult endorsement rate of </a:t>
-            </a:r>
-            <a:r>
-              <a:rPr lang="en-US" sz="3200" dirty="0">
-                <a:latin typeface="Courier"/>
-                <a:ea typeface="Courier" charset="0"/>
-                <a:cs typeface="Helvetica" charset="0"/>
-              </a:rPr>
-              <a:t>two-not</a:t>
-            </a:r>
-            <a:r>
-              <a:rPr lang="en-US" sz="3200" dirty="0">
-                <a:latin typeface="Helvetica" charset="0"/>
-                <a:ea typeface="Courier" charset="0"/>
-                <a:cs typeface="Helvetica" charset="0"/>
-              </a:rPr>
-              <a:t> in the 1-of-2 and 2-of-4 context</a:t>
-            </a:r>
-          </a:p>
-          <a:p>
-            <a:pPr marL="457200" indent="-457200">
-              <a:buFontTx/>
-              <a:buChar char="-"/>
-            </a:pPr>
-            <a:r>
-              <a:rPr lang="en-US" sz="3200" dirty="0">
-                <a:latin typeface="Helvetica" panose="020B0604020202020204" pitchFamily="34" charset="0"/>
-                <a:ea typeface="Courier" charset="0"/>
-                <a:cs typeface="Helvetica" panose="020B0604020202020204" pitchFamily="34" charset="0"/>
-              </a:rPr>
-              <a:t>1-of-2: 27.5%</a:t>
-            </a:r>
-          </a:p>
-          <a:p>
-            <a:pPr marL="457200" indent="-457200">
-              <a:buFontTx/>
-              <a:buChar char="-"/>
-            </a:pPr>
-            <a:r>
-              <a:rPr lang="en-US" sz="3200" dirty="0">
-                <a:latin typeface="Helvetica" panose="020B0604020202020204" pitchFamily="34" charset="0"/>
-                <a:ea typeface="Courier" charset="0"/>
-                <a:cs typeface="Helvetica" panose="020B0604020202020204" pitchFamily="34" charset="0"/>
-              </a:rPr>
-              <a:t>2-of-4: 100%</a:t>
-            </a:r>
-          </a:p>
-        </p:txBody>
-      </p:sp>
-      <p:sp>
-        <p:nvSpPr>
-          <p:cNvPr id="145" name="TextBox 144">
-            <a:extLst>
-              <a:ext uri="{FF2B5EF4-FFF2-40B4-BE49-F238E27FC236}">
-                <a16:creationId xmlns:a16="http://schemas.microsoft.com/office/drawing/2014/main" id="{3D7796A8-96D9-4BBF-8D01-7E7F8FDE890D}"/>
-              </a:ext>
-            </a:extLst>
-          </p:cNvPr>
-          <p:cNvSpPr txBox="1"/>
-          <p:nvPr/>
-        </p:nvSpPr>
-        <p:spPr>
-          <a:xfrm>
-            <a:off x="15093961" y="7966442"/>
-            <a:ext cx="13504905" cy="2554545"/>
-          </a:xfrm>
-          <a:prstGeom prst="rect">
-            <a:avLst/>
-          </a:prstGeom>
-          <a:noFill/>
-        </p:spPr>
-        <p:txBody>
-          <a:bodyPr wrap="square" rtlCol="0">
-            <a:spAutoFit/>
-          </a:bodyPr>
-          <a:lstStyle/>
-          <a:p>
-            <a:r>
-              <a:rPr lang="en-US" sz="3200" dirty="0">
-                <a:latin typeface="Helvetica" charset="0"/>
-                <a:ea typeface="Courier" charset="0"/>
-                <a:cs typeface="Helvetica" charset="0"/>
-              </a:rPr>
-              <a:t>Adult behavior in TVJT can be impacted as children’s behavior is; with an </a:t>
-            </a:r>
-            <a:r>
-              <a:rPr lang="en-US" sz="3200" b="1" dirty="0">
-                <a:latin typeface="Helvetica" charset="0"/>
-                <a:ea typeface="Courier" charset="0"/>
-                <a:cs typeface="Helvetica" charset="0"/>
-              </a:rPr>
-              <a:t>explicit</a:t>
-            </a:r>
-            <a:r>
-              <a:rPr lang="en-US" sz="3200" dirty="0">
-                <a:latin typeface="Helvetica" charset="0"/>
-                <a:ea typeface="Courier" charset="0"/>
-                <a:cs typeface="Helvetica" charset="0"/>
-              </a:rPr>
-              <a:t> </a:t>
-            </a:r>
-            <a:r>
-              <a:rPr lang="en-US" sz="3200" b="1" dirty="0">
-                <a:latin typeface="Helvetica" charset="0"/>
-                <a:ea typeface="Courier" charset="0"/>
-                <a:cs typeface="Helvetica" charset="0"/>
-              </a:rPr>
-              <a:t>contrast</a:t>
-            </a:r>
-            <a:r>
-              <a:rPr lang="en-US" sz="3200" dirty="0">
-                <a:latin typeface="Helvetica" charset="0"/>
-                <a:ea typeface="Courier" charset="0"/>
-                <a:cs typeface="Helvetica" charset="0"/>
-              </a:rPr>
-              <a:t> clause.</a:t>
-            </a:r>
-          </a:p>
-          <a:p>
-            <a:pPr marL="457200" indent="-457200">
-              <a:buFontTx/>
-              <a:buChar char="-"/>
-            </a:pPr>
-            <a:r>
-              <a:rPr lang="en-US" sz="3200" dirty="0">
-                <a:latin typeface="Helvetica" panose="020B0604020202020204" pitchFamily="34" charset="0"/>
-                <a:ea typeface="Courier" charset="0"/>
-                <a:cs typeface="Helvetica" panose="020B0604020202020204" pitchFamily="34" charset="0"/>
-              </a:rPr>
-              <a:t>“</a:t>
-            </a:r>
-            <a:r>
-              <a:rPr lang="en-US" sz="3200" b="1" dirty="0">
-                <a:latin typeface="Helvetica" panose="020B0604020202020204" pitchFamily="34" charset="0"/>
-                <a:ea typeface="Courier" charset="0"/>
-                <a:cs typeface="Helvetica" panose="020B0604020202020204" pitchFamily="34" charset="0"/>
-              </a:rPr>
-              <a:t>Two frogs jumped over the fence</a:t>
-            </a:r>
-            <a:r>
-              <a:rPr lang="en-US" sz="3200" dirty="0">
-                <a:latin typeface="Helvetica" panose="020B0604020202020204" pitchFamily="34" charset="0"/>
-                <a:ea typeface="Courier" charset="0"/>
-                <a:cs typeface="Helvetica" panose="020B0604020202020204" pitchFamily="34" charset="0"/>
-              </a:rPr>
-              <a:t>, but two frogs didn’t jump over the rock.”</a:t>
-            </a:r>
-          </a:p>
-          <a:p>
-            <a:pPr marL="457200" indent="-457200">
-              <a:buFontTx/>
-              <a:buChar char="-"/>
-            </a:pPr>
-            <a:r>
-              <a:rPr lang="en-US" sz="3200" dirty="0">
-                <a:latin typeface="Helvetica" panose="020B0604020202020204" pitchFamily="34" charset="0"/>
-                <a:ea typeface="Courier" charset="0"/>
-                <a:cs typeface="Helvetica" panose="020B0604020202020204" pitchFamily="34" charset="0"/>
-              </a:rPr>
-              <a:t>Adult endorsement rate: </a:t>
-            </a:r>
-            <a:r>
-              <a:rPr lang="en-US" sz="3200" b="1" dirty="0">
-                <a:latin typeface="Helvetica" panose="020B0604020202020204" pitchFamily="34" charset="0"/>
-                <a:ea typeface="Courier" charset="0"/>
-                <a:cs typeface="Helvetica" panose="020B0604020202020204" pitchFamily="34" charset="0"/>
-              </a:rPr>
-              <a:t>92.5% </a:t>
-            </a:r>
-            <a:r>
-              <a:rPr lang="en-US" sz="3200" dirty="0">
-                <a:latin typeface="Helvetica" panose="020B0604020202020204" pitchFamily="34" charset="0"/>
-                <a:ea typeface="Courier" charset="0"/>
-                <a:cs typeface="Helvetica" panose="020B0604020202020204" pitchFamily="34" charset="0"/>
-              </a:rPr>
-              <a:t>(up from 27.5%)</a:t>
-            </a:r>
-          </a:p>
-        </p:txBody>
-      </p:sp>
-      <p:sp>
-        <p:nvSpPr>
-          <p:cNvPr id="146" name="TextBox 145">
-            <a:extLst>
-              <a:ext uri="{FF2B5EF4-FFF2-40B4-BE49-F238E27FC236}">
-                <a16:creationId xmlns:a16="http://schemas.microsoft.com/office/drawing/2014/main" id="{941ACA53-4D30-41B1-8DC5-BE7BFA228A90}"/>
-              </a:ext>
-            </a:extLst>
-          </p:cNvPr>
-          <p:cNvSpPr txBox="1"/>
-          <p:nvPr/>
-        </p:nvSpPr>
-        <p:spPr>
-          <a:xfrm>
-            <a:off x="15495356" y="10419142"/>
-            <a:ext cx="12664156" cy="738664"/>
-          </a:xfrm>
-          <a:prstGeom prst="rect">
-            <a:avLst/>
-          </a:prstGeom>
-          <a:noFill/>
-        </p:spPr>
-        <p:txBody>
-          <a:bodyPr wrap="square" rtlCol="0">
-            <a:spAutoFit/>
-          </a:bodyPr>
-          <a:lstStyle/>
-          <a:p>
-            <a:pPr algn="ctr"/>
-            <a:r>
-              <a:rPr lang="en-US" sz="4200" b="1" dirty="0">
-                <a:solidFill>
-                  <a:schemeClr val="accent1">
-                    <a:lumMod val="50000"/>
-                  </a:schemeClr>
-                </a:solidFill>
-                <a:latin typeface="Helvetica" charset="0"/>
-                <a:ea typeface="Helvetica" charset="0"/>
-                <a:cs typeface="Helvetica" charset="0"/>
-              </a:rPr>
-              <a:t>Open Questions</a:t>
-            </a:r>
-          </a:p>
-        </p:txBody>
-      </p:sp>
-      <p:sp>
-        <p:nvSpPr>
-          <p:cNvPr id="147" name="TextBox 146">
-            <a:extLst>
-              <a:ext uri="{FF2B5EF4-FFF2-40B4-BE49-F238E27FC236}">
-                <a16:creationId xmlns:a16="http://schemas.microsoft.com/office/drawing/2014/main" id="{8F2D2328-C151-4229-93B3-99683B48B33B}"/>
-              </a:ext>
-            </a:extLst>
-          </p:cNvPr>
-          <p:cNvSpPr txBox="1"/>
-          <p:nvPr/>
-        </p:nvSpPr>
-        <p:spPr>
-          <a:xfrm>
-            <a:off x="15189801" y="11094843"/>
-            <a:ext cx="13504905" cy="3046988"/>
-          </a:xfrm>
-          <a:prstGeom prst="rect">
-            <a:avLst/>
-          </a:prstGeom>
-          <a:noFill/>
-        </p:spPr>
-        <p:txBody>
-          <a:bodyPr wrap="square" rtlCol="0">
-            <a:spAutoFit/>
-          </a:bodyPr>
-          <a:lstStyle/>
-          <a:p>
-            <a:pPr marL="457200" indent="-457200">
-              <a:buFontTx/>
-              <a:buChar char="-"/>
-            </a:pPr>
-            <a:r>
-              <a:rPr lang="en-US" sz="3200" dirty="0">
-                <a:latin typeface="Helvetica" panose="020B0604020202020204" pitchFamily="34" charset="0"/>
-                <a:ea typeface="Courier" charset="0"/>
-                <a:cs typeface="Helvetica" panose="020B0604020202020204" pitchFamily="34" charset="0"/>
-              </a:rPr>
-              <a:t>What causes the asymmetry in adult behavior across the two contexts? Is it just a strong surface scope bias?</a:t>
-            </a:r>
-          </a:p>
-          <a:p>
-            <a:pPr marL="457200" indent="-457200">
-              <a:buFontTx/>
-              <a:buChar char="-"/>
-            </a:pPr>
-            <a:r>
-              <a:rPr lang="en-US" sz="3200" dirty="0">
-                <a:latin typeface="Helvetica" panose="020B0604020202020204" pitchFamily="34" charset="0"/>
-                <a:ea typeface="Courier" charset="0"/>
-                <a:cs typeface="Helvetica" panose="020B0604020202020204" pitchFamily="34" charset="0"/>
-              </a:rPr>
-              <a:t>Why does the explicit contrast clause work for adults with </a:t>
-            </a:r>
-            <a:r>
-              <a:rPr lang="en-US" sz="3200" dirty="0">
-                <a:latin typeface="Courier"/>
-                <a:ea typeface="Courier" charset="0"/>
-                <a:cs typeface="Helvetica" panose="020B0604020202020204" pitchFamily="34" charset="0"/>
-              </a:rPr>
-              <a:t>two-not</a:t>
-            </a:r>
-            <a:r>
-              <a:rPr lang="en-US" sz="3200" dirty="0">
-                <a:latin typeface="Helvetica" panose="020B0604020202020204" pitchFamily="34" charset="0"/>
-                <a:ea typeface="Courier" charset="0"/>
-                <a:cs typeface="Helvetica" panose="020B0604020202020204" pitchFamily="34" charset="0"/>
-              </a:rPr>
-              <a:t>?</a:t>
-            </a:r>
-          </a:p>
-          <a:p>
-            <a:pPr marL="457200" indent="-457200">
-              <a:buFontTx/>
-              <a:buChar char="-"/>
-            </a:pPr>
-            <a:r>
-              <a:rPr lang="en-US" sz="3200" dirty="0">
-                <a:latin typeface="Helvetica" panose="020B0604020202020204" pitchFamily="34" charset="0"/>
-                <a:ea typeface="Courier" charset="0"/>
-                <a:cs typeface="Helvetica" panose="020B0604020202020204" pitchFamily="34" charset="0"/>
-              </a:rPr>
-              <a:t>Can the same mechanistic account be given for children with </a:t>
-            </a:r>
-            <a:r>
-              <a:rPr lang="en-US" sz="3200" dirty="0">
-                <a:latin typeface="Courier"/>
-                <a:ea typeface="Courier" charset="0"/>
-                <a:cs typeface="Helvetica" panose="020B0604020202020204" pitchFamily="34" charset="0"/>
-              </a:rPr>
-              <a:t>every-not</a:t>
-            </a:r>
-            <a:r>
-              <a:rPr lang="en-US" sz="3200" dirty="0">
-                <a:latin typeface="Helvetica" panose="020B0604020202020204" pitchFamily="34" charset="0"/>
-                <a:ea typeface="Courier" charset="0"/>
-                <a:cs typeface="Helvetica" panose="020B0604020202020204" pitchFamily="34" charset="0"/>
-              </a:rPr>
-              <a:t> and adults with </a:t>
-            </a:r>
-            <a:r>
-              <a:rPr lang="en-US" sz="3200" dirty="0">
-                <a:latin typeface="Courier"/>
-                <a:ea typeface="Courier" charset="0"/>
-                <a:cs typeface="Helvetica" panose="020B0604020202020204" pitchFamily="34" charset="0"/>
-              </a:rPr>
-              <a:t>two-not</a:t>
-            </a:r>
-            <a:r>
-              <a:rPr lang="en-US" sz="3200" dirty="0">
-                <a:latin typeface="Helvetica" panose="020B0604020202020204" pitchFamily="34" charset="0"/>
-                <a:ea typeface="Courier" charset="0"/>
-                <a:cs typeface="Helvetica" panose="020B0604020202020204" pitchFamily="34" charset="0"/>
-              </a:rPr>
-              <a:t>?</a:t>
-            </a:r>
-          </a:p>
-          <a:p>
-            <a:pPr marL="457200" indent="-457200">
-              <a:buFontTx/>
-              <a:buChar char="-"/>
-            </a:pPr>
-            <a:endParaRPr lang="en-US" sz="3200" dirty="0">
-              <a:latin typeface="Helvetica" panose="020B0604020202020204" pitchFamily="34" charset="0"/>
-              <a:ea typeface="Courier" charset="0"/>
-              <a:cs typeface="Helvetica" panose="020B0604020202020204" pitchFamily="34" charset="0"/>
-            </a:endParaRPr>
-          </a:p>
-        </p:txBody>
-      </p:sp>
-      <p:sp>
-        <p:nvSpPr>
-          <p:cNvPr id="148" name="TextBox 147">
-            <a:extLst>
-              <a:ext uri="{FF2B5EF4-FFF2-40B4-BE49-F238E27FC236}">
-                <a16:creationId xmlns:a16="http://schemas.microsoft.com/office/drawing/2014/main" id="{B3B34038-9853-4593-A8AA-B454BADC5ABD}"/>
-              </a:ext>
-            </a:extLst>
-          </p:cNvPr>
-          <p:cNvSpPr txBox="1"/>
-          <p:nvPr/>
-        </p:nvSpPr>
-        <p:spPr>
-          <a:xfrm>
-            <a:off x="15195630" y="14037524"/>
-            <a:ext cx="13504905" cy="2554545"/>
-          </a:xfrm>
-          <a:prstGeom prst="rect">
-            <a:avLst/>
-          </a:prstGeom>
-          <a:noFill/>
-        </p:spPr>
-        <p:txBody>
-          <a:bodyPr wrap="square" rtlCol="0">
-            <a:spAutoFit/>
-          </a:bodyPr>
-          <a:lstStyle/>
-          <a:p>
-            <a:pPr marL="457200" indent="-457200">
-              <a:buFontTx/>
-              <a:buChar char="-"/>
-            </a:pPr>
-            <a:r>
-              <a:rPr lang="en-US" sz="3200" dirty="0">
-                <a:latin typeface="Helvetica" panose="020B0604020202020204" pitchFamily="34" charset="0"/>
-                <a:ea typeface="Courier" charset="0"/>
-                <a:cs typeface="Helvetica" panose="020B0604020202020204" pitchFamily="34" charset="0"/>
-              </a:rPr>
-              <a:t>Extend model from Savinelli et. al. (2017) to investigate the developmental continuity hypothesis.</a:t>
-            </a:r>
-          </a:p>
-          <a:p>
-            <a:pPr marL="457200" indent="-457200">
-              <a:buFontTx/>
-              <a:buChar char="-"/>
-            </a:pPr>
-            <a:r>
-              <a:rPr lang="en-US" sz="3200" dirty="0">
-                <a:latin typeface="Helvetica" panose="020B0604020202020204" pitchFamily="34" charset="0"/>
-                <a:ea typeface="Courier" charset="0"/>
-                <a:cs typeface="Helvetica" panose="020B0604020202020204" pitchFamily="34" charset="0"/>
-              </a:rPr>
-              <a:t>If the same model can account for children’s behavior in every-not and adult behavior in two-not, then we have compelling empirical evidence from computational modeling of developmental continuity.</a:t>
-            </a:r>
-          </a:p>
-        </p:txBody>
-      </p:sp>
-      <p:pic>
-        <p:nvPicPr>
-          <p:cNvPr id="21" name="Picture 20">
-            <a:extLst>
-              <a:ext uri="{FF2B5EF4-FFF2-40B4-BE49-F238E27FC236}">
-                <a16:creationId xmlns:a16="http://schemas.microsoft.com/office/drawing/2014/main" id="{D32CA0A8-D98E-4213-92C4-317E441206BD}"/>
-              </a:ext>
-            </a:extLst>
-          </p:cNvPr>
-          <p:cNvPicPr>
-            <a:picLocks noChangeAspect="1"/>
-          </p:cNvPicPr>
-          <p:nvPr/>
-        </p:nvPicPr>
-        <p:blipFill>
-          <a:blip r:embed="rId24">
-            <a:extLst>
-              <a:ext uri="{28A0092B-C50C-407E-A947-70E740481C1C}">
-                <a14:useLocalDpi xmlns:a14="http://schemas.microsoft.com/office/drawing/2010/main" val="0"/>
-              </a:ext>
-            </a:extLst>
-          </a:blip>
-          <a:stretch>
-            <a:fillRect/>
-          </a:stretch>
-        </p:blipFill>
-        <p:spPr>
-          <a:xfrm>
-            <a:off x="15261370" y="21140964"/>
-            <a:ext cx="5365614" cy="5127395"/>
-          </a:xfrm>
-          <a:prstGeom prst="rect">
-            <a:avLst/>
-          </a:prstGeom>
-        </p:spPr>
-      </p:pic>
-      <p:pic>
-        <p:nvPicPr>
-          <p:cNvPr id="24" name="Picture 23">
-            <a:extLst>
-              <a:ext uri="{FF2B5EF4-FFF2-40B4-BE49-F238E27FC236}">
-                <a16:creationId xmlns:a16="http://schemas.microsoft.com/office/drawing/2014/main" id="{3974D2D4-2650-47DF-9AA0-8C49A7307C50}"/>
-              </a:ext>
-            </a:extLst>
-          </p:cNvPr>
-          <p:cNvPicPr>
-            <a:picLocks noChangeAspect="1"/>
-          </p:cNvPicPr>
-          <p:nvPr/>
-        </p:nvPicPr>
-        <p:blipFill>
-          <a:blip r:embed="rId25">
-            <a:extLst>
-              <a:ext uri="{28A0092B-C50C-407E-A947-70E740481C1C}">
-                <a14:useLocalDpi xmlns:a14="http://schemas.microsoft.com/office/drawing/2010/main" val="0"/>
-              </a:ext>
-            </a:extLst>
-          </a:blip>
-          <a:stretch>
-            <a:fillRect/>
-          </a:stretch>
-        </p:blipFill>
-        <p:spPr>
-          <a:xfrm>
-            <a:off x="22028774" y="20760364"/>
-            <a:ext cx="4823887" cy="2399575"/>
-          </a:xfrm>
-          <a:prstGeom prst="rect">
-            <a:avLst/>
-          </a:prstGeom>
-        </p:spPr>
-      </p:pic>
-      <p:pic>
-        <p:nvPicPr>
-          <p:cNvPr id="149" name="Picture 148">
-            <a:extLst>
-              <a:ext uri="{FF2B5EF4-FFF2-40B4-BE49-F238E27FC236}">
-                <a16:creationId xmlns:a16="http://schemas.microsoft.com/office/drawing/2014/main" id="{B3EE7110-856B-46D6-9CFB-8482D7DDC650}"/>
-              </a:ext>
-            </a:extLst>
-          </p:cNvPr>
-          <p:cNvPicPr>
-            <a:picLocks noChangeAspect="1"/>
-          </p:cNvPicPr>
-          <p:nvPr/>
-        </p:nvPicPr>
-        <p:blipFill>
-          <a:blip r:embed="rId22" cstate="print"/>
-          <a:stretch>
-            <a:fillRect/>
-          </a:stretch>
-        </p:blipFill>
-        <p:spPr>
-          <a:xfrm>
-            <a:off x="30156465" y="6693523"/>
-            <a:ext cx="310167" cy="348757"/>
-          </a:xfrm>
-          <a:prstGeom prst="rect">
-            <a:avLst/>
-          </a:prstGeom>
-        </p:spPr>
-      </p:pic>
-      <p:pic>
-        <p:nvPicPr>
-          <p:cNvPr id="150" name="Picture 149">
-            <a:extLst>
-              <a:ext uri="{FF2B5EF4-FFF2-40B4-BE49-F238E27FC236}">
-                <a16:creationId xmlns:a16="http://schemas.microsoft.com/office/drawing/2014/main" id="{79BB3D35-4FF9-4E86-923C-8AD58EA57CDE}"/>
-              </a:ext>
-            </a:extLst>
-          </p:cNvPr>
-          <p:cNvPicPr>
-            <a:picLocks noChangeAspect="1"/>
-          </p:cNvPicPr>
-          <p:nvPr/>
-        </p:nvPicPr>
-        <p:blipFill>
-          <a:blip r:embed="rId19" cstate="print"/>
-          <a:stretch>
-            <a:fillRect/>
-          </a:stretch>
-        </p:blipFill>
-        <p:spPr>
-          <a:xfrm>
-            <a:off x="32026310" y="6689596"/>
-            <a:ext cx="311551" cy="348757"/>
-          </a:xfrm>
-          <a:prstGeom prst="rect">
-            <a:avLst/>
-          </a:prstGeom>
-        </p:spPr>
-      </p:pic>
-      <p:pic>
-        <p:nvPicPr>
-          <p:cNvPr id="151" name="Picture 150">
-            <a:extLst>
-              <a:ext uri="{FF2B5EF4-FFF2-40B4-BE49-F238E27FC236}">
-                <a16:creationId xmlns:a16="http://schemas.microsoft.com/office/drawing/2014/main" id="{6318BF93-B199-4672-99FE-687EB4DA3877}"/>
-              </a:ext>
-            </a:extLst>
-          </p:cNvPr>
-          <p:cNvPicPr>
-            <a:picLocks noChangeAspect="1"/>
-          </p:cNvPicPr>
-          <p:nvPr/>
-        </p:nvPicPr>
-        <p:blipFill>
-          <a:blip r:embed="rId23" cstate="print"/>
-          <a:stretch>
-            <a:fillRect/>
-          </a:stretch>
-        </p:blipFill>
-        <p:spPr>
-          <a:xfrm>
-            <a:off x="30789149" y="7286134"/>
-            <a:ext cx="846196" cy="886858"/>
-          </a:xfrm>
-          <a:prstGeom prst="rect">
-            <a:avLst/>
-          </a:prstGeom>
-        </p:spPr>
-      </p:pic>
-      <p:pic>
-        <p:nvPicPr>
-          <p:cNvPr id="152" name="Picture 151">
-            <a:extLst>
-              <a:ext uri="{FF2B5EF4-FFF2-40B4-BE49-F238E27FC236}">
-                <a16:creationId xmlns:a16="http://schemas.microsoft.com/office/drawing/2014/main" id="{5C8A2725-7DC1-4704-A999-B3F3F2573962}"/>
-              </a:ext>
-            </a:extLst>
-          </p:cNvPr>
-          <p:cNvPicPr>
-            <a:picLocks noChangeAspect="1"/>
-          </p:cNvPicPr>
-          <p:nvPr/>
-        </p:nvPicPr>
-        <p:blipFill>
-          <a:blip r:embed="rId3" cstate="print"/>
-          <a:stretch>
-            <a:fillRect/>
-          </a:stretch>
-        </p:blipFill>
-        <p:spPr>
-          <a:xfrm>
-            <a:off x="31860181" y="7485932"/>
-            <a:ext cx="643810" cy="675116"/>
-          </a:xfrm>
-          <a:prstGeom prst="rect">
-            <a:avLst/>
-          </a:prstGeom>
-        </p:spPr>
-      </p:pic>
-      <p:pic>
-        <p:nvPicPr>
-          <p:cNvPr id="153" name="Picture 152">
-            <a:extLst>
-              <a:ext uri="{FF2B5EF4-FFF2-40B4-BE49-F238E27FC236}">
-                <a16:creationId xmlns:a16="http://schemas.microsoft.com/office/drawing/2014/main" id="{FB1F7ADD-415F-4E7C-AEE4-898218AE25D2}"/>
-              </a:ext>
-            </a:extLst>
-          </p:cNvPr>
-          <p:cNvPicPr>
-            <a:picLocks noChangeAspect="1"/>
-          </p:cNvPicPr>
-          <p:nvPr/>
-        </p:nvPicPr>
-        <p:blipFill>
-          <a:blip r:embed="rId3" cstate="print"/>
-          <a:stretch>
-            <a:fillRect/>
-          </a:stretch>
-        </p:blipFill>
-        <p:spPr>
-          <a:xfrm>
-            <a:off x="29984775" y="7552765"/>
-            <a:ext cx="643810" cy="675116"/>
+            <a:off x="33337965" y="7105222"/>
+            <a:ext cx="10544175" cy="2981325"/>
           </a:xfrm>
           <a:prstGeom prst="rect">
             <a:avLst/>
@@ -9066,8 +8875,8 @@
         </p:nvSpPr>
         <p:spPr>
           <a:xfrm>
-            <a:off x="29580623" y="8261852"/>
-            <a:ext cx="3251807" cy="1077218"/>
+            <a:off x="29084355" y="8575008"/>
+            <a:ext cx="4533701" cy="1569660"/>
           </a:xfrm>
           <a:prstGeom prst="rect">
             <a:avLst/>
@@ -9080,271 +8889,58 @@
           </a:bodyPr>
           <a:lstStyle/>
           <a:p>
+            <a:pPr algn="ctr"/>
             <a:r>
               <a:rPr lang="en-US" sz="3200" dirty="0">
                 <a:latin typeface="Courier"/>
                 <a:ea typeface="Helvetica" charset="0"/>
                 <a:cs typeface="Helvetica" charset="0"/>
               </a:rPr>
-              <a:t>Two-not</a:t>
-            </a:r>
-          </a:p>
-          <a:p>
-            <a:r>
-              <a:rPr lang="en-US" sz="3200" dirty="0">
-                <a:latin typeface="Helvetica" charset="0"/>
-                <a:ea typeface="Helvetica" charset="0"/>
-                <a:cs typeface="Helvetica" charset="0"/>
-              </a:rPr>
-              <a:t>Adults: 27.5%</a:t>
-            </a:r>
-          </a:p>
-        </p:txBody>
-      </p:sp>
-      <p:sp>
-        <p:nvSpPr>
-          <p:cNvPr id="155" name="TextBox 154">
-            <a:extLst>
-              <a:ext uri="{FF2B5EF4-FFF2-40B4-BE49-F238E27FC236}">
-                <a16:creationId xmlns:a16="http://schemas.microsoft.com/office/drawing/2014/main" id="{7C150472-22E3-4FF3-872F-B098DA9BF120}"/>
-              </a:ext>
-            </a:extLst>
-          </p:cNvPr>
-          <p:cNvSpPr txBox="1"/>
-          <p:nvPr/>
-        </p:nvSpPr>
-        <p:spPr>
-          <a:xfrm>
-            <a:off x="29470049" y="10488081"/>
-            <a:ext cx="14263707" cy="584775"/>
-          </a:xfrm>
-          <a:prstGeom prst="rect">
-            <a:avLst/>
-          </a:prstGeom>
-          <a:noFill/>
-        </p:spPr>
-        <p:txBody>
-          <a:bodyPr wrap="square" rtlCol="0">
-            <a:spAutoFit/>
-          </a:bodyPr>
-          <a:lstStyle/>
-          <a:p>
-            <a:r>
-              <a:rPr lang="en-US" sz="3200" dirty="0">
-                <a:latin typeface="Helvetica" charset="0"/>
-                <a:ea typeface="Helvetica" charset="0"/>
-                <a:cs typeface="Helvetica" charset="0"/>
-              </a:rPr>
-              <a:t>Replicates previous work modeling children’s behavior with </a:t>
-            </a:r>
-            <a:r>
-              <a:rPr lang="en-US" sz="3200" dirty="0">
-                <a:latin typeface="Courier"/>
-                <a:ea typeface="Helvetica" charset="0"/>
-                <a:cs typeface="Helvetica" charset="0"/>
-              </a:rPr>
-              <a:t>every-not</a:t>
-            </a:r>
-          </a:p>
-        </p:txBody>
-      </p:sp>
-      <p:pic>
-        <p:nvPicPr>
-          <p:cNvPr id="156" name="Picture 155">
-            <a:extLst>
-              <a:ext uri="{FF2B5EF4-FFF2-40B4-BE49-F238E27FC236}">
-                <a16:creationId xmlns:a16="http://schemas.microsoft.com/office/drawing/2014/main" id="{D0537AEA-9B42-407A-824E-FFBD9B10FDE9}"/>
-              </a:ext>
-            </a:extLst>
-          </p:cNvPr>
-          <p:cNvPicPr>
-            <a:picLocks noChangeAspect="1"/>
-          </p:cNvPicPr>
-          <p:nvPr/>
-        </p:nvPicPr>
-        <p:blipFill>
-          <a:blip r:embed="rId22" cstate="print"/>
-          <a:stretch>
-            <a:fillRect/>
-          </a:stretch>
-        </p:blipFill>
-        <p:spPr>
-          <a:xfrm>
-            <a:off x="32296254" y="14387065"/>
-            <a:ext cx="310167" cy="348757"/>
-          </a:xfrm>
-          <a:prstGeom prst="rect">
-            <a:avLst/>
-          </a:prstGeom>
-        </p:spPr>
-      </p:pic>
-      <p:pic>
-        <p:nvPicPr>
-          <p:cNvPr id="157" name="Picture 156">
-            <a:extLst>
-              <a:ext uri="{FF2B5EF4-FFF2-40B4-BE49-F238E27FC236}">
-                <a16:creationId xmlns:a16="http://schemas.microsoft.com/office/drawing/2014/main" id="{BCAAE46D-ABE3-49E7-BC35-507A048C1266}"/>
-              </a:ext>
-            </a:extLst>
-          </p:cNvPr>
-          <p:cNvPicPr>
-            <a:picLocks noChangeAspect="1"/>
-          </p:cNvPicPr>
-          <p:nvPr/>
-        </p:nvPicPr>
-        <p:blipFill>
-          <a:blip r:embed="rId19" cstate="print"/>
-          <a:stretch>
-            <a:fillRect/>
-          </a:stretch>
-        </p:blipFill>
-        <p:spPr>
-          <a:xfrm>
-            <a:off x="34166099" y="14383138"/>
-            <a:ext cx="311551" cy="348757"/>
-          </a:xfrm>
-          <a:prstGeom prst="rect">
-            <a:avLst/>
-          </a:prstGeom>
-        </p:spPr>
-      </p:pic>
-      <p:pic>
-        <p:nvPicPr>
-          <p:cNvPr id="158" name="Picture 157">
-            <a:extLst>
-              <a:ext uri="{FF2B5EF4-FFF2-40B4-BE49-F238E27FC236}">
-                <a16:creationId xmlns:a16="http://schemas.microsoft.com/office/drawing/2014/main" id="{B9E63752-B056-4BC0-993C-71C6A9B35D6B}"/>
-              </a:ext>
-            </a:extLst>
-          </p:cNvPr>
-          <p:cNvPicPr>
-            <a:picLocks noChangeAspect="1"/>
-          </p:cNvPicPr>
-          <p:nvPr/>
-        </p:nvPicPr>
-        <p:blipFill>
-          <a:blip r:embed="rId23" cstate="print"/>
-          <a:stretch>
-            <a:fillRect/>
-          </a:stretch>
-        </p:blipFill>
-        <p:spPr>
-          <a:xfrm>
-            <a:off x="32928938" y="14979676"/>
-            <a:ext cx="846196" cy="886858"/>
-          </a:xfrm>
-          <a:prstGeom prst="rect">
-            <a:avLst/>
-          </a:prstGeom>
-        </p:spPr>
-      </p:pic>
-      <p:pic>
-        <p:nvPicPr>
-          <p:cNvPr id="159" name="Picture 158">
-            <a:extLst>
-              <a:ext uri="{FF2B5EF4-FFF2-40B4-BE49-F238E27FC236}">
-                <a16:creationId xmlns:a16="http://schemas.microsoft.com/office/drawing/2014/main" id="{B5A7751E-FFB4-4A1A-90AF-5A4CECBA4A43}"/>
-              </a:ext>
-            </a:extLst>
-          </p:cNvPr>
-          <p:cNvPicPr>
-            <a:picLocks noChangeAspect="1"/>
-          </p:cNvPicPr>
-          <p:nvPr/>
-        </p:nvPicPr>
-        <p:blipFill>
-          <a:blip r:embed="rId3" cstate="print"/>
-          <a:stretch>
-            <a:fillRect/>
-          </a:stretch>
-        </p:blipFill>
-        <p:spPr>
-          <a:xfrm>
-            <a:off x="33999970" y="15179474"/>
-            <a:ext cx="643810" cy="675116"/>
-          </a:xfrm>
-          <a:prstGeom prst="rect">
-            <a:avLst/>
-          </a:prstGeom>
-        </p:spPr>
-      </p:pic>
-      <p:pic>
-        <p:nvPicPr>
-          <p:cNvPr id="160" name="Picture 159">
-            <a:extLst>
-              <a:ext uri="{FF2B5EF4-FFF2-40B4-BE49-F238E27FC236}">
-                <a16:creationId xmlns:a16="http://schemas.microsoft.com/office/drawing/2014/main" id="{73CB8EB3-B019-47EB-B75F-F5F18125590A}"/>
-              </a:ext>
-            </a:extLst>
-          </p:cNvPr>
-          <p:cNvPicPr>
-            <a:picLocks noChangeAspect="1"/>
-          </p:cNvPicPr>
-          <p:nvPr/>
-        </p:nvPicPr>
-        <p:blipFill>
-          <a:blip r:embed="rId3" cstate="print"/>
-          <a:stretch>
-            <a:fillRect/>
-          </a:stretch>
-        </p:blipFill>
-        <p:spPr>
-          <a:xfrm>
-            <a:off x="32124564" y="15246307"/>
-            <a:ext cx="643810" cy="675116"/>
-          </a:xfrm>
-          <a:prstGeom prst="rect">
-            <a:avLst/>
-          </a:prstGeom>
-        </p:spPr>
-      </p:pic>
-      <p:sp>
-        <p:nvSpPr>
-          <p:cNvPr id="161" name="TextBox 160">
-            <a:extLst>
-              <a:ext uri="{FF2B5EF4-FFF2-40B4-BE49-F238E27FC236}">
-                <a16:creationId xmlns:a16="http://schemas.microsoft.com/office/drawing/2014/main" id="{B8ABCD8D-7AB3-4BE8-9866-CD5EBA48CAC3}"/>
-              </a:ext>
-            </a:extLst>
-          </p:cNvPr>
-          <p:cNvSpPr txBox="1"/>
-          <p:nvPr/>
-        </p:nvSpPr>
-        <p:spPr>
-          <a:xfrm>
-            <a:off x="30993433" y="16172611"/>
-            <a:ext cx="4717206" cy="1077218"/>
-          </a:xfrm>
-          <a:prstGeom prst="rect">
-            <a:avLst/>
-          </a:prstGeom>
-          <a:noFill/>
-        </p:spPr>
-        <p:txBody>
-          <a:bodyPr wrap="square" rtlCol="0">
-            <a:spAutoFit/>
-          </a:bodyPr>
-          <a:lstStyle/>
+              <a:t>two-not</a:t>
+            </a:r>
+          </a:p>
           <a:p>
             <a:pPr algn="ctr"/>
             <a:r>
               <a:rPr lang="en-US" sz="3200" dirty="0">
-                <a:latin typeface="Courier"/>
-                <a:ea typeface="Helvetica" charset="0"/>
-                <a:cs typeface="Helvetica" charset="0"/>
-              </a:rPr>
-              <a:t>Two-not</a:t>
+                <a:latin typeface="Helvetica" charset="0"/>
+                <a:ea typeface="Helvetica" charset="0"/>
+                <a:cs typeface="Helvetica" charset="0"/>
+              </a:rPr>
+              <a:t>Adults: </a:t>
             </a:r>
           </a:p>
           <a:p>
             <a:pPr algn="ctr"/>
             <a:r>
               <a:rPr lang="en-US" sz="3200" dirty="0">
-                <a:latin typeface="Helvetica" charset="0"/>
-                <a:ea typeface="Helvetica" charset="0"/>
-                <a:cs typeface="Helvetica" charset="0"/>
-              </a:rPr>
-              <a:t>Adults: 27.5% to 92.5%</a:t>
+                <a:solidFill>
+                  <a:srgbClr val="FF0000"/>
+                </a:solidFill>
+                <a:latin typeface="Helvetica" charset="0"/>
+                <a:ea typeface="Helvetica" charset="0"/>
+                <a:cs typeface="Helvetica" charset="0"/>
+              </a:rPr>
+              <a:t>27.5% </a:t>
+            </a:r>
+            <a:r>
+              <a:rPr lang="en-US" sz="3200" dirty="0">
+                <a:latin typeface="Helvetica" charset="0"/>
+                <a:ea typeface="Helvetica" charset="0"/>
+                <a:cs typeface="Helvetica" charset="0"/>
+              </a:rPr>
+              <a:t>to </a:t>
+            </a:r>
+            <a:r>
+              <a:rPr lang="en-US" sz="3200" dirty="0">
+                <a:solidFill>
+                  <a:srgbClr val="00B150"/>
+                </a:solidFill>
+                <a:latin typeface="Helvetica" charset="0"/>
+                <a:ea typeface="Helvetica" charset="0"/>
+                <a:cs typeface="Helvetica" charset="0"/>
+              </a:rPr>
+              <a:t>92.5%</a:t>
             </a:r>
           </a:p>
         </p:txBody>
@@ -9363,8 +8959,8 @@
         </p:nvSpPr>
         <p:spPr>
           <a:xfrm>
-            <a:off x="29339369" y="6524470"/>
-            <a:ext cx="14263707" cy="2965940"/>
+            <a:off x="29399341" y="7126625"/>
+            <a:ext cx="14353245" cy="2965940"/>
           </a:xfrm>
           <a:prstGeom prst="rect">
             <a:avLst/>
@@ -9419,7 +9015,7 @@
         </p:nvSpPr>
         <p:spPr>
           <a:xfrm>
-            <a:off x="30721577" y="11060389"/>
+            <a:off x="30485944" y="12841907"/>
             <a:ext cx="5116471" cy="6452676"/>
           </a:xfrm>
           <a:prstGeom prst="rect">
@@ -9475,8 +9071,8 @@
         </p:nvSpPr>
         <p:spPr>
           <a:xfrm>
-            <a:off x="33344873" y="11148972"/>
-            <a:ext cx="780356" cy="2821563"/>
+            <a:off x="33109240" y="13019699"/>
+            <a:ext cx="1050292" cy="2605892"/>
           </a:xfrm>
           <a:prstGeom prst="ellipse">
             <a:avLst/>
@@ -9484,7 +9080,9 @@
           <a:noFill/>
           <a:ln w="25400">
             <a:solidFill>
-              <a:schemeClr val="tx1"/>
+              <a:schemeClr val="accent6">
+                <a:lumMod val="75000"/>
+              </a:schemeClr>
             </a:solidFill>
             <a:prstDash val="dashDot"/>
           </a:ln>
@@ -9529,15 +9127,15 @@
           <p:nvPr/>
         </p:nvPicPr>
         <p:blipFill>
-          <a:blip r:embed="rId22" cstate="print"/>
+          <a:blip r:embed="rId19" cstate="print"/>
           <a:stretch>
             <a:fillRect/>
           </a:stretch>
         </p:blipFill>
         <p:spPr>
           <a:xfrm>
-            <a:off x="38828586" y="14471702"/>
-            <a:ext cx="310167" cy="348757"/>
+            <a:off x="37574560" y="16130680"/>
+            <a:ext cx="504756" cy="567558"/>
           </a:xfrm>
           <a:prstGeom prst="rect">
             <a:avLst/>
@@ -9559,15 +9157,15 @@
           <p:nvPr/>
         </p:nvPicPr>
         <p:blipFill>
-          <a:blip r:embed="rId19" cstate="print"/>
+          <a:blip r:embed="rId16" cstate="print"/>
           <a:stretch>
             <a:fillRect/>
           </a:stretch>
         </p:blipFill>
         <p:spPr>
           <a:xfrm>
-            <a:off x="40698431" y="14467775"/>
-            <a:ext cx="311551" cy="348757"/>
+            <a:off x="41236873" y="16130680"/>
+            <a:ext cx="438251" cy="490588"/>
           </a:xfrm>
           <a:prstGeom prst="rect">
             <a:avLst/>
@@ -9589,15 +9187,15 @@
           <p:nvPr/>
         </p:nvPicPr>
         <p:blipFill>
-          <a:blip r:embed="rId23" cstate="print"/>
+          <a:blip r:embed="rId20" cstate="print"/>
           <a:stretch>
             <a:fillRect/>
           </a:stretch>
         </p:blipFill>
         <p:spPr>
           <a:xfrm>
-            <a:off x="39461270" y="15064313"/>
-            <a:ext cx="846196" cy="886858"/>
+            <a:off x="38934559" y="16641551"/>
+            <a:ext cx="1100271" cy="1153141"/>
           </a:xfrm>
           <a:prstGeom prst="rect">
             <a:avLst/>
@@ -9626,107 +9224,14 @@
         </p:blipFill>
         <p:spPr>
           <a:xfrm>
-            <a:off x="40532302" y="15264111"/>
-            <a:ext cx="643810" cy="675116"/>
+            <a:off x="40888807" y="17225640"/>
+            <a:ext cx="979576" cy="1027209"/>
           </a:xfrm>
           <a:prstGeom prst="rect">
             <a:avLst/>
           </a:prstGeom>
         </p:spPr>
       </p:pic>
-      <p:pic>
-        <p:nvPicPr>
-          <p:cNvPr id="170" name="Picture 169">
-            <a:extLst>
-              <a:ext uri="{FF2B5EF4-FFF2-40B4-BE49-F238E27FC236}">
-                <a16:creationId xmlns:a16="http://schemas.microsoft.com/office/drawing/2014/main" id="{D28FA07B-9AC6-46CD-981F-8856F560F2EA}"/>
-              </a:ext>
-            </a:extLst>
-          </p:cNvPr>
-          <p:cNvPicPr>
-            <a:picLocks noChangeAspect="1"/>
-          </p:cNvPicPr>
-          <p:nvPr/>
-        </p:nvPicPr>
-        <p:blipFill>
-          <a:blip r:embed="rId3" cstate="print"/>
-          <a:stretch>
-            <a:fillRect/>
-          </a:stretch>
-        </p:blipFill>
-        <p:spPr>
-          <a:xfrm>
-            <a:off x="38254709" y="15206526"/>
-            <a:ext cx="643810" cy="675116"/>
-          </a:xfrm>
-          <a:prstGeom prst="rect">
-            <a:avLst/>
-          </a:prstGeom>
-        </p:spPr>
-      </p:pic>
-      <p:sp>
-        <p:nvSpPr>
-          <p:cNvPr id="171" name="TextBox 170">
-            <a:extLst>
-              <a:ext uri="{FF2B5EF4-FFF2-40B4-BE49-F238E27FC236}">
-                <a16:creationId xmlns:a16="http://schemas.microsoft.com/office/drawing/2014/main" id="{4D842B8C-6737-41AC-894B-956EC0541B29}"/>
-              </a:ext>
-            </a:extLst>
-          </p:cNvPr>
-          <p:cNvSpPr txBox="1"/>
-          <p:nvPr/>
-        </p:nvSpPr>
-        <p:spPr>
-          <a:xfrm>
-            <a:off x="38254709" y="16124347"/>
-            <a:ext cx="3155224" cy="1569660"/>
-          </a:xfrm>
-          <a:prstGeom prst="rect">
-            <a:avLst/>
-          </a:prstGeom>
-          <a:noFill/>
-        </p:spPr>
-        <p:txBody>
-          <a:bodyPr wrap="square" rtlCol="0">
-            <a:spAutoFit/>
-          </a:bodyPr>
-          <a:lstStyle/>
-          <a:p>
-            <a:pPr algn="ctr"/>
-            <a:r>
-              <a:rPr lang="en-US" sz="3200" dirty="0">
-                <a:latin typeface="Courier"/>
-                <a:ea typeface="Helvetica" charset="0"/>
-                <a:cs typeface="Helvetica" charset="0"/>
-              </a:rPr>
-              <a:t>Two-not</a:t>
-            </a:r>
-            <a:endParaRPr lang="en-US" sz="3200" dirty="0">
-              <a:latin typeface="Helvetica" panose="020B0604020202020204" pitchFamily="34" charset="0"/>
-              <a:ea typeface="Helvetica" charset="0"/>
-              <a:cs typeface="Helvetica" panose="020B0604020202020204" pitchFamily="34" charset="0"/>
-            </a:endParaRPr>
-          </a:p>
-          <a:p>
-            <a:pPr algn="ctr"/>
-            <a:r>
-              <a:rPr lang="en-US" sz="3200" dirty="0">
-                <a:latin typeface="Helvetica" panose="020B0604020202020204" pitchFamily="34" charset="0"/>
-                <a:ea typeface="Helvetica" charset="0"/>
-                <a:cs typeface="Helvetica" panose="020B0604020202020204" pitchFamily="34" charset="0"/>
-              </a:rPr>
-              <a:t>Adults: 100%</a:t>
-            </a:r>
-          </a:p>
-          <a:p>
-            <a:endParaRPr lang="en-US" sz="3200" dirty="0">
-              <a:latin typeface="Helvetica" panose="020B0604020202020204" pitchFamily="34" charset="0"/>
-              <a:ea typeface="Helvetica" charset="0"/>
-              <a:cs typeface="Helvetica" panose="020B0604020202020204" pitchFamily="34" charset="0"/>
-            </a:endParaRPr>
-          </a:p>
-        </p:txBody>
-      </p:sp>
       <p:sp>
         <p:nvSpPr>
           <p:cNvPr id="173" name="Rectangle 172">
@@ -9741,8 +9246,8 @@
         </p:nvSpPr>
         <p:spPr>
           <a:xfrm>
-            <a:off x="37160263" y="11072856"/>
-            <a:ext cx="5116471" cy="6452676"/>
+            <a:off x="36926460" y="12820185"/>
+            <a:ext cx="5116471" cy="6474397"/>
           </a:xfrm>
           <a:prstGeom prst="rect">
             <a:avLst/>
@@ -9783,36 +9288,6 @@
           </a:p>
         </p:txBody>
       </p:sp>
-      <p:pic>
-        <p:nvPicPr>
-          <p:cNvPr id="168" name="Picture 167">
-            <a:extLst>
-              <a:ext uri="{FF2B5EF4-FFF2-40B4-BE49-F238E27FC236}">
-                <a16:creationId xmlns:a16="http://schemas.microsoft.com/office/drawing/2014/main" id="{1D1C19A8-AA01-476B-83A7-1F3DA4502D39}"/>
-              </a:ext>
-            </a:extLst>
-          </p:cNvPr>
-          <p:cNvPicPr>
-            <a:picLocks noChangeAspect="1"/>
-          </p:cNvPicPr>
-          <p:nvPr/>
-        </p:nvPicPr>
-        <p:blipFill>
-          <a:blip r:embed="rId3" cstate="print"/>
-          <a:stretch>
-            <a:fillRect/>
-          </a:stretch>
-        </p:blipFill>
-        <p:spPr>
-          <a:xfrm>
-            <a:off x="38656896" y="15330944"/>
-            <a:ext cx="643810" cy="675116"/>
-          </a:xfrm>
-          <a:prstGeom prst="rect">
-            <a:avLst/>
-          </a:prstGeom>
-        </p:spPr>
-      </p:pic>
       <p:sp>
         <p:nvSpPr>
           <p:cNvPr id="174" name="Oval 173">
@@ -9827,7 +9302,7 @@
         </p:nvSpPr>
         <p:spPr>
           <a:xfrm>
-            <a:off x="39808168" y="11148972"/>
+            <a:off x="39574365" y="12985510"/>
             <a:ext cx="780356" cy="2821563"/>
           </a:xfrm>
           <a:prstGeom prst="ellipse">
@@ -9836,7 +9311,9 @@
           <a:noFill/>
           <a:ln w="25400">
             <a:solidFill>
-              <a:schemeClr val="tx1"/>
+              <a:schemeClr val="accent6">
+                <a:lumMod val="75000"/>
+              </a:schemeClr>
             </a:solidFill>
             <a:prstDash val="dashDot"/>
           </a:ln>
@@ -9866,12 +9343,795 @@
           </a:p>
         </p:txBody>
       </p:sp>
-      <p:sp>
-        <p:nvSpPr>
-          <p:cNvPr id="175" name="Rectangle 174">
+      <p:pic>
+        <p:nvPicPr>
+          <p:cNvPr id="123" name="Picture 122">
             <a:extLst>
               <a:ext uri="{FF2B5EF4-FFF2-40B4-BE49-F238E27FC236}">
-                <a16:creationId xmlns:a16="http://schemas.microsoft.com/office/drawing/2014/main" id="{A001FA66-1292-4BDE-AE87-3F25E5399FD2}"/>
+                <a16:creationId xmlns:a16="http://schemas.microsoft.com/office/drawing/2014/main" id="{81AE674A-2320-46A1-A1DE-CBC9EC3467E4}"/>
+              </a:ext>
+            </a:extLst>
+          </p:cNvPr>
+          <p:cNvPicPr>
+            <a:picLocks noChangeAspect="1"/>
+          </p:cNvPicPr>
+          <p:nvPr/>
+        </p:nvPicPr>
+        <p:blipFill>
+          <a:blip r:embed="rId14"/>
+          <a:stretch>
+            <a:fillRect/>
+          </a:stretch>
+        </p:blipFill>
+        <p:spPr>
+          <a:xfrm>
+            <a:off x="4336598" y="10144697"/>
+            <a:ext cx="1150078" cy="1095075"/>
+          </a:xfrm>
+          <a:prstGeom prst="rect">
+            <a:avLst/>
+          </a:prstGeom>
+        </p:spPr>
+      </p:pic>
+      <p:sp>
+        <p:nvSpPr>
+          <p:cNvPr id="22" name="Rectangle 21"/>
+          <p:cNvSpPr/>
+          <p:nvPr/>
+        </p:nvSpPr>
+        <p:spPr>
+          <a:xfrm>
+            <a:off x="11356342" y="29897305"/>
+            <a:ext cx="2754424" cy="1077218"/>
+          </a:xfrm>
+          <a:prstGeom prst="rect">
+            <a:avLst/>
+          </a:prstGeom>
+        </p:spPr>
+        <p:txBody>
+          <a:bodyPr wrap="square">
+            <a:spAutoFit/>
+          </a:bodyPr>
+          <a:lstStyle/>
+          <a:p>
+            <a:r>
+              <a:rPr lang="en-US" sz="3200" dirty="0">
+                <a:solidFill>
+                  <a:srgbClr val="FF0000"/>
+                </a:solidFill>
+                <a:latin typeface="Helvetica" panose="020B0604020202020204" pitchFamily="34" charset="0"/>
+                <a:ea typeface="Courier" charset="0"/>
+                <a:cs typeface="Helvetica" panose="020B0604020202020204" pitchFamily="34" charset="0"/>
+              </a:rPr>
+              <a:t>27.5% endorsement</a:t>
+            </a:r>
+            <a:endParaRPr lang="en-US" sz="3200" dirty="0">
+              <a:solidFill>
+                <a:srgbClr val="FF0000"/>
+              </a:solidFill>
+            </a:endParaRPr>
+          </a:p>
+        </p:txBody>
+      </p:sp>
+      <p:sp>
+        <p:nvSpPr>
+          <p:cNvPr id="136" name="Rectangle 135"/>
+          <p:cNvSpPr/>
+          <p:nvPr/>
+        </p:nvSpPr>
+        <p:spPr>
+          <a:xfrm>
+            <a:off x="3590893" y="31398212"/>
+            <a:ext cx="2754424" cy="1077218"/>
+          </a:xfrm>
+          <a:prstGeom prst="rect">
+            <a:avLst/>
+          </a:prstGeom>
+        </p:spPr>
+        <p:txBody>
+          <a:bodyPr wrap="square">
+            <a:spAutoFit/>
+          </a:bodyPr>
+          <a:lstStyle/>
+          <a:p>
+            <a:r>
+              <a:rPr lang="en-US" sz="3200" dirty="0">
+                <a:solidFill>
+                  <a:srgbClr val="00B150"/>
+                </a:solidFill>
+                <a:latin typeface="Helvetica" panose="020B0604020202020204" pitchFamily="34" charset="0"/>
+                <a:ea typeface="Courier" charset="0"/>
+                <a:cs typeface="Helvetica" panose="020B0604020202020204" pitchFamily="34" charset="0"/>
+              </a:rPr>
+              <a:t>100% endorsement</a:t>
+            </a:r>
+            <a:endParaRPr lang="en-US" sz="3200" dirty="0">
+              <a:solidFill>
+                <a:srgbClr val="00B150"/>
+              </a:solidFill>
+            </a:endParaRPr>
+          </a:p>
+        </p:txBody>
+      </p:sp>
+      <p:sp>
+        <p:nvSpPr>
+          <p:cNvPr id="28" name="Rectangle 27"/>
+          <p:cNvSpPr/>
+          <p:nvPr/>
+        </p:nvSpPr>
+        <p:spPr>
+          <a:xfrm>
+            <a:off x="384355" y="31552511"/>
+            <a:ext cx="1912703" cy="584775"/>
+          </a:xfrm>
+          <a:prstGeom prst="rect">
+            <a:avLst/>
+          </a:prstGeom>
+        </p:spPr>
+        <p:txBody>
+          <a:bodyPr wrap="none">
+            <a:spAutoFit/>
+          </a:bodyPr>
+          <a:lstStyle/>
+          <a:p>
+            <a:r>
+              <a:rPr lang="en-US" sz="3200" b="1">
+                <a:latin typeface="Courier" charset="0"/>
+                <a:ea typeface="Courier" charset="0"/>
+                <a:cs typeface="Courier" charset="0"/>
+              </a:rPr>
+              <a:t>two-not</a:t>
+            </a:r>
+            <a:endParaRPr lang="en-US" sz="3200"/>
+          </a:p>
+        </p:txBody>
+      </p:sp>
+      <p:sp>
+        <p:nvSpPr>
+          <p:cNvPr id="172" name="Rectangle 171"/>
+          <p:cNvSpPr/>
+          <p:nvPr/>
+        </p:nvSpPr>
+        <p:spPr>
+          <a:xfrm>
+            <a:off x="7915722" y="30061693"/>
+            <a:ext cx="1912703" cy="584775"/>
+          </a:xfrm>
+          <a:prstGeom prst="rect">
+            <a:avLst/>
+          </a:prstGeom>
+        </p:spPr>
+        <p:txBody>
+          <a:bodyPr wrap="none">
+            <a:spAutoFit/>
+          </a:bodyPr>
+          <a:lstStyle/>
+          <a:p>
+            <a:r>
+              <a:rPr lang="en-US" sz="3200" b="1" dirty="0">
+                <a:latin typeface="Courier" charset="0"/>
+                <a:ea typeface="Courier" charset="0"/>
+                <a:cs typeface="Courier" charset="0"/>
+              </a:rPr>
+              <a:t>two-not</a:t>
+            </a:r>
+            <a:endParaRPr lang="en-US" sz="3200" dirty="0"/>
+          </a:p>
+        </p:txBody>
+      </p:sp>
+      <p:sp>
+        <p:nvSpPr>
+          <p:cNvPr id="176" name="Rectangle 175"/>
+          <p:cNvSpPr/>
+          <p:nvPr/>
+        </p:nvSpPr>
+        <p:spPr>
+          <a:xfrm>
+            <a:off x="6593279" y="31217458"/>
+            <a:ext cx="3252814" cy="1015663"/>
+          </a:xfrm>
+          <a:prstGeom prst="rect">
+            <a:avLst/>
+          </a:prstGeom>
+        </p:spPr>
+        <p:txBody>
+          <a:bodyPr wrap="none">
+            <a:spAutoFit/>
+          </a:bodyPr>
+          <a:lstStyle/>
+          <a:p>
+            <a:pPr algn="r"/>
+            <a:r>
+              <a:rPr lang="en-US" sz="2800" b="1" dirty="0">
+                <a:latin typeface="Helvetica" charset="0"/>
+                <a:ea typeface="Helvetica" charset="0"/>
+                <a:cs typeface="Helvetica" charset="0"/>
+              </a:rPr>
+              <a:t>explicit contrast +</a:t>
+            </a:r>
+          </a:p>
+          <a:p>
+            <a:pPr algn="r"/>
+            <a:r>
+              <a:rPr lang="en-US" sz="3200" b="1" dirty="0">
+                <a:latin typeface="Courier" charset="0"/>
+                <a:ea typeface="Courier" charset="0"/>
+                <a:cs typeface="Courier" charset="0"/>
+              </a:rPr>
+              <a:t>two-not</a:t>
+            </a:r>
+            <a:endParaRPr lang="en-US" sz="3200" b="1" dirty="0">
+              <a:latin typeface="Helvetica" charset="0"/>
+              <a:ea typeface="Helvetica" charset="0"/>
+              <a:cs typeface="Helvetica" charset="0"/>
+            </a:endParaRPr>
+          </a:p>
+        </p:txBody>
+      </p:sp>
+      <p:sp>
+        <p:nvSpPr>
+          <p:cNvPr id="177" name="Rectangle 176"/>
+          <p:cNvSpPr/>
+          <p:nvPr/>
+        </p:nvSpPr>
+        <p:spPr>
+          <a:xfrm>
+            <a:off x="7518476" y="32312416"/>
+            <a:ext cx="5557355" cy="461665"/>
+          </a:xfrm>
+          <a:prstGeom prst="rect">
+            <a:avLst/>
+          </a:prstGeom>
+        </p:spPr>
+        <p:txBody>
+          <a:bodyPr wrap="none">
+            <a:spAutoFit/>
+          </a:bodyPr>
+          <a:lstStyle/>
+          <a:p>
+            <a:pPr algn="r"/>
+            <a:r>
+              <a:rPr lang="en-US" sz="2400" i="1" dirty="0">
+                <a:latin typeface="Helvetica" charset="0"/>
+                <a:ea typeface="Helvetica" charset="0"/>
+                <a:cs typeface="Helvetica" charset="0"/>
+              </a:rPr>
+              <a:t>Two frogs jumped over the fence, but</a:t>
+            </a:r>
+            <a:r>
+              <a:rPr lang="mr-IN" sz="2400" i="1" dirty="0">
+                <a:latin typeface="Helvetica" charset="0"/>
+                <a:ea typeface="Helvetica" charset="0"/>
+                <a:cs typeface="Helvetica" charset="0"/>
+              </a:rPr>
+              <a:t>…</a:t>
+            </a:r>
+            <a:endParaRPr lang="en-US" sz="2400" i="1" dirty="0">
+              <a:latin typeface="Helvetica" charset="0"/>
+              <a:ea typeface="Helvetica" charset="0"/>
+              <a:cs typeface="Helvetica" charset="0"/>
+            </a:endParaRPr>
+          </a:p>
+        </p:txBody>
+      </p:sp>
+      <p:pic>
+        <p:nvPicPr>
+          <p:cNvPr id="178" name="Picture 177">
+            <a:extLst>
+              <a:ext uri="{FF2B5EF4-FFF2-40B4-BE49-F238E27FC236}">
+                <a16:creationId xmlns:a16="http://schemas.microsoft.com/office/drawing/2014/main" id="{3D08E1A0-E944-4A91-94A0-2D5F3E0AF586}"/>
+              </a:ext>
+            </a:extLst>
+          </p:cNvPr>
+          <p:cNvPicPr>
+            <a:picLocks noChangeAspect="1"/>
+          </p:cNvPicPr>
+          <p:nvPr/>
+        </p:nvPicPr>
+        <p:blipFill>
+          <a:blip r:embed="rId17">
+            <a:extLst>
+              <a:ext uri="{28A0092B-C50C-407E-A947-70E740481C1C}">
+                <a14:useLocalDpi xmlns:a14="http://schemas.microsoft.com/office/drawing/2010/main" val="0"/>
+              </a:ext>
+            </a:extLst>
+          </a:blip>
+          <a:stretch>
+            <a:fillRect/>
+          </a:stretch>
+        </p:blipFill>
+        <p:spPr>
+          <a:xfrm>
+            <a:off x="10080205" y="31180334"/>
+            <a:ext cx="1028357" cy="1028357"/>
+          </a:xfrm>
+          <a:prstGeom prst="rect">
+            <a:avLst/>
+          </a:prstGeom>
+        </p:spPr>
+      </p:pic>
+      <p:sp>
+        <p:nvSpPr>
+          <p:cNvPr id="179" name="Rectangle 178"/>
+          <p:cNvSpPr/>
+          <p:nvPr/>
+        </p:nvSpPr>
+        <p:spPr>
+          <a:xfrm>
+            <a:off x="11356342" y="31180334"/>
+            <a:ext cx="2754424" cy="1077218"/>
+          </a:xfrm>
+          <a:prstGeom prst="rect">
+            <a:avLst/>
+          </a:prstGeom>
+        </p:spPr>
+        <p:txBody>
+          <a:bodyPr wrap="square">
+            <a:spAutoFit/>
+          </a:bodyPr>
+          <a:lstStyle/>
+          <a:p>
+            <a:r>
+              <a:rPr lang="en-US" sz="3200" dirty="0">
+                <a:solidFill>
+                  <a:srgbClr val="00B150"/>
+                </a:solidFill>
+                <a:latin typeface="Helvetica" panose="020B0604020202020204" pitchFamily="34" charset="0"/>
+                <a:ea typeface="Courier" charset="0"/>
+                <a:cs typeface="Helvetica" panose="020B0604020202020204" pitchFamily="34" charset="0"/>
+              </a:rPr>
+              <a:t>92.5% endorsement</a:t>
+            </a:r>
+            <a:endParaRPr lang="en-US" sz="3200" dirty="0">
+              <a:solidFill>
+                <a:srgbClr val="00B150"/>
+              </a:solidFill>
+            </a:endParaRPr>
+          </a:p>
+        </p:txBody>
+      </p:sp>
+      <p:sp>
+        <p:nvSpPr>
+          <p:cNvPr id="181" name="TextBox 180"/>
+          <p:cNvSpPr txBox="1"/>
+          <p:nvPr/>
+        </p:nvSpPr>
+        <p:spPr>
+          <a:xfrm>
+            <a:off x="14997363" y="16200585"/>
+            <a:ext cx="7002132" cy="9833461"/>
+          </a:xfrm>
+          <a:prstGeom prst="rect">
+            <a:avLst/>
+          </a:prstGeom>
+          <a:noFill/>
+        </p:spPr>
+        <p:txBody>
+          <a:bodyPr wrap="square" rtlCol="0">
+            <a:spAutoFit/>
+          </a:bodyPr>
+          <a:lstStyle/>
+          <a:p>
+            <a:pPr marL="457200" indent="-457200">
+              <a:buFont typeface="Wingdings" charset="2"/>
+              <a:buChar char="v"/>
+            </a:pPr>
+            <a:r>
+              <a:rPr lang="en-US" sz="3200" dirty="0">
+                <a:latin typeface="Helvetica" charset="0"/>
+                <a:ea typeface="Helvetica" charset="0"/>
+                <a:cs typeface="Helvetica" charset="0"/>
+              </a:rPr>
+              <a:t>World states correspond to the number of successful jumpers</a:t>
+            </a:r>
+          </a:p>
+          <a:p>
+            <a:pPr marL="457200" indent="-457200">
+              <a:buFont typeface="Wingdings" charset="2"/>
+              <a:buChar char="v"/>
+            </a:pPr>
+            <a:endParaRPr lang="en-US" sz="500" dirty="0">
+              <a:latin typeface="Helvetica" charset="0"/>
+              <a:ea typeface="Helvetica" charset="0"/>
+              <a:cs typeface="Helvetica" charset="0"/>
+            </a:endParaRPr>
+          </a:p>
+          <a:p>
+            <a:pPr marL="457200" indent="-457200">
+              <a:buFont typeface="Wingdings" charset="2"/>
+              <a:buChar char="v"/>
+            </a:pPr>
+            <a:r>
+              <a:rPr lang="en-US" sz="3200" dirty="0" err="1">
+                <a:latin typeface="Helvetica" charset="0"/>
+                <a:ea typeface="Helvetica" charset="0"/>
+                <a:cs typeface="Helvetica" charset="0"/>
+              </a:rPr>
+              <a:t>Baserate</a:t>
+            </a:r>
+            <a:r>
+              <a:rPr lang="en-US" sz="3200" dirty="0">
+                <a:latin typeface="Helvetica" charset="0"/>
+                <a:ea typeface="Helvetica" charset="0"/>
+                <a:cs typeface="Helvetica" charset="0"/>
+              </a:rPr>
+              <a:t> (</a:t>
+            </a:r>
+            <a:r>
+              <a:rPr lang="en-US" sz="3200" i="1" dirty="0">
+                <a:latin typeface="Helvetica" charset="0"/>
+                <a:ea typeface="Helvetica" charset="0"/>
+                <a:cs typeface="Helvetica" charset="0"/>
+              </a:rPr>
+              <a:t>b</a:t>
+            </a:r>
+            <a:r>
+              <a:rPr lang="en-US" sz="3200" dirty="0">
+                <a:latin typeface="Helvetica" charset="0"/>
+                <a:ea typeface="Helvetica" charset="0"/>
+                <a:cs typeface="Helvetica" charset="0"/>
+              </a:rPr>
+              <a:t>) determines the probability of a successful jump</a:t>
+            </a:r>
+          </a:p>
+          <a:p>
+            <a:pPr marL="457200" indent="-457200">
+              <a:buFont typeface="Wingdings" charset="2"/>
+              <a:buChar char="v"/>
+            </a:pPr>
+            <a:endParaRPr lang="en-US" sz="500" dirty="0">
+              <a:latin typeface="Helvetica" charset="0"/>
+              <a:ea typeface="Helvetica" charset="0"/>
+              <a:cs typeface="Helvetica" charset="0"/>
+            </a:endParaRPr>
+          </a:p>
+          <a:p>
+            <a:pPr marL="457200" indent="-457200">
+              <a:buFont typeface="Wingdings" charset="2"/>
+              <a:buChar char="v"/>
+            </a:pPr>
+            <a:r>
+              <a:rPr lang="en-US" sz="3200" dirty="0">
+                <a:latin typeface="Helvetica" charset="0"/>
+                <a:ea typeface="Helvetica" charset="0"/>
+                <a:cs typeface="Helvetica" charset="0"/>
+              </a:rPr>
+              <a:t>Pragmatic speaker chooses whether to endorse </a:t>
+            </a:r>
+            <a:r>
+              <a:rPr lang="en-US" sz="3200" dirty="0">
+                <a:latin typeface="Courier" charset="0"/>
+                <a:ea typeface="Courier" charset="0"/>
+                <a:cs typeface="Courier" charset="0"/>
+              </a:rPr>
+              <a:t>two-not</a:t>
+            </a:r>
+            <a:r>
+              <a:rPr lang="en-US" sz="3200" dirty="0">
+                <a:latin typeface="Helvetica" charset="0"/>
+                <a:ea typeface="Helvetica" charset="0"/>
+                <a:cs typeface="Helvetica" charset="0"/>
+              </a:rPr>
+              <a:t> as a description of the observed state </a:t>
+            </a:r>
+          </a:p>
+          <a:p>
+            <a:pPr marL="457200" indent="-457200">
+              <a:buFont typeface="Wingdings" charset="2"/>
+              <a:buChar char="v"/>
+            </a:pPr>
+            <a:endParaRPr lang="en-US" sz="500" dirty="0">
+              <a:latin typeface="Courier" charset="0"/>
+              <a:ea typeface="Courier" charset="0"/>
+              <a:cs typeface="Courier" charset="0"/>
+            </a:endParaRPr>
+          </a:p>
+          <a:p>
+            <a:pPr marL="457200" indent="-457200">
+              <a:buFont typeface="Wingdings" charset="2"/>
+              <a:buChar char="v"/>
+            </a:pPr>
+            <a:r>
+              <a:rPr lang="en-US" sz="3200" dirty="0">
+                <a:latin typeface="Helvetica" charset="0"/>
+                <a:ea typeface="Helvetica" charset="0"/>
+                <a:cs typeface="Helvetica" charset="0"/>
+              </a:rPr>
+              <a:t>Separate predictions for 1-of-2 vs. 2-of-4 contexts</a:t>
+            </a:r>
+          </a:p>
+          <a:p>
+            <a:pPr marL="457200" indent="-457200">
+              <a:buFont typeface="Wingdings" charset="2"/>
+              <a:buChar char="v"/>
+            </a:pPr>
+            <a:endParaRPr lang="en-US" sz="500" dirty="0">
+              <a:latin typeface="Helvetica" charset="0"/>
+              <a:ea typeface="Helvetica" charset="0"/>
+              <a:cs typeface="Helvetica" charset="0"/>
+            </a:endParaRPr>
+          </a:p>
+          <a:p>
+            <a:pPr marL="457200" indent="-457200">
+              <a:buFont typeface="Wingdings" charset="2"/>
+              <a:buChar char="v"/>
+            </a:pPr>
+            <a:r>
+              <a:rPr lang="en-US" sz="3200" dirty="0">
+                <a:latin typeface="Helvetica" charset="0"/>
+                <a:ea typeface="Helvetica" charset="0"/>
+                <a:cs typeface="Helvetica" charset="0"/>
+              </a:rPr>
+              <a:t>In the 1-of-2 contexts:</a:t>
+            </a:r>
+          </a:p>
+          <a:p>
+            <a:pPr marL="914400" lvl="1" indent="-457200">
+              <a:buFont typeface="Wingdings" charset="2"/>
+              <a:buChar char="v"/>
+            </a:pPr>
+            <a:r>
+              <a:rPr lang="en-US" sz="3200" dirty="0">
+                <a:latin typeface="Helvetica" charset="0"/>
+                <a:ea typeface="Helvetica" charset="0"/>
+                <a:cs typeface="Helvetica" charset="0"/>
+              </a:rPr>
+              <a:t>Q = {</a:t>
+            </a:r>
+            <a:r>
+              <a:rPr lang="en-US" sz="3200" dirty="0">
+                <a:latin typeface="Courier" charset="0"/>
+                <a:ea typeface="Courier" charset="0"/>
+                <a:cs typeface="Courier" charset="0"/>
+              </a:rPr>
+              <a:t>how-many?</a:t>
+            </a:r>
+            <a:r>
+              <a:rPr lang="en-US" sz="3200" dirty="0">
+                <a:latin typeface="Helvetica" charset="0"/>
+                <a:ea typeface="Helvetica" charset="0"/>
+                <a:cs typeface="Helvetica" charset="0"/>
+              </a:rPr>
+              <a:t>, </a:t>
+            </a:r>
+            <a:r>
+              <a:rPr lang="en-US" sz="3200" dirty="0">
+                <a:latin typeface="Courier" charset="0"/>
+                <a:ea typeface="Courier" charset="0"/>
+                <a:cs typeface="Courier" charset="0"/>
+              </a:rPr>
+              <a:t>all?</a:t>
+            </a:r>
+            <a:r>
+              <a:rPr lang="en-US" sz="3200" dirty="0">
+                <a:latin typeface="Helvetica" charset="0"/>
+                <a:ea typeface="Helvetica" charset="0"/>
+                <a:cs typeface="Helvetica" charset="0"/>
+              </a:rPr>
+              <a:t>, </a:t>
+            </a:r>
+            <a:r>
+              <a:rPr lang="en-US" sz="3200" dirty="0">
+                <a:latin typeface="Courier" charset="0"/>
+                <a:ea typeface="Courier" charset="0"/>
+                <a:cs typeface="Courier" charset="0"/>
+              </a:rPr>
+              <a:t>none?</a:t>
+            </a:r>
+            <a:r>
+              <a:rPr lang="en-US" sz="3200" dirty="0">
+                <a:latin typeface="Helvetica" charset="0"/>
+                <a:ea typeface="Helvetica" charset="0"/>
+                <a:cs typeface="Helvetica" charset="0"/>
+              </a:rPr>
+              <a:t>}</a:t>
+            </a:r>
+          </a:p>
+          <a:p>
+            <a:pPr marL="914400" lvl="1" indent="-457200">
+              <a:buFont typeface="Wingdings" charset="2"/>
+              <a:buChar char="v"/>
+            </a:pPr>
+            <a:r>
+              <a:rPr lang="en-US" sz="3200" dirty="0">
+                <a:latin typeface="Helvetica" charset="0"/>
+                <a:ea typeface="Helvetica" charset="0"/>
+                <a:cs typeface="Helvetica" charset="0"/>
+              </a:rPr>
+              <a:t>Unambiguous numeral meaning</a:t>
+            </a:r>
+          </a:p>
+          <a:p>
+            <a:pPr marL="914400" lvl="1" indent="-457200">
+              <a:buFont typeface="Wingdings" charset="2"/>
+              <a:buChar char="v"/>
+            </a:pPr>
+            <a:endParaRPr lang="en-US" sz="500" dirty="0">
+              <a:latin typeface="Helvetica" charset="0"/>
+              <a:ea typeface="Helvetica" charset="0"/>
+              <a:cs typeface="Helvetica" charset="0"/>
+            </a:endParaRPr>
+          </a:p>
+          <a:p>
+            <a:pPr marL="457200" indent="-457200">
+              <a:buFont typeface="Wingdings" charset="2"/>
+              <a:buChar char="v"/>
+            </a:pPr>
+            <a:r>
+              <a:rPr lang="en-US" sz="3200" dirty="0">
+                <a:latin typeface="Helvetica" charset="0"/>
+                <a:ea typeface="Helvetica" charset="0"/>
+                <a:cs typeface="Helvetica" charset="0"/>
+              </a:rPr>
+              <a:t>In the 2-of-4 contexts:</a:t>
+            </a:r>
+          </a:p>
+          <a:p>
+            <a:pPr marL="914400" lvl="1" indent="-457200">
+              <a:buFont typeface="Wingdings" charset="2"/>
+              <a:buChar char="v"/>
+            </a:pPr>
+            <a:r>
+              <a:rPr lang="en-US" sz="3200" dirty="0">
+                <a:latin typeface="Helvetica" panose="020B0604020202020204" pitchFamily="34" charset="0"/>
+                <a:ea typeface="Courier" charset="0"/>
+                <a:cs typeface="Helvetica" panose="020B0604020202020204" pitchFamily="34" charset="0"/>
+              </a:rPr>
+              <a:t>Ambiguity in the interpretation of </a:t>
+            </a:r>
+            <a:r>
+              <a:rPr lang="en-US" sz="3200" dirty="0">
+                <a:latin typeface="Helvetica" charset="0"/>
+                <a:ea typeface="Helvetica" charset="0"/>
+                <a:cs typeface="Helvetica" charset="0"/>
+              </a:rPr>
+              <a:t>two: </a:t>
+            </a:r>
+            <a:r>
+              <a:rPr lang="en-US" sz="3200" b="1" dirty="0">
+                <a:latin typeface="Helvetica" charset="0"/>
+                <a:ea typeface="Helvetica" charset="0"/>
+                <a:cs typeface="Helvetica" charset="0"/>
+              </a:rPr>
+              <a:t>at-least-two</a:t>
+            </a:r>
+            <a:r>
+              <a:rPr lang="en-US" sz="3200" dirty="0">
+                <a:latin typeface="Helvetica" charset="0"/>
+                <a:ea typeface="Helvetica" charset="0"/>
+                <a:cs typeface="Helvetica" charset="0"/>
+              </a:rPr>
+              <a:t> semantics vs. </a:t>
+            </a:r>
+            <a:r>
+              <a:rPr lang="en-US" sz="3200" b="1" dirty="0">
+                <a:latin typeface="Helvetica" charset="0"/>
+                <a:ea typeface="Helvetica" charset="0"/>
+                <a:cs typeface="Helvetica" charset="0"/>
+              </a:rPr>
+              <a:t>exactly-two</a:t>
+            </a:r>
+            <a:r>
+              <a:rPr lang="en-US" sz="3200" dirty="0">
+                <a:latin typeface="Helvetica" charset="0"/>
+                <a:ea typeface="Helvetica" charset="0"/>
+                <a:cs typeface="Helvetica" charset="0"/>
+              </a:rPr>
+              <a:t> semantics</a:t>
+            </a:r>
+          </a:p>
+          <a:p>
+            <a:pPr marL="914400" lvl="1" indent="-457200">
+              <a:buFont typeface="Wingdings" charset="2"/>
+              <a:buChar char="v"/>
+            </a:pPr>
+            <a:r>
+              <a:rPr lang="en-US" sz="3200" dirty="0">
+                <a:latin typeface="Helvetica" charset="0"/>
+                <a:ea typeface="Helvetica" charset="0"/>
+                <a:cs typeface="Helvetica" charset="0"/>
+              </a:rPr>
+              <a:t>Additional QUDs: </a:t>
+            </a:r>
+            <a:r>
+              <a:rPr lang="en-US" sz="3200" dirty="0">
+                <a:latin typeface="Courier" charset="0"/>
+                <a:ea typeface="Courier" charset="0"/>
+                <a:cs typeface="Courier" charset="0"/>
+              </a:rPr>
+              <a:t>at-least-two?</a:t>
+            </a:r>
+            <a:r>
+              <a:rPr lang="en-US" sz="3200" dirty="0">
+                <a:latin typeface="Helvetica" charset="0"/>
+                <a:ea typeface="Helvetica" charset="0"/>
+                <a:cs typeface="Helvetica" charset="0"/>
+              </a:rPr>
+              <a:t> and </a:t>
+            </a:r>
+            <a:r>
+              <a:rPr lang="en-US" sz="3200" dirty="0">
+                <a:latin typeface="Courier" charset="0"/>
+                <a:ea typeface="Courier" charset="0"/>
+                <a:cs typeface="Courier" charset="0"/>
+              </a:rPr>
+              <a:t>exactly-two?</a:t>
+            </a:r>
+          </a:p>
+          <a:p>
+            <a:pPr marL="914400" lvl="1" indent="-457200">
+              <a:buFont typeface="Wingdings" charset="2"/>
+              <a:buChar char="v"/>
+            </a:pPr>
+            <a:endParaRPr lang="en-US" sz="3200" dirty="0">
+              <a:latin typeface="Helvetica" charset="0"/>
+              <a:ea typeface="Helvetica" charset="0"/>
+              <a:cs typeface="Helvetica" charset="0"/>
+            </a:endParaRPr>
+          </a:p>
+        </p:txBody>
+      </p:sp>
+      <p:sp>
+        <p:nvSpPr>
+          <p:cNvPr id="183" name="TextBox 182"/>
+          <p:cNvSpPr txBox="1"/>
+          <p:nvPr/>
+        </p:nvSpPr>
+        <p:spPr>
+          <a:xfrm>
+            <a:off x="30347111" y="12116944"/>
+            <a:ext cx="5586086" cy="606611"/>
+          </a:xfrm>
+          <a:prstGeom prst="rect">
+            <a:avLst/>
+          </a:prstGeom>
+          <a:noFill/>
+        </p:spPr>
+        <p:txBody>
+          <a:bodyPr wrap="square" rtlCol="0">
+            <a:spAutoFit/>
+          </a:bodyPr>
+          <a:lstStyle/>
+          <a:p>
+            <a:r>
+              <a:rPr lang="en-US" sz="3200" dirty="0">
+                <a:solidFill>
+                  <a:srgbClr val="FF7A00"/>
+                </a:solidFill>
+                <a:latin typeface="Helvetica" charset="0"/>
+                <a:ea typeface="Helvetica" charset="0"/>
+                <a:cs typeface="Helvetica" charset="0"/>
+              </a:rPr>
+              <a:t>explicit </a:t>
+            </a:r>
+            <a:r>
+              <a:rPr lang="en-US" sz="3200">
+                <a:solidFill>
+                  <a:srgbClr val="FF7A00"/>
+                </a:solidFill>
+                <a:latin typeface="Helvetica" charset="0"/>
+                <a:ea typeface="Helvetica" charset="0"/>
+                <a:cs typeface="Helvetica" charset="0"/>
+              </a:rPr>
+              <a:t>contrast manipulation</a:t>
+            </a:r>
+            <a:endParaRPr lang="en-US" sz="3200" dirty="0">
+              <a:solidFill>
+                <a:srgbClr val="FF7A00"/>
+              </a:solidFill>
+              <a:latin typeface="Helvetica" charset="0"/>
+              <a:ea typeface="Helvetica" charset="0"/>
+              <a:cs typeface="Helvetica" charset="0"/>
+            </a:endParaRPr>
+          </a:p>
+        </p:txBody>
+      </p:sp>
+      <p:sp>
+        <p:nvSpPr>
+          <p:cNvPr id="184" name="Oval 183">
+            <a:extLst>
+              <a:ext uri="{FF2B5EF4-FFF2-40B4-BE49-F238E27FC236}">
+                <a16:creationId xmlns:a16="http://schemas.microsoft.com/office/drawing/2014/main" id="{118047CB-EC8D-4B4F-A0D3-30378AAC069B}"/>
               </a:ext>
             </a:extLst>
           </p:cNvPr>
@@ -9880,8 +10140,387 @@
         </p:nvSpPr>
         <p:spPr>
           <a:xfrm>
-            <a:off x="29356645" y="29351940"/>
-            <a:ext cx="14533464" cy="2062103"/>
+            <a:off x="31888931" y="14679917"/>
+            <a:ext cx="948385" cy="945673"/>
+          </a:xfrm>
+          <a:prstGeom prst="ellipse">
+            <a:avLst/>
+          </a:prstGeom>
+          <a:noFill/>
+          <a:ln w="25400">
+            <a:solidFill>
+              <a:srgbClr val="FF0000"/>
+            </a:solidFill>
+            <a:prstDash val="dashDot"/>
+          </a:ln>
+        </p:spPr>
+        <p:style>
+          <a:lnRef idx="2">
+            <a:schemeClr val="accent1">
+              <a:shade val="50000"/>
+            </a:schemeClr>
+          </a:lnRef>
+          <a:fillRef idx="1">
+            <a:schemeClr val="accent1"/>
+          </a:fillRef>
+          <a:effectRef idx="0">
+            <a:schemeClr val="accent1"/>
+          </a:effectRef>
+          <a:fontRef idx="minor">
+            <a:schemeClr val="lt1"/>
+          </a:fontRef>
+        </p:style>
+        <p:txBody>
+          <a:bodyPr rtlCol="0" anchor="ctr"/>
+          <a:lstStyle/>
+          <a:p>
+            <a:pPr algn="ctr"/>
+            <a:endParaRPr lang="en-US"/>
+          </a:p>
+        </p:txBody>
+      </p:sp>
+      <p:sp>
+        <p:nvSpPr>
+          <p:cNvPr id="185" name="TextBox 184"/>
+          <p:cNvSpPr txBox="1"/>
+          <p:nvPr/>
+        </p:nvSpPr>
+        <p:spPr>
+          <a:xfrm>
+            <a:off x="36708077" y="12143169"/>
+            <a:ext cx="5586086" cy="584775"/>
+          </a:xfrm>
+          <a:prstGeom prst="rect">
+            <a:avLst/>
+          </a:prstGeom>
+          <a:noFill/>
+        </p:spPr>
+        <p:txBody>
+          <a:bodyPr wrap="square" rtlCol="0">
+            <a:spAutoFit/>
+          </a:bodyPr>
+          <a:lstStyle/>
+          <a:p>
+            <a:r>
+              <a:rPr lang="en-US" sz="3200" dirty="0">
+                <a:solidFill>
+                  <a:schemeClr val="accent6"/>
+                </a:solidFill>
+                <a:latin typeface="Helvetica" charset="0"/>
+                <a:ea typeface="Helvetica" charset="0"/>
+                <a:cs typeface="Helvetica" charset="0"/>
+              </a:rPr>
+              <a:t>a</a:t>
+            </a:r>
+            <a:r>
+              <a:rPr lang="en-US" sz="3200">
+                <a:solidFill>
+                  <a:schemeClr val="accent6"/>
+                </a:solidFill>
+                <a:latin typeface="Helvetica" charset="0"/>
+                <a:ea typeface="Helvetica" charset="0"/>
+                <a:cs typeface="Helvetica" charset="0"/>
+              </a:rPr>
+              <a:t>symmetry </a:t>
+            </a:r>
+            <a:r>
+              <a:rPr lang="en-US" sz="3200" dirty="0">
+                <a:solidFill>
+                  <a:schemeClr val="accent6"/>
+                </a:solidFill>
+                <a:latin typeface="Helvetica" charset="0"/>
+                <a:ea typeface="Helvetica" charset="0"/>
+                <a:cs typeface="Helvetica" charset="0"/>
+              </a:rPr>
+              <a:t>in 1-of-2 vs. 2-of-4</a:t>
+            </a:r>
+          </a:p>
+        </p:txBody>
+      </p:sp>
+      <p:pic>
+        <p:nvPicPr>
+          <p:cNvPr id="186" name="Picture 185">
+            <a:extLst>
+              <a:ext uri="{FF2B5EF4-FFF2-40B4-BE49-F238E27FC236}">
+                <a16:creationId xmlns:a16="http://schemas.microsoft.com/office/drawing/2014/main" id="{8D050889-FB9D-491E-A95E-778F47B1E4FE}"/>
+              </a:ext>
+            </a:extLst>
+          </p:cNvPr>
+          <p:cNvPicPr>
+            <a:picLocks noChangeAspect="1"/>
+          </p:cNvPicPr>
+          <p:nvPr/>
+        </p:nvPicPr>
+        <p:blipFill>
+          <a:blip r:embed="rId3" cstate="print"/>
+          <a:stretch>
+            <a:fillRect/>
+          </a:stretch>
+        </p:blipFill>
+        <p:spPr>
+          <a:xfrm>
+            <a:off x="38023532" y="16533189"/>
+            <a:ext cx="895333" cy="938869"/>
+          </a:xfrm>
+          <a:prstGeom prst="rect">
+            <a:avLst/>
+          </a:prstGeom>
+        </p:spPr>
+      </p:pic>
+      <p:pic>
+        <p:nvPicPr>
+          <p:cNvPr id="187" name="Picture 186">
+            <a:extLst>
+              <a:ext uri="{FF2B5EF4-FFF2-40B4-BE49-F238E27FC236}">
+                <a16:creationId xmlns:a16="http://schemas.microsoft.com/office/drawing/2014/main" id="{B349EB11-C20A-4667-A424-E10A4DF13D8A}"/>
+              </a:ext>
+            </a:extLst>
+          </p:cNvPr>
+          <p:cNvPicPr>
+            <a:picLocks noChangeAspect="1"/>
+          </p:cNvPicPr>
+          <p:nvPr/>
+        </p:nvPicPr>
+        <p:blipFill>
+          <a:blip r:embed="rId3" cstate="print"/>
+          <a:stretch>
+            <a:fillRect/>
+          </a:stretch>
+        </p:blipFill>
+        <p:spPr>
+          <a:xfrm>
+            <a:off x="37186840" y="17082845"/>
+            <a:ext cx="902547" cy="946434"/>
+          </a:xfrm>
+          <a:prstGeom prst="rect">
+            <a:avLst/>
+          </a:prstGeom>
+        </p:spPr>
+      </p:pic>
+      <p:sp>
+        <p:nvSpPr>
+          <p:cNvPr id="194" name="TextBox 193">
+            <a:extLst>
+              <a:ext uri="{FF2B5EF4-FFF2-40B4-BE49-F238E27FC236}">
+                <a16:creationId xmlns:a16="http://schemas.microsoft.com/office/drawing/2014/main" id="{B8ABCD8D-7AB3-4BE8-9866-CD5EBA48CAC3}"/>
+              </a:ext>
+            </a:extLst>
+          </p:cNvPr>
+          <p:cNvSpPr txBox="1"/>
+          <p:nvPr/>
+        </p:nvSpPr>
+        <p:spPr>
+          <a:xfrm>
+            <a:off x="37153935" y="18047725"/>
+            <a:ext cx="4717206" cy="1077218"/>
+          </a:xfrm>
+          <a:prstGeom prst="rect">
+            <a:avLst/>
+          </a:prstGeom>
+          <a:noFill/>
+        </p:spPr>
+        <p:txBody>
+          <a:bodyPr wrap="square" rtlCol="0">
+            <a:spAutoFit/>
+          </a:bodyPr>
+          <a:lstStyle/>
+          <a:p>
+            <a:pPr algn="ctr"/>
+            <a:r>
+              <a:rPr lang="en-US" sz="3200" dirty="0">
+                <a:latin typeface="Courier"/>
+                <a:ea typeface="Helvetica" charset="0"/>
+                <a:cs typeface="Helvetica" charset="0"/>
+              </a:rPr>
+              <a:t>two-not</a:t>
+            </a:r>
+          </a:p>
+          <a:p>
+            <a:pPr algn="ctr"/>
+            <a:r>
+              <a:rPr lang="en-US" sz="3200" dirty="0">
+                <a:latin typeface="Helvetica" charset="0"/>
+                <a:ea typeface="Helvetica" charset="0"/>
+                <a:cs typeface="Helvetica" charset="0"/>
+              </a:rPr>
+              <a:t>Adults: </a:t>
+            </a:r>
+            <a:r>
+              <a:rPr lang="en-US" sz="3200" dirty="0">
+                <a:solidFill>
+                  <a:srgbClr val="00B150"/>
+                </a:solidFill>
+                <a:latin typeface="Helvetica" charset="0"/>
+                <a:ea typeface="Helvetica" charset="0"/>
+                <a:cs typeface="Helvetica" charset="0"/>
+              </a:rPr>
+              <a:t>100%</a:t>
+            </a:r>
+          </a:p>
+        </p:txBody>
+      </p:sp>
+      <p:pic>
+        <p:nvPicPr>
+          <p:cNvPr id="195" name="Picture 194">
+            <a:extLst>
+              <a:ext uri="{FF2B5EF4-FFF2-40B4-BE49-F238E27FC236}">
+                <a16:creationId xmlns:a16="http://schemas.microsoft.com/office/drawing/2014/main" id="{D0537AEA-9B42-407A-824E-FFBD9B10FDE9}"/>
+              </a:ext>
+            </a:extLst>
+          </p:cNvPr>
+          <p:cNvPicPr>
+            <a:picLocks noChangeAspect="1"/>
+          </p:cNvPicPr>
+          <p:nvPr/>
+        </p:nvPicPr>
+        <p:blipFill>
+          <a:blip r:embed="rId19" cstate="print"/>
+          <a:stretch>
+            <a:fillRect/>
+          </a:stretch>
+        </p:blipFill>
+        <p:spPr>
+          <a:xfrm flipH="1">
+            <a:off x="30749942" y="16189688"/>
+            <a:ext cx="524228" cy="494538"/>
+          </a:xfrm>
+          <a:prstGeom prst="rect">
+            <a:avLst/>
+          </a:prstGeom>
+        </p:spPr>
+      </p:pic>
+      <p:pic>
+        <p:nvPicPr>
+          <p:cNvPr id="196" name="Picture 195">
+            <a:extLst>
+              <a:ext uri="{FF2B5EF4-FFF2-40B4-BE49-F238E27FC236}">
+                <a16:creationId xmlns:a16="http://schemas.microsoft.com/office/drawing/2014/main" id="{BCAAE46D-ABE3-49E7-BC35-507A048C1266}"/>
+              </a:ext>
+            </a:extLst>
+          </p:cNvPr>
+          <p:cNvPicPr>
+            <a:picLocks noChangeAspect="1"/>
+          </p:cNvPicPr>
+          <p:nvPr/>
+        </p:nvPicPr>
+        <p:blipFill>
+          <a:blip r:embed="rId16" cstate="print"/>
+          <a:stretch>
+            <a:fillRect/>
+          </a:stretch>
+        </p:blipFill>
+        <p:spPr>
+          <a:xfrm flipH="1">
+            <a:off x="34945119" y="16208329"/>
+            <a:ext cx="483255" cy="444874"/>
+          </a:xfrm>
+          <a:prstGeom prst="rect">
+            <a:avLst/>
+          </a:prstGeom>
+        </p:spPr>
+      </p:pic>
+      <p:sp>
+        <p:nvSpPr>
+          <p:cNvPr id="135" name="TextBox 134">
+            <a:extLst>
+              <a:ext uri="{FF2B5EF4-FFF2-40B4-BE49-F238E27FC236}">
+                <a16:creationId xmlns:a16="http://schemas.microsoft.com/office/drawing/2014/main" id="{EF25DB67-E21E-4EE0-821F-CA444EDA7760}"/>
+              </a:ext>
+            </a:extLst>
+          </p:cNvPr>
+          <p:cNvSpPr txBox="1"/>
+          <p:nvPr/>
+        </p:nvSpPr>
+        <p:spPr>
+          <a:xfrm>
+            <a:off x="7316444" y="10115706"/>
+            <a:ext cx="1499679" cy="584775"/>
+          </a:xfrm>
+          <a:prstGeom prst="rect">
+            <a:avLst/>
+          </a:prstGeom>
+          <a:noFill/>
+        </p:spPr>
+        <p:txBody>
+          <a:bodyPr wrap="square" rtlCol="0">
+            <a:spAutoFit/>
+          </a:bodyPr>
+          <a:lstStyle/>
+          <a:p>
+            <a:r>
+              <a:rPr lang="en-US" sz="3200" b="1" dirty="0">
+                <a:latin typeface="Helvetica" charset="0"/>
+                <a:ea typeface="Helvetica" charset="0"/>
+                <a:cs typeface="Helvetica" charset="0"/>
+              </a:rPr>
+              <a:t>Adults</a:t>
+            </a:r>
+            <a:endParaRPr lang="en-US" sz="500" b="1" dirty="0">
+              <a:latin typeface="Helvetica" charset="0"/>
+              <a:ea typeface="Helvetica" charset="0"/>
+              <a:cs typeface="Helvetica" charset="0"/>
+            </a:endParaRPr>
+          </a:p>
+        </p:txBody>
+      </p:sp>
+      <p:pic>
+        <p:nvPicPr>
+          <p:cNvPr id="13" name="Picture 12"/>
+          <p:cNvPicPr>
+            <a:picLocks noChangeAspect="1"/>
+          </p:cNvPicPr>
+          <p:nvPr/>
+        </p:nvPicPr>
+        <p:blipFill>
+          <a:blip r:embed="rId22"/>
+          <a:stretch>
+            <a:fillRect/>
+          </a:stretch>
+        </p:blipFill>
+        <p:spPr>
+          <a:xfrm>
+            <a:off x="12715033" y="9738558"/>
+            <a:ext cx="1345599" cy="1185726"/>
+          </a:xfrm>
+          <a:prstGeom prst="rect">
+            <a:avLst/>
+          </a:prstGeom>
+        </p:spPr>
+      </p:pic>
+      <p:pic>
+        <p:nvPicPr>
+          <p:cNvPr id="31" name="Picture 30"/>
+          <p:cNvPicPr>
+            <a:picLocks noChangeAspect="1"/>
+          </p:cNvPicPr>
+          <p:nvPr/>
+        </p:nvPicPr>
+        <p:blipFill>
+          <a:blip r:embed="rId23"/>
+          <a:stretch>
+            <a:fillRect/>
+          </a:stretch>
+        </p:blipFill>
+        <p:spPr>
+          <a:xfrm flipH="1">
+            <a:off x="12822348" y="11116242"/>
+            <a:ext cx="1042150" cy="1068203"/>
+          </a:xfrm>
+          <a:prstGeom prst="rect">
+            <a:avLst/>
+          </a:prstGeom>
+        </p:spPr>
+      </p:pic>
+      <p:sp>
+        <p:nvSpPr>
+          <p:cNvPr id="137" name="Rectangle 136"/>
+          <p:cNvSpPr/>
+          <p:nvPr/>
+        </p:nvSpPr>
+        <p:spPr>
+          <a:xfrm>
+            <a:off x="10053741" y="9809892"/>
+            <a:ext cx="2754424" cy="1077218"/>
           </a:xfrm>
           <a:prstGeom prst="rect">
             <a:avLst/>
@@ -9895,60 +10534,460 @@
           <a:p>
             <a:r>
               <a:rPr lang="en-US" sz="3200" dirty="0">
+                <a:solidFill>
+                  <a:srgbClr val="00B150"/>
+                </a:solidFill>
+                <a:latin typeface="Helvetica" panose="020B0604020202020204" pitchFamily="34" charset="0"/>
+                <a:ea typeface="Courier" charset="0"/>
+                <a:cs typeface="Helvetica" panose="020B0604020202020204" pitchFamily="34" charset="0"/>
+              </a:rPr>
+              <a:t>90-100% endorsement</a:t>
+            </a:r>
+            <a:endParaRPr lang="en-US" sz="3200" dirty="0">
+              <a:solidFill>
+                <a:srgbClr val="00B150"/>
+              </a:solidFill>
+            </a:endParaRPr>
+          </a:p>
+        </p:txBody>
+      </p:sp>
+      <p:sp>
+        <p:nvSpPr>
+          <p:cNvPr id="140" name="Rectangle 139"/>
+          <p:cNvSpPr/>
+          <p:nvPr/>
+        </p:nvSpPr>
+        <p:spPr>
+          <a:xfrm>
+            <a:off x="10013677" y="11119560"/>
+            <a:ext cx="2754424" cy="1077218"/>
+          </a:xfrm>
+          <a:prstGeom prst="rect">
+            <a:avLst/>
+          </a:prstGeom>
+        </p:spPr>
+        <p:txBody>
+          <a:bodyPr wrap="square">
+            <a:spAutoFit/>
+          </a:bodyPr>
+          <a:lstStyle/>
+          <a:p>
+            <a:r>
+              <a:rPr lang="en-US" sz="3200" dirty="0">
+                <a:solidFill>
+                  <a:srgbClr val="FF0000"/>
+                </a:solidFill>
+                <a:latin typeface="Helvetica" panose="020B0604020202020204" pitchFamily="34" charset="0"/>
+                <a:ea typeface="Courier" charset="0"/>
+                <a:cs typeface="Helvetica" panose="020B0604020202020204" pitchFamily="34" charset="0"/>
+              </a:rPr>
+              <a:t>10-20%</a:t>
+            </a:r>
+          </a:p>
+          <a:p>
+            <a:r>
+              <a:rPr lang="en-US" sz="3200" dirty="0">
+                <a:solidFill>
+                  <a:srgbClr val="FF0000"/>
+                </a:solidFill>
+                <a:latin typeface="Helvetica" panose="020B0604020202020204" pitchFamily="34" charset="0"/>
+                <a:ea typeface="Courier" charset="0"/>
+                <a:cs typeface="Helvetica" panose="020B0604020202020204" pitchFamily="34" charset="0"/>
+              </a:rPr>
+              <a:t>endorsement</a:t>
+            </a:r>
+            <a:endParaRPr lang="en-US" sz="3200" dirty="0">
+              <a:solidFill>
+                <a:srgbClr val="FF0000"/>
+              </a:solidFill>
+            </a:endParaRPr>
+          </a:p>
+        </p:txBody>
+      </p:sp>
+      <p:sp>
+        <p:nvSpPr>
+          <p:cNvPr id="34" name="Rectangle 33"/>
+          <p:cNvSpPr/>
+          <p:nvPr/>
+        </p:nvSpPr>
+        <p:spPr>
+          <a:xfrm>
+            <a:off x="875256" y="16914677"/>
+            <a:ext cx="10868681" cy="584775"/>
+          </a:xfrm>
+          <a:prstGeom prst="rect">
+            <a:avLst/>
+          </a:prstGeom>
+        </p:spPr>
+        <p:txBody>
+          <a:bodyPr wrap="none">
+            <a:spAutoFit/>
+          </a:bodyPr>
+          <a:lstStyle/>
+          <a:p>
+            <a:pPr marL="457200" indent="-457200">
+              <a:buFont typeface="Wingdings" charset="2"/>
+              <a:buChar char="v"/>
+            </a:pPr>
+            <a:r>
+              <a:rPr lang="en-US" sz="3200" dirty="0">
+                <a:latin typeface="Helvetica" charset="0"/>
+                <a:ea typeface="Helvetica" charset="0"/>
+                <a:cs typeface="Helvetica" charset="0"/>
+              </a:rPr>
+              <a:t>language understanding as </a:t>
+            </a:r>
+            <a:r>
+              <a:rPr lang="en-US" sz="3200" b="1" dirty="0">
+                <a:latin typeface="Helvetica" charset="0"/>
+                <a:ea typeface="Helvetica" charset="0"/>
+                <a:cs typeface="Helvetica" charset="0"/>
+              </a:rPr>
+              <a:t>recursive social reasoning</a:t>
+            </a:r>
+          </a:p>
+        </p:txBody>
+      </p:sp>
+      <p:sp>
+        <p:nvSpPr>
+          <p:cNvPr id="36" name="Rectangle 35"/>
+          <p:cNvSpPr/>
+          <p:nvPr/>
+        </p:nvSpPr>
+        <p:spPr>
+          <a:xfrm>
+            <a:off x="875256" y="17555754"/>
+            <a:ext cx="10482357" cy="584775"/>
+          </a:xfrm>
+          <a:prstGeom prst="rect">
+            <a:avLst/>
+          </a:prstGeom>
+        </p:spPr>
+        <p:txBody>
+          <a:bodyPr wrap="none">
+            <a:spAutoFit/>
+          </a:bodyPr>
+          <a:lstStyle/>
+          <a:p>
+            <a:pPr marL="457200" indent="-457200">
+              <a:buFont typeface="Wingdings" charset="2"/>
+              <a:buChar char="v"/>
+            </a:pPr>
+            <a:r>
+              <a:rPr lang="en-US" sz="3200" dirty="0">
                 <a:latin typeface="Helvetica" panose="020B0604020202020204" pitchFamily="34" charset="0"/>
                 <a:cs typeface="Helvetica" panose="020B0604020202020204" pitchFamily="34" charset="0"/>
               </a:rPr>
-              <a:t>Computational modeling can help us refine our theories about language</a:t>
-            </a:r>
-          </a:p>
-          <a:p>
-            <a:pPr marL="457200" indent="-457200">
-              <a:buFontTx/>
-              <a:buChar char="-"/>
-            </a:pPr>
-            <a:r>
-              <a:rPr lang="en-US" sz="3200" dirty="0">
-                <a:latin typeface="Helvetica" panose="020B0604020202020204" pitchFamily="34" charset="0"/>
-                <a:cs typeface="Helvetica" panose="020B0604020202020204" pitchFamily="34" charset="0"/>
-              </a:rPr>
-              <a:t>We can manipulate the semantics of </a:t>
+              <a:t>ambiguity resolution modeled as </a:t>
             </a:r>
             <a:r>
               <a:rPr lang="en-US" sz="3200" b="1" dirty="0">
                 <a:latin typeface="Helvetica" panose="020B0604020202020204" pitchFamily="34" charset="0"/>
                 <a:cs typeface="Helvetica" panose="020B0604020202020204" pitchFamily="34" charset="0"/>
               </a:rPr>
-              <a:t>two</a:t>
-            </a:r>
-            <a:r>
-              <a:rPr lang="en-US" sz="3200" dirty="0">
-                <a:latin typeface="Helvetica" panose="020B0604020202020204" pitchFamily="34" charset="0"/>
-                <a:cs typeface="Helvetica" panose="020B0604020202020204" pitchFamily="34" charset="0"/>
-              </a:rPr>
-              <a:t> in ways experiments can’t</a:t>
-            </a:r>
-          </a:p>
-          <a:p>
-            <a:pPr marL="457200" indent="-457200">
-              <a:buFontTx/>
-              <a:buChar char="-"/>
-            </a:pPr>
-            <a:r>
-              <a:rPr lang="en-US" sz="3200" dirty="0">
-                <a:latin typeface="Helvetica" panose="020B0604020202020204" pitchFamily="34" charset="0"/>
-                <a:cs typeface="Helvetica" panose="020B0604020202020204" pitchFamily="34" charset="0"/>
-              </a:rPr>
-              <a:t>Two matters!</a:t>
-            </a:r>
-          </a:p>
-          <a:p>
-            <a:endParaRPr lang="en-US" sz="3200" dirty="0">
-              <a:latin typeface="Helvetica" panose="020B0604020202020204" pitchFamily="34" charset="0"/>
-              <a:cs typeface="Helvetica" panose="020B0604020202020204" pitchFamily="34" charset="0"/>
-            </a:endParaRPr>
-          </a:p>
-        </p:txBody>
-      </p:sp>
+              <a:t>pragmatic inference</a:t>
+            </a:r>
+            <a:endParaRPr lang="en-US" sz="3200" b="1" dirty="0"/>
+          </a:p>
+        </p:txBody>
+      </p:sp>
+      <p:grpSp>
+        <p:nvGrpSpPr>
+          <p:cNvPr id="42" name="Group 41"/>
+          <p:cNvGrpSpPr/>
+          <p:nvPr/>
+        </p:nvGrpSpPr>
+        <p:grpSpPr>
+          <a:xfrm>
+            <a:off x="22371194" y="16346272"/>
+            <a:ext cx="6447022" cy="8884567"/>
+            <a:chOff x="20391932" y="18557075"/>
+            <a:chExt cx="6447022" cy="8884567"/>
+          </a:xfrm>
+        </p:grpSpPr>
+        <p:pic>
+          <p:nvPicPr>
+            <p:cNvPr id="144" name="Picture 143">
+              <a:extLst>
+                <a:ext uri="{FF2B5EF4-FFF2-40B4-BE49-F238E27FC236}">
+                  <a16:creationId xmlns:a16="http://schemas.microsoft.com/office/drawing/2014/main" id="{D32CA0A8-D98E-4213-92C4-317E441206BD}"/>
+                </a:ext>
+              </a:extLst>
+            </p:cNvPr>
+            <p:cNvPicPr>
+              <a:picLocks noChangeAspect="1"/>
+            </p:cNvPicPr>
+            <p:nvPr/>
+          </p:nvPicPr>
+          <p:blipFill>
+            <a:blip r:embed="rId24">
+              <a:extLst>
+                <a:ext uri="{28A0092B-C50C-407E-A947-70E740481C1C}">
+                  <a14:useLocalDpi xmlns:a14="http://schemas.microsoft.com/office/drawing/2010/main" val="0"/>
+                </a:ext>
+              </a:extLst>
+            </a:blip>
+            <a:stretch>
+              <a:fillRect/>
+            </a:stretch>
+          </p:blipFill>
+          <p:spPr>
+            <a:xfrm>
+              <a:off x="20391932" y="18557075"/>
+              <a:ext cx="6447022" cy="6160792"/>
+            </a:xfrm>
+            <a:prstGeom prst="rect">
+              <a:avLst/>
+            </a:prstGeom>
+          </p:spPr>
+        </p:pic>
+        <p:pic>
+          <p:nvPicPr>
+            <p:cNvPr id="145" name="Picture 144">
+              <a:extLst>
+                <a:ext uri="{FF2B5EF4-FFF2-40B4-BE49-F238E27FC236}">
+                  <a16:creationId xmlns:a16="http://schemas.microsoft.com/office/drawing/2014/main" id="{3974D2D4-2650-47DF-9AA0-8C49A7307C50}"/>
+                </a:ext>
+              </a:extLst>
+            </p:cNvPr>
+            <p:cNvPicPr>
+              <a:picLocks noChangeAspect="1"/>
+            </p:cNvPicPr>
+            <p:nvPr/>
+          </p:nvPicPr>
+          <p:blipFill>
+            <a:blip r:embed="rId25">
+              <a:extLst>
+                <a:ext uri="{28A0092B-C50C-407E-A947-70E740481C1C}">
+                  <a14:useLocalDpi xmlns:a14="http://schemas.microsoft.com/office/drawing/2010/main" val="0"/>
+                </a:ext>
+              </a:extLst>
+            </a:blip>
+            <a:stretch>
+              <a:fillRect/>
+            </a:stretch>
+          </p:blipFill>
+          <p:spPr>
+            <a:xfrm>
+              <a:off x="20429152" y="24781457"/>
+              <a:ext cx="5347794" cy="2660185"/>
+            </a:xfrm>
+            <a:prstGeom prst="rect">
+              <a:avLst/>
+            </a:prstGeom>
+          </p:spPr>
+        </p:pic>
+      </p:grpSp>
+      <p:sp>
+        <p:nvSpPr>
+          <p:cNvPr id="156" name="TextBox 155">
+            <a:extLst>
+              <a:ext uri="{FF2B5EF4-FFF2-40B4-BE49-F238E27FC236}">
+                <a16:creationId xmlns:a16="http://schemas.microsoft.com/office/drawing/2014/main" id="{17BF042B-9C15-46E9-BF43-63E86A777B20}"/>
+              </a:ext>
+            </a:extLst>
+          </p:cNvPr>
+          <p:cNvSpPr txBox="1"/>
+          <p:nvPr/>
+        </p:nvSpPr>
+        <p:spPr>
+          <a:xfrm>
+            <a:off x="30214249" y="6320778"/>
+            <a:ext cx="12664156" cy="738664"/>
+          </a:xfrm>
+          <a:prstGeom prst="rect">
+            <a:avLst/>
+          </a:prstGeom>
+          <a:noFill/>
+        </p:spPr>
+        <p:txBody>
+          <a:bodyPr wrap="square" rtlCol="0">
+            <a:spAutoFit/>
+          </a:bodyPr>
+          <a:lstStyle/>
+          <a:p>
+            <a:pPr algn="ctr"/>
+            <a:r>
+              <a:rPr lang="en-US" sz="4200" b="1" dirty="0">
+                <a:solidFill>
+                  <a:schemeClr val="accent1">
+                    <a:lumMod val="50000"/>
+                  </a:schemeClr>
+                </a:solidFill>
+                <a:latin typeface="Helvetica" charset="0"/>
+                <a:ea typeface="Helvetica" charset="0"/>
+                <a:cs typeface="Helvetica" charset="0"/>
+              </a:rPr>
+              <a:t>Pragmatics drives explicit contrast behavior</a:t>
+            </a:r>
+          </a:p>
+        </p:txBody>
+      </p:sp>
+      <p:grpSp>
+        <p:nvGrpSpPr>
+          <p:cNvPr id="157" name="Group 156"/>
+          <p:cNvGrpSpPr/>
+          <p:nvPr/>
+        </p:nvGrpSpPr>
+        <p:grpSpPr>
+          <a:xfrm>
+            <a:off x="29678766" y="7321424"/>
+            <a:ext cx="3356417" cy="1268002"/>
+            <a:chOff x="31888931" y="16248248"/>
+            <a:chExt cx="2440047" cy="986056"/>
+          </a:xfrm>
+        </p:grpSpPr>
+        <p:pic>
+          <p:nvPicPr>
+            <p:cNvPr id="168" name="Picture 167">
+              <a:extLst>
+                <a:ext uri="{FF2B5EF4-FFF2-40B4-BE49-F238E27FC236}">
+                  <a16:creationId xmlns:a16="http://schemas.microsoft.com/office/drawing/2014/main" id="{B9E63752-B056-4BC0-993C-71C6A9B35D6B}"/>
+                </a:ext>
+              </a:extLst>
+            </p:cNvPr>
+            <p:cNvPicPr>
+              <a:picLocks noChangeAspect="1"/>
+            </p:cNvPicPr>
+            <p:nvPr/>
+          </p:nvPicPr>
+          <p:blipFill>
+            <a:blip r:embed="rId20" cstate="print"/>
+            <a:stretch>
+              <a:fillRect/>
+            </a:stretch>
+          </p:blipFill>
+          <p:spPr>
+            <a:xfrm>
+              <a:off x="32693305" y="16248248"/>
+              <a:ext cx="846196" cy="886858"/>
+            </a:xfrm>
+            <a:prstGeom prst="rect">
+              <a:avLst/>
+            </a:prstGeom>
+          </p:spPr>
+        </p:pic>
+        <p:pic>
+          <p:nvPicPr>
+            <p:cNvPr id="170" name="Picture 169">
+              <a:extLst>
+                <a:ext uri="{FF2B5EF4-FFF2-40B4-BE49-F238E27FC236}">
+                  <a16:creationId xmlns:a16="http://schemas.microsoft.com/office/drawing/2014/main" id="{B5A7751E-FFB4-4A1A-90AF-5A4CECBA4A43}"/>
+                </a:ext>
+              </a:extLst>
+            </p:cNvPr>
+            <p:cNvPicPr>
+              <a:picLocks noChangeAspect="1"/>
+            </p:cNvPicPr>
+            <p:nvPr/>
+          </p:nvPicPr>
+          <p:blipFill>
+            <a:blip r:embed="rId3" cstate="print"/>
+            <a:stretch>
+              <a:fillRect/>
+            </a:stretch>
+          </p:blipFill>
+          <p:spPr>
+            <a:xfrm>
+              <a:off x="33685168" y="16559188"/>
+              <a:ext cx="643810" cy="675116"/>
+            </a:xfrm>
+            <a:prstGeom prst="rect">
+              <a:avLst/>
+            </a:prstGeom>
+          </p:spPr>
+        </p:pic>
+        <p:pic>
+          <p:nvPicPr>
+            <p:cNvPr id="171" name="Picture 170">
+              <a:extLst>
+                <a:ext uri="{FF2B5EF4-FFF2-40B4-BE49-F238E27FC236}">
+                  <a16:creationId xmlns:a16="http://schemas.microsoft.com/office/drawing/2014/main" id="{73CB8EB3-B019-47EB-B75F-F5F18125590A}"/>
+                </a:ext>
+              </a:extLst>
+            </p:cNvPr>
+            <p:cNvPicPr>
+              <a:picLocks noChangeAspect="1"/>
+            </p:cNvPicPr>
+            <p:nvPr/>
+          </p:nvPicPr>
+          <p:blipFill>
+            <a:blip r:embed="rId3" cstate="print"/>
+            <a:stretch>
+              <a:fillRect/>
+            </a:stretch>
+          </p:blipFill>
+          <p:spPr>
+            <a:xfrm>
+              <a:off x="31888931" y="16514879"/>
+              <a:ext cx="643810" cy="675116"/>
+            </a:xfrm>
+            <a:prstGeom prst="rect">
+              <a:avLst/>
+            </a:prstGeom>
+          </p:spPr>
+        </p:pic>
+      </p:grpSp>
+      <p:pic>
+        <p:nvPicPr>
+          <p:cNvPr id="182" name="Picture 181">
+            <a:extLst>
+              <a:ext uri="{FF2B5EF4-FFF2-40B4-BE49-F238E27FC236}">
+                <a16:creationId xmlns:a16="http://schemas.microsoft.com/office/drawing/2014/main" id="{D0537AEA-9B42-407A-824E-FFBD9B10FDE9}"/>
+              </a:ext>
+            </a:extLst>
+          </p:cNvPr>
+          <p:cNvPicPr>
+            <a:picLocks noChangeAspect="1"/>
+          </p:cNvPicPr>
+          <p:nvPr/>
+        </p:nvPicPr>
+        <p:blipFill>
+          <a:blip r:embed="rId19" cstate="print"/>
+          <a:stretch>
+            <a:fillRect/>
+          </a:stretch>
+        </p:blipFill>
+        <p:spPr>
+          <a:xfrm flipH="1">
+            <a:off x="29554406" y="7240877"/>
+            <a:ext cx="384090" cy="362337"/>
+          </a:xfrm>
+          <a:prstGeom prst="rect">
+            <a:avLst/>
+          </a:prstGeom>
+        </p:spPr>
+      </p:pic>
+      <p:pic>
+        <p:nvPicPr>
+          <p:cNvPr id="188" name="Picture 187">
+            <a:extLst>
+              <a:ext uri="{FF2B5EF4-FFF2-40B4-BE49-F238E27FC236}">
+                <a16:creationId xmlns:a16="http://schemas.microsoft.com/office/drawing/2014/main" id="{BCAAE46D-ABE3-49E7-BC35-507A048C1266}"/>
+              </a:ext>
+            </a:extLst>
+          </p:cNvPr>
+          <p:cNvPicPr>
+            <a:picLocks noChangeAspect="1"/>
+          </p:cNvPicPr>
+          <p:nvPr/>
+        </p:nvPicPr>
+        <p:blipFill>
+          <a:blip r:embed="rId16" cstate="print"/>
+          <a:stretch>
+            <a:fillRect/>
+          </a:stretch>
+        </p:blipFill>
+        <p:spPr>
+          <a:xfrm flipH="1">
+            <a:off x="32685667" y="7242262"/>
+            <a:ext cx="392553" cy="361376"/>
+          </a:xfrm>
+          <a:prstGeom prst="rect">
+            <a:avLst/>
+          </a:prstGeom>
+        </p:spPr>
+      </p:pic>
     </p:spTree>
     <p:extLst>
       <p:ext uri="{BB962C8B-B14F-4D97-AF65-F5344CB8AC3E}">
